--- a/Präsentation/KA-Share.pptx
+++ b/Präsentation/KA-Share.pptx
@@ -613,7 +613,7 @@
           <a:p>
             <a:fld id="{D1AEE69C-A511-489D-9735-98F84310A8BC}" type="datetimeFigureOut">
               <a:rPr lang="de-DE" smtClean="0"/>
-              <a:t>08.02.2019</a:t>
+              <a:t>10.02.2019</a:t>
             </a:fld>
             <a:endParaRPr lang="de-DE"/>
           </a:p>
@@ -6826,7 +6826,13 @@
           <a:bodyPr/>
           <a:lstStyle/>
           <a:p>
-            <a:endParaRPr lang="de-DE"/>
+            <a:r>
+              <a:rPr lang="de-DE" b="1" dirty="0"/>
+              <a:t>Programmierer.</a:t>
+            </a:r>
+          </a:p>
+          <a:p>
+            <a:endParaRPr lang="de-DE" dirty="0"/>
           </a:p>
         </p:txBody>
       </p:sp>
@@ -6954,6 +6960,975 @@
           </a:p>
         </p:txBody>
       </p:sp>
+      <p:grpSp>
+        <p:nvGrpSpPr>
+          <p:cNvPr id="10" name="Gruppieren 9">
+            <a:extLst>
+              <a:ext uri="{FF2B5EF4-FFF2-40B4-BE49-F238E27FC236}">
+                <a16:creationId xmlns:a16="http://schemas.microsoft.com/office/drawing/2014/main" id="{07617A49-886C-4502-80EE-C73A6FA606F2}"/>
+              </a:ext>
+            </a:extLst>
+          </p:cNvPr>
+          <p:cNvGrpSpPr/>
+          <p:nvPr/>
+        </p:nvGrpSpPr>
+        <p:grpSpPr>
+          <a:xfrm>
+            <a:off x="682622" y="509343"/>
+            <a:ext cx="4893770" cy="3899072"/>
+            <a:chOff x="682622" y="509343"/>
+            <a:chExt cx="4893770" cy="3899072"/>
+          </a:xfrm>
+        </p:grpSpPr>
+        <p:sp>
+          <p:nvSpPr>
+            <p:cNvPr id="8" name="Textplatzhalter 4">
+              <a:extLst>
+                <a:ext uri="{FF2B5EF4-FFF2-40B4-BE49-F238E27FC236}">
+                  <a16:creationId xmlns:a16="http://schemas.microsoft.com/office/drawing/2014/main" id="{F46F9C9A-0A39-4C5F-A154-DF2EC4D9A58C}"/>
+                </a:ext>
+              </a:extLst>
+            </p:cNvPr>
+            <p:cNvSpPr txBox="1">
+              <a:spLocks/>
+            </p:cNvSpPr>
+            <p:nvPr/>
+          </p:nvSpPr>
+          <p:spPr>
+            <a:xfrm>
+              <a:off x="682622" y="515924"/>
+              <a:ext cx="2123495" cy="3837962"/>
+            </a:xfrm>
+            <a:prstGeom prst="rect">
+              <a:avLst/>
+            </a:prstGeom>
+          </p:spPr>
+          <p:txBody>
+            <a:bodyPr vert="horz" lIns="91440" tIns="45720" rIns="91440" bIns="45720" rtlCol="0" anchor="t">
+              <a:normAutofit/>
+            </a:bodyPr>
+            <a:lstStyle>
+              <a:lvl1pPr marL="0" indent="0" algn="l" defTabSz="457200" rtl="0" eaLnBrk="1" latinLnBrk="0" hangingPunct="1">
+                <a:spcBef>
+                  <a:spcPct val="20000"/>
+                </a:spcBef>
+                <a:spcAft>
+                  <a:spcPts val="600"/>
+                </a:spcAft>
+                <a:buClr>
+                  <a:schemeClr val="tx1"/>
+                </a:buClr>
+                <a:buSzPct val="80000"/>
+                <a:buFont typeface="Wingdings 3" panose="05040102010807070707" pitchFamily="18" charset="2"/>
+                <a:buNone/>
+                <a:defRPr sz="2000" kern="1200" cap="none">
+                  <a:solidFill>
+                    <a:schemeClr val="bg2">
+                      <a:lumMod val="75000"/>
+                    </a:schemeClr>
+                  </a:solidFill>
+                  <a:effectLst/>
+                  <a:latin typeface="+mn-lt"/>
+                  <a:ea typeface="+mn-ea"/>
+                  <a:cs typeface="+mn-cs"/>
+                </a:defRPr>
+              </a:lvl1pPr>
+              <a:lvl2pPr marL="457200" indent="0" algn="l" defTabSz="457200" rtl="0" eaLnBrk="1" latinLnBrk="0" hangingPunct="1">
+                <a:spcBef>
+                  <a:spcPct val="20000"/>
+                </a:spcBef>
+                <a:spcAft>
+                  <a:spcPts val="600"/>
+                </a:spcAft>
+                <a:buClr>
+                  <a:schemeClr val="tx1"/>
+                </a:buClr>
+                <a:buSzPct val="80000"/>
+                <a:buFont typeface="Wingdings 3" panose="05040102010807070707" pitchFamily="18" charset="2"/>
+                <a:buNone/>
+                <a:defRPr sz="1800" kern="1200" cap="none">
+                  <a:solidFill>
+                    <a:schemeClr val="tx1">
+                      <a:tint val="75000"/>
+                    </a:schemeClr>
+                  </a:solidFill>
+                  <a:effectLst/>
+                  <a:latin typeface="+mn-lt"/>
+                  <a:ea typeface="+mn-ea"/>
+                  <a:cs typeface="+mn-cs"/>
+                </a:defRPr>
+              </a:lvl2pPr>
+              <a:lvl3pPr marL="914400" indent="0" algn="l" defTabSz="457200" rtl="0" eaLnBrk="1" latinLnBrk="0" hangingPunct="1">
+                <a:spcBef>
+                  <a:spcPct val="20000"/>
+                </a:spcBef>
+                <a:spcAft>
+                  <a:spcPts val="600"/>
+                </a:spcAft>
+                <a:buClr>
+                  <a:schemeClr val="tx1"/>
+                </a:buClr>
+                <a:buSzPct val="80000"/>
+                <a:buFont typeface="Wingdings 3" panose="05040102010807070707" pitchFamily="18" charset="2"/>
+                <a:buNone/>
+                <a:defRPr sz="1600" kern="1200" cap="none">
+                  <a:solidFill>
+                    <a:schemeClr val="tx1">
+                      <a:tint val="75000"/>
+                    </a:schemeClr>
+                  </a:solidFill>
+                  <a:effectLst/>
+                  <a:latin typeface="+mn-lt"/>
+                  <a:ea typeface="+mn-ea"/>
+                  <a:cs typeface="+mn-cs"/>
+                </a:defRPr>
+              </a:lvl3pPr>
+              <a:lvl4pPr marL="1371600" indent="0" algn="l" defTabSz="457200" rtl="0" eaLnBrk="1" latinLnBrk="0" hangingPunct="1">
+                <a:spcBef>
+                  <a:spcPct val="20000"/>
+                </a:spcBef>
+                <a:spcAft>
+                  <a:spcPts val="600"/>
+                </a:spcAft>
+                <a:buClr>
+                  <a:schemeClr val="tx1"/>
+                </a:buClr>
+                <a:buSzPct val="80000"/>
+                <a:buFont typeface="Wingdings 3" panose="05040102010807070707" pitchFamily="18" charset="2"/>
+                <a:buNone/>
+                <a:defRPr sz="1400" kern="1200" cap="none">
+                  <a:solidFill>
+                    <a:schemeClr val="tx1">
+                      <a:tint val="75000"/>
+                    </a:schemeClr>
+                  </a:solidFill>
+                  <a:effectLst/>
+                  <a:latin typeface="+mn-lt"/>
+                  <a:ea typeface="+mn-ea"/>
+                  <a:cs typeface="+mn-cs"/>
+                </a:defRPr>
+              </a:lvl4pPr>
+              <a:lvl5pPr marL="1828800" indent="0" algn="l" defTabSz="457200" rtl="0" eaLnBrk="1" latinLnBrk="0" hangingPunct="1">
+                <a:spcBef>
+                  <a:spcPct val="20000"/>
+                </a:spcBef>
+                <a:spcAft>
+                  <a:spcPts val="600"/>
+                </a:spcAft>
+                <a:buClr>
+                  <a:schemeClr val="tx1"/>
+                </a:buClr>
+                <a:buSzPct val="80000"/>
+                <a:buFont typeface="Wingdings 3" panose="05040102010807070707" pitchFamily="18" charset="2"/>
+                <a:buNone/>
+                <a:defRPr sz="1400" kern="1200" cap="none">
+                  <a:solidFill>
+                    <a:schemeClr val="tx1">
+                      <a:tint val="75000"/>
+                    </a:schemeClr>
+                  </a:solidFill>
+                  <a:effectLst/>
+                  <a:latin typeface="+mn-lt"/>
+                  <a:ea typeface="+mn-ea"/>
+                  <a:cs typeface="+mn-cs"/>
+                </a:defRPr>
+              </a:lvl5pPr>
+              <a:lvl6pPr marL="2286000" indent="0" algn="l" defTabSz="457200" rtl="0" eaLnBrk="1" latinLnBrk="0" hangingPunct="1">
+                <a:spcBef>
+                  <a:spcPct val="20000"/>
+                </a:spcBef>
+                <a:spcAft>
+                  <a:spcPts val="600"/>
+                </a:spcAft>
+                <a:buClr>
+                  <a:schemeClr val="tx1"/>
+                </a:buClr>
+                <a:buSzPct val="80000"/>
+                <a:buFont typeface="Wingdings 3" panose="05040102010807070707" pitchFamily="18" charset="2"/>
+                <a:buNone/>
+                <a:defRPr sz="1400" kern="1200" cap="none">
+                  <a:solidFill>
+                    <a:schemeClr val="tx1">
+                      <a:tint val="75000"/>
+                    </a:schemeClr>
+                  </a:solidFill>
+                  <a:effectLst/>
+                  <a:latin typeface="+mn-lt"/>
+                  <a:ea typeface="+mn-ea"/>
+                  <a:cs typeface="+mn-cs"/>
+                </a:defRPr>
+              </a:lvl6pPr>
+              <a:lvl7pPr marL="2743200" indent="0" algn="l" defTabSz="457200" rtl="0" eaLnBrk="1" latinLnBrk="0" hangingPunct="1">
+                <a:spcBef>
+                  <a:spcPct val="20000"/>
+                </a:spcBef>
+                <a:spcAft>
+                  <a:spcPts val="600"/>
+                </a:spcAft>
+                <a:buClr>
+                  <a:schemeClr val="tx1"/>
+                </a:buClr>
+                <a:buSzPct val="80000"/>
+                <a:buFont typeface="Wingdings 3" panose="05040102010807070707" pitchFamily="18" charset="2"/>
+                <a:buNone/>
+                <a:defRPr sz="1400" kern="1200" cap="none">
+                  <a:solidFill>
+                    <a:schemeClr val="tx1">
+                      <a:tint val="75000"/>
+                    </a:schemeClr>
+                  </a:solidFill>
+                  <a:effectLst/>
+                  <a:latin typeface="+mn-lt"/>
+                  <a:ea typeface="+mn-ea"/>
+                  <a:cs typeface="+mn-cs"/>
+                </a:defRPr>
+              </a:lvl7pPr>
+              <a:lvl8pPr marL="3200400" indent="0" algn="l" defTabSz="457200" rtl="0" eaLnBrk="1" latinLnBrk="0" hangingPunct="1">
+                <a:spcBef>
+                  <a:spcPct val="20000"/>
+                </a:spcBef>
+                <a:spcAft>
+                  <a:spcPts val="600"/>
+                </a:spcAft>
+                <a:buClr>
+                  <a:schemeClr val="tx1"/>
+                </a:buClr>
+                <a:buSzPct val="80000"/>
+                <a:buFont typeface="Wingdings 3" panose="05040102010807070707" pitchFamily="18" charset="2"/>
+                <a:buNone/>
+                <a:defRPr sz="1400" kern="1200" cap="none">
+                  <a:solidFill>
+                    <a:schemeClr val="tx1">
+                      <a:tint val="75000"/>
+                    </a:schemeClr>
+                  </a:solidFill>
+                  <a:effectLst/>
+                  <a:latin typeface="+mn-lt"/>
+                  <a:ea typeface="+mn-ea"/>
+                  <a:cs typeface="+mn-cs"/>
+                </a:defRPr>
+              </a:lvl8pPr>
+              <a:lvl9pPr marL="3657600" indent="0" algn="l" defTabSz="457200" rtl="0" eaLnBrk="1" latinLnBrk="0" hangingPunct="1">
+                <a:spcBef>
+                  <a:spcPct val="20000"/>
+                </a:spcBef>
+                <a:spcAft>
+                  <a:spcPts val="600"/>
+                </a:spcAft>
+                <a:buClr>
+                  <a:schemeClr val="tx1"/>
+                </a:buClr>
+                <a:buSzPct val="80000"/>
+                <a:buFont typeface="Wingdings 3" panose="05040102010807070707" pitchFamily="18" charset="2"/>
+                <a:buNone/>
+                <a:defRPr sz="1400" kern="1200" cap="none">
+                  <a:solidFill>
+                    <a:schemeClr val="tx1">
+                      <a:tint val="75000"/>
+                    </a:schemeClr>
+                  </a:solidFill>
+                  <a:effectLst/>
+                  <a:latin typeface="+mn-lt"/>
+                  <a:ea typeface="+mn-ea"/>
+                  <a:cs typeface="+mn-cs"/>
+                </a:defRPr>
+              </a:lvl9pPr>
+            </a:lstStyle>
+            <a:p>
+              <a:r>
+                <a:rPr lang="de-DE" sz="1800" dirty="0">
+                  <a:solidFill>
+                    <a:schemeClr val="tx1"/>
+                  </a:solidFill>
+                </a:rPr>
+                <a:t>Reisen:</a:t>
+              </a:r>
+            </a:p>
+            <a:p>
+              <a:pPr lvl="1"/>
+              <a:endParaRPr lang="de-DE" dirty="0">
+                <a:solidFill>
+                  <a:schemeClr val="tx1"/>
+                </a:solidFill>
+              </a:endParaRPr>
+            </a:p>
+            <a:p>
+              <a:pPr marL="800100" lvl="1" indent="-342900">
+                <a:buFontTx/>
+                <a:buChar char="-"/>
+              </a:pPr>
+              <a:endParaRPr lang="de-DE" dirty="0">
+                <a:solidFill>
+                  <a:schemeClr val="tx1"/>
+                </a:solidFill>
+              </a:endParaRPr>
+            </a:p>
+            <a:p>
+              <a:endParaRPr lang="de-DE" sz="1800" dirty="0">
+                <a:solidFill>
+                  <a:schemeClr val="tx1"/>
+                </a:solidFill>
+              </a:endParaRPr>
+            </a:p>
+            <a:p>
+              <a:r>
+                <a:rPr lang="de-DE" sz="1800" dirty="0">
+                  <a:solidFill>
+                    <a:schemeClr val="tx1"/>
+                  </a:solidFill>
+                </a:rPr>
+                <a:t>Sport:</a:t>
+              </a:r>
+            </a:p>
+            <a:p>
+              <a:pPr lvl="1"/>
+              <a:r>
+                <a:rPr lang="de-DE" dirty="0">
+                  <a:solidFill>
+                    <a:schemeClr val="tx1"/>
+                  </a:solidFill>
+                </a:rPr>
+                <a:t> </a:t>
+              </a:r>
+            </a:p>
+            <a:p>
+              <a:pPr lvl="1"/>
+              <a:endParaRPr lang="de-DE" dirty="0">
+                <a:solidFill>
+                  <a:schemeClr val="tx1"/>
+                </a:solidFill>
+              </a:endParaRPr>
+            </a:p>
+            <a:p>
+              <a:r>
+                <a:rPr lang="de-DE" sz="1800" dirty="0">
+                  <a:solidFill>
+                    <a:schemeClr val="tx1"/>
+                  </a:solidFill>
+                </a:rPr>
+                <a:t>Freizeitparks: </a:t>
+              </a:r>
+            </a:p>
+          </p:txBody>
+        </p:sp>
+        <p:sp>
+          <p:nvSpPr>
+            <p:cNvPr id="9" name="Textplatzhalter 4">
+              <a:extLst>
+                <a:ext uri="{FF2B5EF4-FFF2-40B4-BE49-F238E27FC236}">
+                  <a16:creationId xmlns:a16="http://schemas.microsoft.com/office/drawing/2014/main" id="{103C2607-0469-4879-914F-6B58FBEF5679}"/>
+                </a:ext>
+              </a:extLst>
+            </p:cNvPr>
+            <p:cNvSpPr txBox="1">
+              <a:spLocks/>
+            </p:cNvSpPr>
+            <p:nvPr/>
+          </p:nvSpPr>
+          <p:spPr>
+            <a:xfrm>
+              <a:off x="2559469" y="509343"/>
+              <a:ext cx="3016923" cy="3899072"/>
+            </a:xfrm>
+            <a:prstGeom prst="rect">
+              <a:avLst/>
+            </a:prstGeom>
+          </p:spPr>
+          <p:txBody>
+            <a:bodyPr vert="horz" lIns="91440" tIns="45720" rIns="91440" bIns="45720" rtlCol="0" anchor="t">
+              <a:normAutofit/>
+            </a:bodyPr>
+            <a:lstStyle>
+              <a:lvl1pPr marL="0" indent="0" algn="l" defTabSz="457200" rtl="0" eaLnBrk="1" latinLnBrk="0" hangingPunct="1">
+                <a:spcBef>
+                  <a:spcPct val="20000"/>
+                </a:spcBef>
+                <a:spcAft>
+                  <a:spcPts val="600"/>
+                </a:spcAft>
+                <a:buClr>
+                  <a:schemeClr val="tx1"/>
+                </a:buClr>
+                <a:buSzPct val="80000"/>
+                <a:buFont typeface="Wingdings 3" panose="05040102010807070707" pitchFamily="18" charset="2"/>
+                <a:buNone/>
+                <a:defRPr sz="2000" kern="1200" cap="none">
+                  <a:solidFill>
+                    <a:schemeClr val="bg2">
+                      <a:lumMod val="75000"/>
+                    </a:schemeClr>
+                  </a:solidFill>
+                  <a:effectLst/>
+                  <a:latin typeface="+mn-lt"/>
+                  <a:ea typeface="+mn-ea"/>
+                  <a:cs typeface="+mn-cs"/>
+                </a:defRPr>
+              </a:lvl1pPr>
+              <a:lvl2pPr marL="457200" indent="0" algn="l" defTabSz="457200" rtl="0" eaLnBrk="1" latinLnBrk="0" hangingPunct="1">
+                <a:spcBef>
+                  <a:spcPct val="20000"/>
+                </a:spcBef>
+                <a:spcAft>
+                  <a:spcPts val="600"/>
+                </a:spcAft>
+                <a:buClr>
+                  <a:schemeClr val="tx1"/>
+                </a:buClr>
+                <a:buSzPct val="80000"/>
+                <a:buFont typeface="Wingdings 3" panose="05040102010807070707" pitchFamily="18" charset="2"/>
+                <a:buNone/>
+                <a:defRPr sz="1800" kern="1200" cap="none">
+                  <a:solidFill>
+                    <a:schemeClr val="tx1">
+                      <a:tint val="75000"/>
+                    </a:schemeClr>
+                  </a:solidFill>
+                  <a:effectLst/>
+                  <a:latin typeface="+mn-lt"/>
+                  <a:ea typeface="+mn-ea"/>
+                  <a:cs typeface="+mn-cs"/>
+                </a:defRPr>
+              </a:lvl2pPr>
+              <a:lvl3pPr marL="914400" indent="0" algn="l" defTabSz="457200" rtl="0" eaLnBrk="1" latinLnBrk="0" hangingPunct="1">
+                <a:spcBef>
+                  <a:spcPct val="20000"/>
+                </a:spcBef>
+                <a:spcAft>
+                  <a:spcPts val="600"/>
+                </a:spcAft>
+                <a:buClr>
+                  <a:schemeClr val="tx1"/>
+                </a:buClr>
+                <a:buSzPct val="80000"/>
+                <a:buFont typeface="Wingdings 3" panose="05040102010807070707" pitchFamily="18" charset="2"/>
+                <a:buNone/>
+                <a:defRPr sz="1600" kern="1200" cap="none">
+                  <a:solidFill>
+                    <a:schemeClr val="tx1">
+                      <a:tint val="75000"/>
+                    </a:schemeClr>
+                  </a:solidFill>
+                  <a:effectLst/>
+                  <a:latin typeface="+mn-lt"/>
+                  <a:ea typeface="+mn-ea"/>
+                  <a:cs typeface="+mn-cs"/>
+                </a:defRPr>
+              </a:lvl3pPr>
+              <a:lvl4pPr marL="1371600" indent="0" algn="l" defTabSz="457200" rtl="0" eaLnBrk="1" latinLnBrk="0" hangingPunct="1">
+                <a:spcBef>
+                  <a:spcPct val="20000"/>
+                </a:spcBef>
+                <a:spcAft>
+                  <a:spcPts val="600"/>
+                </a:spcAft>
+                <a:buClr>
+                  <a:schemeClr val="tx1"/>
+                </a:buClr>
+                <a:buSzPct val="80000"/>
+                <a:buFont typeface="Wingdings 3" panose="05040102010807070707" pitchFamily="18" charset="2"/>
+                <a:buNone/>
+                <a:defRPr sz="1400" kern="1200" cap="none">
+                  <a:solidFill>
+                    <a:schemeClr val="tx1">
+                      <a:tint val="75000"/>
+                    </a:schemeClr>
+                  </a:solidFill>
+                  <a:effectLst/>
+                  <a:latin typeface="+mn-lt"/>
+                  <a:ea typeface="+mn-ea"/>
+                  <a:cs typeface="+mn-cs"/>
+                </a:defRPr>
+              </a:lvl4pPr>
+              <a:lvl5pPr marL="1828800" indent="0" algn="l" defTabSz="457200" rtl="0" eaLnBrk="1" latinLnBrk="0" hangingPunct="1">
+                <a:spcBef>
+                  <a:spcPct val="20000"/>
+                </a:spcBef>
+                <a:spcAft>
+                  <a:spcPts val="600"/>
+                </a:spcAft>
+                <a:buClr>
+                  <a:schemeClr val="tx1"/>
+                </a:buClr>
+                <a:buSzPct val="80000"/>
+                <a:buFont typeface="Wingdings 3" panose="05040102010807070707" pitchFamily="18" charset="2"/>
+                <a:buNone/>
+                <a:defRPr sz="1400" kern="1200" cap="none">
+                  <a:solidFill>
+                    <a:schemeClr val="tx1">
+                      <a:tint val="75000"/>
+                    </a:schemeClr>
+                  </a:solidFill>
+                  <a:effectLst/>
+                  <a:latin typeface="+mn-lt"/>
+                  <a:ea typeface="+mn-ea"/>
+                  <a:cs typeface="+mn-cs"/>
+                </a:defRPr>
+              </a:lvl5pPr>
+              <a:lvl6pPr marL="2286000" indent="0" algn="l" defTabSz="457200" rtl="0" eaLnBrk="1" latinLnBrk="0" hangingPunct="1">
+                <a:spcBef>
+                  <a:spcPct val="20000"/>
+                </a:spcBef>
+                <a:spcAft>
+                  <a:spcPts val="600"/>
+                </a:spcAft>
+                <a:buClr>
+                  <a:schemeClr val="tx1"/>
+                </a:buClr>
+                <a:buSzPct val="80000"/>
+                <a:buFont typeface="Wingdings 3" panose="05040102010807070707" pitchFamily="18" charset="2"/>
+                <a:buNone/>
+                <a:defRPr sz="1400" kern="1200" cap="none">
+                  <a:solidFill>
+                    <a:schemeClr val="tx1">
+                      <a:tint val="75000"/>
+                    </a:schemeClr>
+                  </a:solidFill>
+                  <a:effectLst/>
+                  <a:latin typeface="+mn-lt"/>
+                  <a:ea typeface="+mn-ea"/>
+                  <a:cs typeface="+mn-cs"/>
+                </a:defRPr>
+              </a:lvl6pPr>
+              <a:lvl7pPr marL="2743200" indent="0" algn="l" defTabSz="457200" rtl="0" eaLnBrk="1" latinLnBrk="0" hangingPunct="1">
+                <a:spcBef>
+                  <a:spcPct val="20000"/>
+                </a:spcBef>
+                <a:spcAft>
+                  <a:spcPts val="600"/>
+                </a:spcAft>
+                <a:buClr>
+                  <a:schemeClr val="tx1"/>
+                </a:buClr>
+                <a:buSzPct val="80000"/>
+                <a:buFont typeface="Wingdings 3" panose="05040102010807070707" pitchFamily="18" charset="2"/>
+                <a:buNone/>
+                <a:defRPr sz="1400" kern="1200" cap="none">
+                  <a:solidFill>
+                    <a:schemeClr val="tx1">
+                      <a:tint val="75000"/>
+                    </a:schemeClr>
+                  </a:solidFill>
+                  <a:effectLst/>
+                  <a:latin typeface="+mn-lt"/>
+                  <a:ea typeface="+mn-ea"/>
+                  <a:cs typeface="+mn-cs"/>
+                </a:defRPr>
+              </a:lvl7pPr>
+              <a:lvl8pPr marL="3200400" indent="0" algn="l" defTabSz="457200" rtl="0" eaLnBrk="1" latinLnBrk="0" hangingPunct="1">
+                <a:spcBef>
+                  <a:spcPct val="20000"/>
+                </a:spcBef>
+                <a:spcAft>
+                  <a:spcPts val="600"/>
+                </a:spcAft>
+                <a:buClr>
+                  <a:schemeClr val="tx1"/>
+                </a:buClr>
+                <a:buSzPct val="80000"/>
+                <a:buFont typeface="Wingdings 3" panose="05040102010807070707" pitchFamily="18" charset="2"/>
+                <a:buNone/>
+                <a:defRPr sz="1400" kern="1200" cap="none">
+                  <a:solidFill>
+                    <a:schemeClr val="tx1">
+                      <a:tint val="75000"/>
+                    </a:schemeClr>
+                  </a:solidFill>
+                  <a:effectLst/>
+                  <a:latin typeface="+mn-lt"/>
+                  <a:ea typeface="+mn-ea"/>
+                  <a:cs typeface="+mn-cs"/>
+                </a:defRPr>
+              </a:lvl8pPr>
+              <a:lvl9pPr marL="3657600" indent="0" algn="l" defTabSz="457200" rtl="0" eaLnBrk="1" latinLnBrk="0" hangingPunct="1">
+                <a:spcBef>
+                  <a:spcPct val="20000"/>
+                </a:spcBef>
+                <a:spcAft>
+                  <a:spcPts val="600"/>
+                </a:spcAft>
+                <a:buClr>
+                  <a:schemeClr val="tx1"/>
+                </a:buClr>
+                <a:buSzPct val="80000"/>
+                <a:buFont typeface="Wingdings 3" panose="05040102010807070707" pitchFamily="18" charset="2"/>
+                <a:buNone/>
+                <a:defRPr sz="1400" kern="1200" cap="none">
+                  <a:solidFill>
+                    <a:schemeClr val="tx1">
+                      <a:tint val="75000"/>
+                    </a:schemeClr>
+                  </a:solidFill>
+                  <a:effectLst/>
+                  <a:latin typeface="+mn-lt"/>
+                  <a:ea typeface="+mn-ea"/>
+                  <a:cs typeface="+mn-cs"/>
+                </a:defRPr>
+              </a:lvl9pPr>
+            </a:lstStyle>
+            <a:p>
+              <a:pPr marL="800100" lvl="1" indent="-342900">
+                <a:buFontTx/>
+                <a:buChar char="-"/>
+              </a:pPr>
+              <a:r>
+                <a:rPr lang="de-DE" dirty="0">
+                  <a:solidFill>
+                    <a:schemeClr val="tx1"/>
+                  </a:solidFill>
+                </a:rPr>
+                <a:t>USA</a:t>
+              </a:r>
+            </a:p>
+            <a:p>
+              <a:pPr marL="800100" lvl="1" indent="-342900">
+                <a:buFontTx/>
+                <a:buChar char="-"/>
+              </a:pPr>
+              <a:r>
+                <a:rPr lang="de-DE" dirty="0">
+                  <a:solidFill>
+                    <a:schemeClr val="tx1"/>
+                  </a:solidFill>
+                </a:rPr>
+                <a:t>Mexiko</a:t>
+              </a:r>
+            </a:p>
+            <a:p>
+              <a:pPr marL="800100" lvl="1" indent="-342900">
+                <a:buFontTx/>
+                <a:buChar char="-"/>
+              </a:pPr>
+              <a:r>
+                <a:rPr lang="de-DE" dirty="0">
+                  <a:solidFill>
+                    <a:schemeClr val="tx1"/>
+                  </a:solidFill>
+                </a:rPr>
+                <a:t>Thailand</a:t>
+              </a:r>
+            </a:p>
+            <a:p>
+              <a:pPr lvl="1"/>
+              <a:endParaRPr lang="de-DE" dirty="0">
+                <a:solidFill>
+                  <a:schemeClr val="tx1"/>
+                </a:solidFill>
+              </a:endParaRPr>
+            </a:p>
+            <a:p>
+              <a:pPr marL="800100" lvl="1" indent="-342900">
+                <a:buFontTx/>
+                <a:buChar char="-"/>
+              </a:pPr>
+              <a:r>
+                <a:rPr lang="de-DE" dirty="0">
+                  <a:solidFill>
+                    <a:schemeClr val="tx1"/>
+                  </a:solidFill>
+                </a:rPr>
+                <a:t>Spinning </a:t>
+              </a:r>
+            </a:p>
+            <a:p>
+              <a:pPr marL="800100" lvl="1" indent="-342900">
+                <a:buFontTx/>
+                <a:buChar char="-"/>
+              </a:pPr>
+              <a:r>
+                <a:rPr lang="de-DE" dirty="0">
+                  <a:solidFill>
+                    <a:schemeClr val="tx1"/>
+                  </a:solidFill>
+                </a:rPr>
+                <a:t>Kraft-Ausdauer</a:t>
+              </a:r>
+            </a:p>
+            <a:p>
+              <a:pPr marL="800100" lvl="1" indent="-342900">
+                <a:buFontTx/>
+                <a:buChar char="-"/>
+              </a:pPr>
+              <a:endParaRPr lang="de-DE" dirty="0">
+                <a:solidFill>
+                  <a:schemeClr val="tx1"/>
+                </a:solidFill>
+              </a:endParaRPr>
+            </a:p>
+            <a:p>
+              <a:pPr marL="800100" lvl="1" indent="-342900">
+                <a:buFontTx/>
+                <a:buChar char="-"/>
+              </a:pPr>
+              <a:r>
+                <a:rPr lang="de-DE" dirty="0">
+                  <a:solidFill>
+                    <a:schemeClr val="tx1"/>
+                  </a:solidFill>
+                </a:rPr>
+                <a:t>10 Europa</a:t>
+              </a:r>
+            </a:p>
+            <a:p>
+              <a:pPr marL="800100" lvl="1" indent="-342900">
+                <a:buFontTx/>
+                <a:buChar char="-"/>
+              </a:pPr>
+              <a:r>
+                <a:rPr lang="de-DE" dirty="0">
+                  <a:solidFill>
+                    <a:schemeClr val="tx1"/>
+                  </a:solidFill>
+                </a:rPr>
+                <a:t>  8 USA</a:t>
+              </a:r>
+              <a:endParaRPr lang="de-DE" dirty="0"/>
+            </a:p>
+          </p:txBody>
+        </p:sp>
+      </p:grpSp>
+      <p:pic>
+        <p:nvPicPr>
+          <p:cNvPr id="12" name="Grafik 11" descr="Rad">
+            <a:extLst>
+              <a:ext uri="{FF2B5EF4-FFF2-40B4-BE49-F238E27FC236}">
+                <a16:creationId xmlns:a16="http://schemas.microsoft.com/office/drawing/2014/main" id="{51C8D45C-4EBC-4C59-BFF4-5061CBD01059}"/>
+              </a:ext>
+            </a:extLst>
+          </p:cNvPr>
+          <p:cNvPicPr>
+            <a:picLocks noChangeAspect="1"/>
+          </p:cNvPicPr>
+          <p:nvPr/>
+        </p:nvPicPr>
+        <p:blipFill>
+          <a:blip r:embed="rId4">
+            <a:extLst>
+              <a:ext uri="{96DAC541-7B7A-43D3-8B79-37D633B846F1}">
+                <asvg:svgBlip xmlns:asvg="http://schemas.microsoft.com/office/drawing/2016/SVG/main" r:embed="rId5"/>
+              </a:ext>
+            </a:extLst>
+          </a:blip>
+          <a:stretch>
+            <a:fillRect/>
+          </a:stretch>
+        </p:blipFill>
+        <p:spPr>
+          <a:xfrm>
+            <a:off x="8434004" y="2133302"/>
+            <a:ext cx="914400" cy="914400"/>
+          </a:xfrm>
+          <a:prstGeom prst="rect">
+            <a:avLst/>
+          </a:prstGeom>
+        </p:spPr>
+      </p:pic>
+      <p:pic>
+        <p:nvPicPr>
+          <p:cNvPr id="1026" name="Picture 2" descr="https://t4.ftcdn.net/jpg/01/09/49/03/240_F_109490336_58WJ0d4PJsZketWyxhin6zw3TNukh3Dd.jpg">
+            <a:extLst>
+              <a:ext uri="{FF2B5EF4-FFF2-40B4-BE49-F238E27FC236}">
+                <a16:creationId xmlns:a16="http://schemas.microsoft.com/office/drawing/2014/main" id="{20DEC696-1416-48E2-AE86-50B51CA7E1E1}"/>
+              </a:ext>
+            </a:extLst>
+          </p:cNvPr>
+          <p:cNvPicPr>
+            <a:picLocks noChangeAspect="1" noChangeArrowheads="1"/>
+          </p:cNvPicPr>
+          <p:nvPr/>
+        </p:nvPicPr>
+        <p:blipFill rotWithShape="1">
+          <a:blip r:embed="rId6">
+            <a:extLst>
+              <a:ext uri="{BEBA8EAE-BF5A-486C-A8C5-ECC9F3942E4B}">
+                <a14:imgProps xmlns:a14="http://schemas.microsoft.com/office/drawing/2010/main">
+                  <a14:imgLayer r:embed="rId7">
+                    <a14:imgEffect>
+                      <a14:backgroundRemoval t="14167" b="66250" l="9047" r="90307">
+                        <a14:foregroundMark x1="32633" y1="22917" x2="32633" y2="22917"/>
+                        <a14:foregroundMark x1="32956" y1="21250" x2="33603" y2="21250"/>
+                        <a14:foregroundMark x1="31664" y1="24167" x2="29402" y2="29583"/>
+                        <a14:foregroundMark x1="34087" y1="20417" x2="36026" y2="17083"/>
+                        <a14:foregroundMark x1="36511" y1="16667" x2="36834" y2="16250"/>
+                        <a14:foregroundMark x1="28756" y1="30417" x2="28433" y2="30833"/>
+                        <a14:foregroundMark x1="27464" y1="30417" x2="27464" y2="30417"/>
+                        <a14:foregroundMark x1="10662" y1="49583" x2="10662" y2="49583"/>
+                        <a14:foregroundMark x1="11955" y1="50000" x2="11955" y2="50000"/>
+                        <a14:foregroundMark x1="15186" y1="52500" x2="15186" y2="52500"/>
+                        <a14:foregroundMark x1="16640" y1="53750" x2="16640" y2="53750"/>
+                        <a14:foregroundMark x1="18094" y1="55833" x2="18094" y2="55833"/>
+                        <a14:foregroundMark x1="19386" y1="52500" x2="19386" y2="52500"/>
+                        <a14:foregroundMark x1="20840" y1="47917" x2="20840" y2="47917"/>
+                        <a14:foregroundMark x1="22456" y1="45417" x2="22456" y2="45417"/>
+                        <a14:foregroundMark x1="13570" y1="50417" x2="13570" y2="50417"/>
+                        <a14:foregroundMark x1="11793" y1="49167" x2="11793" y2="49167"/>
+                        <a14:foregroundMark x1="9370" y1="49167" x2="9370" y2="49167"/>
+                        <a14:foregroundMark x1="10662" y1="48333" x2="10662" y2="48333"/>
+                        <a14:foregroundMark x1="26333" y1="35833" x2="25202" y2="38333"/>
+                        <a14:foregroundMark x1="38126" y1="15833" x2="40226" y2="14167"/>
+                        <a14:foregroundMark x1="44265" y1="26250" x2="45234" y2="30833"/>
+                        <a14:foregroundMark x1="52666" y1="32500" x2="48304" y2="27917"/>
+                        <a14:foregroundMark x1="48304" y1="27917" x2="44265" y2="29167"/>
+                        <a14:foregroundMark x1="44265" y1="29167" x2="42003" y2="37917"/>
+                        <a14:foregroundMark x1="42003" y1="37917" x2="42811" y2="49167"/>
+                        <a14:foregroundMark x1="42811" y1="49167" x2="46688" y2="53750"/>
+                        <a14:foregroundMark x1="46688" y1="53750" x2="50889" y2="52083"/>
+                        <a14:foregroundMark x1="50889" y1="52083" x2="51858" y2="45000"/>
+                        <a14:foregroundMark x1="57189" y1="56250" x2="58643" y2="44583"/>
+                        <a14:foregroundMark x1="58643" y1="44583" x2="62036" y2="37917"/>
+                        <a14:foregroundMark x1="62036" y1="37917" x2="66236" y2="38333"/>
+                        <a14:foregroundMark x1="66236" y1="38333" x2="68659" y2="46667"/>
+                        <a14:foregroundMark x1="68659" y1="46667" x2="71082" y2="62917"/>
+                        <a14:foregroundMark x1="67044" y1="54583" x2="63005" y2="57083"/>
+                        <a14:foregroundMark x1="63005" y1="57083" x2="57997" y2="54583"/>
+                        <a14:foregroundMark x1="49919" y1="62083" x2="11632" y2="62083"/>
+                        <a14:foregroundMark x1="11632" y1="62083" x2="9208" y2="56667"/>
+                        <a14:foregroundMark x1="20840" y1="52500" x2="41842" y2="30833"/>
+                        <a14:foregroundMark x1="51696" y1="62917" x2="46850" y2="62500"/>
+                        <a14:foregroundMark x1="78675" y1="65833" x2="82714" y2="62500"/>
+                        <a14:foregroundMark x1="82714" y1="62500" x2="86914" y2="62917"/>
+                        <a14:foregroundMark x1="86914" y1="62917" x2="89661" y2="65417"/>
+                        <a14:foregroundMark x1="90307" y1="66250" x2="79645" y2="65417"/>
+                      </a14:backgroundRemoval>
+                    </a14:imgEffect>
+                  </a14:imgLayer>
+                </a14:imgProps>
+              </a:ext>
+              <a:ext uri="{28A0092B-C50C-407E-A947-70E740481C1C}">
+                <a14:useLocalDpi xmlns:a14="http://schemas.microsoft.com/office/drawing/2010/main" val="0"/>
+              </a:ext>
+            </a:extLst>
+          </a:blip>
+          <a:srcRect t="8653" b="28977"/>
+          <a:stretch/>
+        </p:blipFill>
+        <p:spPr bwMode="auto">
+          <a:xfrm>
+            <a:off x="5288990" y="3003625"/>
+            <a:ext cx="5247920" cy="1269058"/>
+          </a:xfrm>
+          <a:prstGeom prst="rect">
+            <a:avLst/>
+          </a:prstGeom>
+          <a:noFill/>
+          <a:extLst>
+            <a:ext uri="{909E8E84-426E-40DD-AFC4-6F175D3DCCD1}">
+              <a14:hiddenFill xmlns:a14="http://schemas.microsoft.com/office/drawing/2010/main">
+                <a:solidFill>
+                  <a:srgbClr val="FFFFFF"/>
+                </a:solidFill>
+              </a14:hiddenFill>
+            </a:ext>
+          </a:extLst>
+        </p:spPr>
+      </p:pic>
+      <p:pic>
+        <p:nvPicPr>
+          <p:cNvPr id="16" name="Grafik 15" descr="Palme">
+            <a:extLst>
+              <a:ext uri="{FF2B5EF4-FFF2-40B4-BE49-F238E27FC236}">
+                <a16:creationId xmlns:a16="http://schemas.microsoft.com/office/drawing/2014/main" id="{8A728D41-212E-4F11-9827-E30D00E0E6F3}"/>
+              </a:ext>
+            </a:extLst>
+          </p:cNvPr>
+          <p:cNvPicPr>
+            <a:picLocks noChangeAspect="1"/>
+          </p:cNvPicPr>
+          <p:nvPr/>
+        </p:nvPicPr>
+        <p:blipFill>
+          <a:blip r:embed="rId8">
+            <a:extLst>
+              <a:ext uri="{96DAC541-7B7A-43D3-8B79-37D633B846F1}">
+                <asvg:svgBlip xmlns:asvg="http://schemas.microsoft.com/office/drawing/2016/SVG/main" r:embed="rId9"/>
+              </a:ext>
+            </a:extLst>
+          </a:blip>
+          <a:stretch>
+            <a:fillRect/>
+          </a:stretch>
+        </p:blipFill>
+        <p:spPr>
+          <a:xfrm>
+            <a:off x="6220916" y="783433"/>
+            <a:ext cx="914400" cy="914400"/>
+          </a:xfrm>
+          <a:prstGeom prst="rect">
+            <a:avLst/>
+          </a:prstGeom>
+        </p:spPr>
+      </p:pic>
+      <p:pic>
+        <p:nvPicPr>
+          <p:cNvPr id="18" name="Grafik 17" descr="Erdkugel Amerika">
+            <a:extLst>
+              <a:ext uri="{FF2B5EF4-FFF2-40B4-BE49-F238E27FC236}">
+                <a16:creationId xmlns:a16="http://schemas.microsoft.com/office/drawing/2014/main" id="{562C6F40-F7D5-4C8A-B706-4BD3F0A554ED}"/>
+              </a:ext>
+            </a:extLst>
+          </p:cNvPr>
+          <p:cNvPicPr>
+            <a:picLocks noChangeAspect="1"/>
+          </p:cNvPicPr>
+          <p:nvPr/>
+        </p:nvPicPr>
+        <p:blipFill>
+          <a:blip r:embed="rId10">
+            <a:extLst>
+              <a:ext uri="{96DAC541-7B7A-43D3-8B79-37D633B846F1}">
+                <asvg:svgBlip xmlns:asvg="http://schemas.microsoft.com/office/drawing/2016/SVG/main" r:embed="rId11"/>
+              </a:ext>
+            </a:extLst>
+          </a:blip>
+          <a:stretch>
+            <a:fillRect/>
+          </a:stretch>
+        </p:blipFill>
+        <p:spPr>
+          <a:xfrm>
+            <a:off x="5513885" y="384884"/>
+            <a:ext cx="914400" cy="914400"/>
+          </a:xfrm>
+          <a:prstGeom prst="rect">
+            <a:avLst/>
+          </a:prstGeom>
+        </p:spPr>
+      </p:pic>
+      <p:pic>
+        <p:nvPicPr>
+          <p:cNvPr id="22" name="Grafik 21" descr="Wegweiser">
+            <a:extLst>
+              <a:ext uri="{FF2B5EF4-FFF2-40B4-BE49-F238E27FC236}">
+                <a16:creationId xmlns:a16="http://schemas.microsoft.com/office/drawing/2014/main" id="{2AECE126-588A-42A5-AE50-B5AEDBBBD249}"/>
+              </a:ext>
+            </a:extLst>
+          </p:cNvPr>
+          <p:cNvPicPr>
+            <a:picLocks noChangeAspect="1"/>
+          </p:cNvPicPr>
+          <p:nvPr/>
+        </p:nvPicPr>
+        <p:blipFill>
+          <a:blip r:embed="rId12">
+            <a:extLst>
+              <a:ext uri="{96DAC541-7B7A-43D3-8B79-37D633B846F1}">
+                <asvg:svgBlip xmlns:asvg="http://schemas.microsoft.com/office/drawing/2016/SVG/main" r:embed="rId13"/>
+              </a:ext>
+            </a:extLst>
+          </a:blip>
+          <a:stretch>
+            <a:fillRect/>
+          </a:stretch>
+        </p:blipFill>
+        <p:spPr>
+          <a:xfrm>
+            <a:off x="6722212" y="384884"/>
+            <a:ext cx="914400" cy="914400"/>
+          </a:xfrm>
+          <a:prstGeom prst="rect">
+            <a:avLst/>
+          </a:prstGeom>
+        </p:spPr>
+      </p:pic>
     </p:spTree>
     <p:extLst>
       <p:ext uri="{BB962C8B-B14F-4D97-AF65-F5344CB8AC3E}">

--- a/Präsentation/KA-Share.pptx
+++ b/Präsentation/KA-Share.pptx
@@ -613,7 +613,7 @@
           <a:p>
             <a:fld id="{D1AEE69C-A511-489D-9735-98F84310A8BC}" type="datetimeFigureOut">
               <a:rPr lang="de-DE" smtClean="0"/>
-              <a:t>10.02.2019</a:t>
+              <a:t>11.02.2019</a:t>
             </a:fld>
             <a:endParaRPr lang="de-DE"/>
           </a:p>
@@ -6562,7 +6562,12 @@
             <p:ph type="title"/>
           </p:nvPr>
         </p:nvSpPr>
-        <p:spPr/>
+        <p:spPr>
+          <a:xfrm>
+            <a:off x="684212" y="4487333"/>
+            <a:ext cx="8534400" cy="1058268"/>
+          </a:xfrm>
+        </p:spPr>
         <p:txBody>
           <a:bodyPr/>
           <a:lstStyle/>
@@ -6587,15 +6592,156 @@
             <a:spLocks noGrp="1"/>
           </p:cNvSpPr>
           <p:nvPr>
-            <p:ph type="body" idx="1"/>
+            <p:ph idx="1"/>
           </p:nvPr>
         </p:nvSpPr>
         <p:spPr/>
         <p:txBody>
+          <a:bodyPr>
+            <a:normAutofit fontScale="85000" lnSpcReduction="10000"/>
+          </a:bodyPr>
+          <a:lstStyle/>
+          <a:p>
+            <a:pPr marL="0" indent="0">
+              <a:buNone/>
+            </a:pPr>
+            <a:r>
+              <a:rPr lang="de-DE" sz="1800" dirty="0">
+                <a:solidFill>
+                  <a:schemeClr val="tx1"/>
+                </a:solidFill>
+              </a:rPr>
+              <a:t>Sport:</a:t>
+            </a:r>
+          </a:p>
+          <a:p>
+            <a:r>
+              <a:rPr lang="de-DE" sz="1800" dirty="0">
+                <a:solidFill>
+                  <a:schemeClr val="tx1"/>
+                </a:solidFill>
+              </a:rPr>
+              <a:t>Fußball</a:t>
+            </a:r>
+          </a:p>
+          <a:p>
+            <a:r>
+              <a:rPr lang="de-DE" sz="1800" dirty="0">
+                <a:solidFill>
+                  <a:schemeClr val="tx1"/>
+                </a:solidFill>
+              </a:rPr>
+              <a:t>Dart</a:t>
+            </a:r>
+          </a:p>
+          <a:p>
+            <a:r>
+              <a:rPr lang="de-DE" sz="1800" dirty="0">
+                <a:solidFill>
+                  <a:schemeClr val="tx1"/>
+                </a:solidFill>
+              </a:rPr>
+              <a:t>Ski</a:t>
+            </a:r>
+          </a:p>
+          <a:p>
+            <a:endParaRPr lang="de-DE" sz="1800" dirty="0">
+              <a:solidFill>
+                <a:schemeClr val="tx1"/>
+              </a:solidFill>
+            </a:endParaRPr>
+          </a:p>
+          <a:p>
+            <a:pPr marL="0" indent="0">
+              <a:buNone/>
+            </a:pPr>
+            <a:r>
+              <a:rPr lang="de-DE" sz="1800" dirty="0">
+                <a:solidFill>
+                  <a:schemeClr val="tx1"/>
+                </a:solidFill>
+              </a:rPr>
+              <a:t>Musik:</a:t>
+            </a:r>
+          </a:p>
+          <a:p>
+            <a:r>
+              <a:rPr lang="de-DE" sz="1800" dirty="0">
+                <a:solidFill>
+                  <a:schemeClr val="tx1"/>
+                </a:solidFill>
+              </a:rPr>
+              <a:t>Gitarre</a:t>
+            </a:r>
+          </a:p>
+          <a:p>
+            <a:endParaRPr lang="de-DE" sz="1800" dirty="0">
+              <a:solidFill>
+                <a:schemeClr val="tx1"/>
+              </a:solidFill>
+            </a:endParaRPr>
+          </a:p>
+          <a:p>
+            <a:pPr marL="0" indent="0">
+              <a:buNone/>
+            </a:pPr>
+            <a:r>
+              <a:rPr lang="de-DE" sz="1800" dirty="0">
+                <a:solidFill>
+                  <a:schemeClr val="tx1"/>
+                </a:solidFill>
+              </a:rPr>
+              <a:t>Bastler:</a:t>
+            </a:r>
+          </a:p>
+          <a:p>
+            <a:r>
+              <a:rPr lang="de-DE" sz="1800" dirty="0">
+                <a:solidFill>
+                  <a:schemeClr val="tx1"/>
+                </a:solidFill>
+              </a:rPr>
+              <a:t>Gitarrenbau</a:t>
+            </a:r>
+          </a:p>
+          <a:p>
+            <a:r>
+              <a:rPr lang="de-DE" sz="1800" dirty="0">
+                <a:solidFill>
+                  <a:schemeClr val="tx1"/>
+                </a:solidFill>
+              </a:rPr>
+              <a:t>Verstärkerbau</a:t>
+            </a:r>
+          </a:p>
+        </p:txBody>
+      </p:sp>
+      <p:sp>
+        <p:nvSpPr>
+          <p:cNvPr id="2" name="Datumsplatzhalter 1">
+            <a:extLst>
+              <a:ext uri="{FF2B5EF4-FFF2-40B4-BE49-F238E27FC236}">
+                <a16:creationId xmlns:a16="http://schemas.microsoft.com/office/drawing/2014/main" id="{B7F37089-E0D7-4721-9818-6F58D6F24ED4}"/>
+              </a:ext>
+            </a:extLst>
+          </p:cNvPr>
+          <p:cNvSpPr>
+            <a:spLocks noGrp="1"/>
+          </p:cNvSpPr>
+          <p:nvPr>
+            <p:ph type="dt" sz="half" idx="10"/>
+          </p:nvPr>
+        </p:nvSpPr>
+        <p:spPr/>
+        <p:txBody>
           <a:bodyPr/>
           <a:lstStyle/>
           <a:p>
-            <a:endParaRPr lang="de-DE"/>
+            <a:r>
+              <a:rPr lang="de-DE"/>
+              <a:t>11.02.2019</a:t>
+            </a:r>
+            <a:endParaRPr lang="en-US" dirty="0"/>
           </a:p>
         </p:txBody>
       </p:sp>
@@ -6615,12 +6761,7 @@
             <p:ph type="ftr" sz="quarter" idx="11"/>
           </p:nvPr>
         </p:nvSpPr>
-        <p:spPr>
-          <a:xfrm>
-            <a:off x="684212" y="6172200"/>
-            <a:ext cx="11202988" cy="365125"/>
-          </a:xfrm>
-        </p:spPr>
+        <p:spPr/>
         <p:txBody>
           <a:bodyPr/>
           <a:lstStyle/>
@@ -6649,10 +6790,10 @@
       </p:sp>
       <p:sp>
         <p:nvSpPr>
-          <p:cNvPr id="2" name="Datumsplatzhalter 1">
+          <p:cNvPr id="3" name="Foliennummernplatzhalter 2">
             <a:extLst>
               <a:ext uri="{FF2B5EF4-FFF2-40B4-BE49-F238E27FC236}">
-                <a16:creationId xmlns:a16="http://schemas.microsoft.com/office/drawing/2014/main" id="{B7F37089-E0D7-4721-9818-6F58D6F24ED4}"/>
+                <a16:creationId xmlns:a16="http://schemas.microsoft.com/office/drawing/2014/main" id="{D0BBF157-124A-4B08-AF72-A5EF9841D304}"/>
               </a:ext>
             </a:extLst>
           </p:cNvPr>
@@ -6660,7 +6801,7 @@
             <a:spLocks noGrp="1"/>
           </p:cNvSpPr>
           <p:nvPr>
-            <p:ph type="dt" sz="half" idx="10"/>
+            <p:ph type="sldNum" sz="quarter" idx="12"/>
           </p:nvPr>
         </p:nvSpPr>
         <p:spPr/>
@@ -6668,10 +6809,11 @@
           <a:bodyPr/>
           <a:lstStyle/>
           <a:p>
-            <a:r>
-              <a:rPr lang="de-DE"/>
-              <a:t>11.02.2019</a:t>
-            </a:r>
+            <a:fld id="{D57F1E4F-1CFF-5643-939E-217C01CDF565}" type="slidenum">
+              <a:rPr lang="en-US" smtClean="0"/>
+              <a:pPr/>
+              <a:t>2</a:t>
+            </a:fld>
             <a:endParaRPr lang="en-US" dirty="0"/>
           </a:p>
         </p:txBody>
@@ -6712,33 +6854,452 @@
           </a:prstGeom>
         </p:spPr>
       </p:pic>
-      <p:sp>
-        <p:nvSpPr>
-          <p:cNvPr id="3" name="Foliennummernplatzhalter 2">
+      <p:pic>
+        <p:nvPicPr>
+          <p:cNvPr id="9" name="Grafik 8" descr="Fußball">
             <a:extLst>
               <a:ext uri="{FF2B5EF4-FFF2-40B4-BE49-F238E27FC236}">
-                <a16:creationId xmlns:a16="http://schemas.microsoft.com/office/drawing/2014/main" id="{D0BBF157-124A-4B08-AF72-A5EF9841D304}"/>
+                <a16:creationId xmlns:a16="http://schemas.microsoft.com/office/drawing/2014/main" id="{76BD585E-B7E5-4943-BBF9-0C35C37B4FCF}"/>
               </a:ext>
             </a:extLst>
           </p:cNvPr>
-          <p:cNvSpPr>
-            <a:spLocks noGrp="1"/>
-          </p:cNvSpPr>
-          <p:nvPr>
-            <p:ph type="sldNum" sz="quarter" idx="12"/>
-          </p:nvPr>
-        </p:nvSpPr>
-        <p:spPr/>
-        <p:txBody>
-          <a:bodyPr/>
-          <a:lstStyle/>
-          <a:p>
-            <a:fld id="{D57F1E4F-1CFF-5643-939E-217C01CDF565}" type="slidenum">
-              <a:rPr lang="en-US" smtClean="0"/>
-              <a:pPr/>
-              <a:t>2</a:t>
-            </a:fld>
-            <a:endParaRPr lang="en-US" dirty="0"/>
+          <p:cNvPicPr>
+            <a:picLocks noChangeAspect="1"/>
+          </p:cNvPicPr>
+          <p:nvPr/>
+        </p:nvPicPr>
+        <p:blipFill>
+          <a:blip r:embed="rId4">
+            <a:extLst>
+              <a:ext uri="{96DAC541-7B7A-43D3-8B79-37D633B846F1}">
+                <asvg:svgBlip xmlns:asvg="http://schemas.microsoft.com/office/drawing/2016/SVG/main" r:embed="rId5"/>
+              </a:ext>
+            </a:extLst>
+          </a:blip>
+          <a:stretch>
+            <a:fillRect/>
+          </a:stretch>
+        </p:blipFill>
+        <p:spPr>
+          <a:xfrm>
+            <a:off x="4494212" y="698107"/>
+            <a:ext cx="914400" cy="914400"/>
+          </a:xfrm>
+          <a:prstGeom prst="rect">
+            <a:avLst/>
+          </a:prstGeom>
+        </p:spPr>
+      </p:pic>
+      <p:pic>
+        <p:nvPicPr>
+          <p:cNvPr id="11" name="Grafik 10" descr="Skiabfahrt">
+            <a:extLst>
+              <a:ext uri="{FF2B5EF4-FFF2-40B4-BE49-F238E27FC236}">
+                <a16:creationId xmlns:a16="http://schemas.microsoft.com/office/drawing/2014/main" id="{E3E1DD69-8DD0-4B81-BDF4-BB5A6E98AA7E}"/>
+              </a:ext>
+            </a:extLst>
+          </p:cNvPr>
+          <p:cNvPicPr>
+            <a:picLocks noChangeAspect="1"/>
+          </p:cNvPicPr>
+          <p:nvPr/>
+        </p:nvPicPr>
+        <p:blipFill>
+          <a:blip r:embed="rId6">
+            <a:extLst>
+              <a:ext uri="{96DAC541-7B7A-43D3-8B79-37D633B846F1}">
+                <asvg:svgBlip xmlns:asvg="http://schemas.microsoft.com/office/drawing/2016/SVG/main" r:embed="rId7"/>
+              </a:ext>
+            </a:extLst>
+          </a:blip>
+          <a:stretch>
+            <a:fillRect/>
+          </a:stretch>
+        </p:blipFill>
+        <p:spPr>
+          <a:xfrm>
+            <a:off x="5486400" y="1155307"/>
+            <a:ext cx="914400" cy="914400"/>
+          </a:xfrm>
+          <a:prstGeom prst="rect">
+            <a:avLst/>
+          </a:prstGeom>
+        </p:spPr>
+      </p:pic>
+      <p:pic>
+        <p:nvPicPr>
+          <p:cNvPr id="13" name="Grafik 12" descr="Gitarre">
+            <a:extLst>
+              <a:ext uri="{FF2B5EF4-FFF2-40B4-BE49-F238E27FC236}">
+                <a16:creationId xmlns:a16="http://schemas.microsoft.com/office/drawing/2014/main" id="{0D631B65-AEF7-4259-8059-96567A24E077}"/>
+              </a:ext>
+            </a:extLst>
+          </p:cNvPr>
+          <p:cNvPicPr>
+            <a:picLocks noChangeAspect="1"/>
+          </p:cNvPicPr>
+          <p:nvPr/>
+        </p:nvPicPr>
+        <p:blipFill>
+          <a:blip r:embed="rId8">
+            <a:extLst>
+              <a:ext uri="{96DAC541-7B7A-43D3-8B79-37D633B846F1}">
+                <asvg:svgBlip xmlns:asvg="http://schemas.microsoft.com/office/drawing/2016/SVG/main" r:embed="rId9"/>
+              </a:ext>
+            </a:extLst>
+          </a:blip>
+          <a:stretch>
+            <a:fillRect/>
+          </a:stretch>
+        </p:blipFill>
+        <p:spPr>
+          <a:xfrm>
+            <a:off x="2550046" y="2357400"/>
+            <a:ext cx="914400" cy="914400"/>
+          </a:xfrm>
+          <a:prstGeom prst="rect">
+            <a:avLst/>
+          </a:prstGeom>
+        </p:spPr>
+      </p:pic>
+      <p:pic>
+        <p:nvPicPr>
+          <p:cNvPr id="15" name="Grafik 14" descr="Musik">
+            <a:extLst>
+              <a:ext uri="{FF2B5EF4-FFF2-40B4-BE49-F238E27FC236}">
+                <a16:creationId xmlns:a16="http://schemas.microsoft.com/office/drawing/2014/main" id="{E8325FBE-DCED-4E28-A747-2F92A64B147A}"/>
+              </a:ext>
+            </a:extLst>
+          </p:cNvPr>
+          <p:cNvPicPr>
+            <a:picLocks noChangeAspect="1"/>
+          </p:cNvPicPr>
+          <p:nvPr/>
+        </p:nvPicPr>
+        <p:blipFill>
+          <a:blip r:embed="rId10">
+            <a:extLst>
+              <a:ext uri="{96DAC541-7B7A-43D3-8B79-37D633B846F1}">
+                <asvg:svgBlip xmlns:asvg="http://schemas.microsoft.com/office/drawing/2016/SVG/main" r:embed="rId11"/>
+              </a:ext>
+            </a:extLst>
+          </a:blip>
+          <a:stretch>
+            <a:fillRect/>
+          </a:stretch>
+        </p:blipFill>
+        <p:spPr>
+          <a:xfrm>
+            <a:off x="3464446" y="2836030"/>
+            <a:ext cx="914400" cy="914400"/>
+          </a:xfrm>
+          <a:prstGeom prst="rect">
+            <a:avLst/>
+          </a:prstGeom>
+        </p:spPr>
+      </p:pic>
+      <p:pic>
+        <p:nvPicPr>
+          <p:cNvPr id="17" name="Grafik 16" descr="Lautsprecher">
+            <a:extLst>
+              <a:ext uri="{FF2B5EF4-FFF2-40B4-BE49-F238E27FC236}">
+                <a16:creationId xmlns:a16="http://schemas.microsoft.com/office/drawing/2014/main" id="{C24ACF24-D155-4D34-9EBA-64D34BD9654C}"/>
+              </a:ext>
+            </a:extLst>
+          </p:cNvPr>
+          <p:cNvPicPr>
+            <a:picLocks noChangeAspect="1"/>
+          </p:cNvPicPr>
+          <p:nvPr/>
+        </p:nvPicPr>
+        <p:blipFill>
+          <a:blip r:embed="rId12">
+            <a:extLst>
+              <a:ext uri="{96DAC541-7B7A-43D3-8B79-37D633B846F1}">
+                <asvg:svgBlip xmlns:asvg="http://schemas.microsoft.com/office/drawing/2016/SVG/main" r:embed="rId13"/>
+              </a:ext>
+            </a:extLst>
+          </a:blip>
+          <a:stretch>
+            <a:fillRect/>
+          </a:stretch>
+        </p:blipFill>
+        <p:spPr>
+          <a:xfrm>
+            <a:off x="4613152" y="3420392"/>
+            <a:ext cx="914400" cy="914400"/>
+          </a:xfrm>
+          <a:prstGeom prst="rect">
+            <a:avLst/>
+          </a:prstGeom>
+        </p:spPr>
+      </p:pic>
+      <p:sp>
+        <p:nvSpPr>
+          <p:cNvPr id="18" name="Textplatzhalter 4">
+            <a:extLst>
+              <a:ext uri="{FF2B5EF4-FFF2-40B4-BE49-F238E27FC236}">
+                <a16:creationId xmlns:a16="http://schemas.microsoft.com/office/drawing/2014/main" id="{79A759CD-A5B6-45B0-93FC-60D96E4FBB0A}"/>
+              </a:ext>
+            </a:extLst>
+          </p:cNvPr>
+          <p:cNvSpPr txBox="1">
+            <a:spLocks/>
+          </p:cNvSpPr>
+          <p:nvPr/>
+        </p:nvSpPr>
+        <p:spPr>
+          <a:xfrm>
+            <a:off x="684211" y="5251507"/>
+            <a:ext cx="8535990" cy="741873"/>
+          </a:xfrm>
+          <a:prstGeom prst="rect">
+            <a:avLst/>
+          </a:prstGeom>
+        </p:spPr>
+        <p:txBody>
+          <a:bodyPr vert="horz" lIns="91440" tIns="45720" rIns="91440" bIns="45720" rtlCol="0" anchor="ctr">
+            <a:normAutofit/>
+          </a:bodyPr>
+          <a:lstStyle>
+            <a:lvl1pPr marL="285750" indent="-285750" algn="l" defTabSz="457200" rtl="0" eaLnBrk="1" latinLnBrk="0" hangingPunct="1">
+              <a:spcBef>
+                <a:spcPct val="20000"/>
+              </a:spcBef>
+              <a:spcAft>
+                <a:spcPts val="600"/>
+              </a:spcAft>
+              <a:buClr>
+                <a:schemeClr val="tx1"/>
+              </a:buClr>
+              <a:buSzPct val="80000"/>
+              <a:buFont typeface="Wingdings 3" panose="05040102010807070707" pitchFamily="18" charset="2"/>
+              <a:buChar char=""/>
+              <a:defRPr sz="2000" kern="1200" cap="none">
+                <a:solidFill>
+                  <a:schemeClr val="bg2">
+                    <a:lumMod val="75000"/>
+                  </a:schemeClr>
+                </a:solidFill>
+                <a:effectLst/>
+                <a:latin typeface="+mn-lt"/>
+                <a:ea typeface="+mn-ea"/>
+                <a:cs typeface="+mn-cs"/>
+              </a:defRPr>
+            </a:lvl1pPr>
+            <a:lvl2pPr marL="742950" indent="-285750" algn="l" defTabSz="457200" rtl="0" eaLnBrk="1" latinLnBrk="0" hangingPunct="1">
+              <a:spcBef>
+                <a:spcPct val="20000"/>
+              </a:spcBef>
+              <a:spcAft>
+                <a:spcPts val="600"/>
+              </a:spcAft>
+              <a:buClr>
+                <a:schemeClr val="tx1"/>
+              </a:buClr>
+              <a:buSzPct val="80000"/>
+              <a:buFont typeface="Wingdings 3" panose="05040102010807070707" pitchFamily="18" charset="2"/>
+              <a:buChar char=""/>
+              <a:defRPr sz="1800" kern="1200" cap="none">
+                <a:solidFill>
+                  <a:schemeClr val="bg2">
+                    <a:lumMod val="75000"/>
+                  </a:schemeClr>
+                </a:solidFill>
+                <a:effectLst/>
+                <a:latin typeface="+mn-lt"/>
+                <a:ea typeface="+mn-ea"/>
+                <a:cs typeface="+mn-cs"/>
+              </a:defRPr>
+            </a:lvl2pPr>
+            <a:lvl3pPr marL="1200150" indent="-285750" algn="l" defTabSz="457200" rtl="0" eaLnBrk="1" latinLnBrk="0" hangingPunct="1">
+              <a:spcBef>
+                <a:spcPct val="20000"/>
+              </a:spcBef>
+              <a:spcAft>
+                <a:spcPts val="600"/>
+              </a:spcAft>
+              <a:buClr>
+                <a:schemeClr val="tx1"/>
+              </a:buClr>
+              <a:buSzPct val="80000"/>
+              <a:buFont typeface="Wingdings 3" panose="05040102010807070707" pitchFamily="18" charset="2"/>
+              <a:buChar char=""/>
+              <a:defRPr sz="1600" kern="1200" cap="none">
+                <a:solidFill>
+                  <a:schemeClr val="bg2">
+                    <a:lumMod val="75000"/>
+                  </a:schemeClr>
+                </a:solidFill>
+                <a:effectLst/>
+                <a:latin typeface="+mn-lt"/>
+                <a:ea typeface="+mn-ea"/>
+                <a:cs typeface="+mn-cs"/>
+              </a:defRPr>
+            </a:lvl3pPr>
+            <a:lvl4pPr marL="1543050" indent="-171450" algn="l" defTabSz="457200" rtl="0" eaLnBrk="1" latinLnBrk="0" hangingPunct="1">
+              <a:spcBef>
+                <a:spcPct val="20000"/>
+              </a:spcBef>
+              <a:spcAft>
+                <a:spcPts val="600"/>
+              </a:spcAft>
+              <a:buClr>
+                <a:schemeClr val="tx1"/>
+              </a:buClr>
+              <a:buSzPct val="80000"/>
+              <a:buFont typeface="Wingdings 3" panose="05040102010807070707" pitchFamily="18" charset="2"/>
+              <a:buChar char=""/>
+              <a:defRPr sz="1400" kern="1200" cap="none">
+                <a:solidFill>
+                  <a:schemeClr val="bg2">
+                    <a:lumMod val="75000"/>
+                  </a:schemeClr>
+                </a:solidFill>
+                <a:effectLst/>
+                <a:latin typeface="+mn-lt"/>
+                <a:ea typeface="+mn-ea"/>
+                <a:cs typeface="+mn-cs"/>
+              </a:defRPr>
+            </a:lvl4pPr>
+            <a:lvl5pPr marL="2000250" indent="-171450" algn="l" defTabSz="457200" rtl="0" eaLnBrk="1" latinLnBrk="0" hangingPunct="1">
+              <a:spcBef>
+                <a:spcPct val="20000"/>
+              </a:spcBef>
+              <a:spcAft>
+                <a:spcPts val="600"/>
+              </a:spcAft>
+              <a:buClr>
+                <a:schemeClr val="tx1"/>
+              </a:buClr>
+              <a:buSzPct val="80000"/>
+              <a:buFont typeface="Wingdings 3" panose="05040102010807070707" pitchFamily="18" charset="2"/>
+              <a:buChar char=""/>
+              <a:defRPr sz="1400" kern="1200" cap="none">
+                <a:solidFill>
+                  <a:schemeClr val="bg2">
+                    <a:lumMod val="75000"/>
+                  </a:schemeClr>
+                </a:solidFill>
+                <a:effectLst/>
+                <a:latin typeface="+mn-lt"/>
+                <a:ea typeface="+mn-ea"/>
+                <a:cs typeface="+mn-cs"/>
+              </a:defRPr>
+            </a:lvl5pPr>
+            <a:lvl6pPr marL="2514600" indent="-228600" algn="l" defTabSz="457200" rtl="0" eaLnBrk="1" latinLnBrk="0" hangingPunct="1">
+              <a:spcBef>
+                <a:spcPct val="20000"/>
+              </a:spcBef>
+              <a:spcAft>
+                <a:spcPts val="600"/>
+              </a:spcAft>
+              <a:buClr>
+                <a:schemeClr val="tx1"/>
+              </a:buClr>
+              <a:buSzPct val="80000"/>
+              <a:buFont typeface="Wingdings 3" panose="05040102010807070707" pitchFamily="18" charset="2"/>
+              <a:buChar char=""/>
+              <a:defRPr sz="1400" kern="1200" cap="none">
+                <a:solidFill>
+                  <a:schemeClr val="bg2">
+                    <a:lumMod val="75000"/>
+                  </a:schemeClr>
+                </a:solidFill>
+                <a:effectLst/>
+                <a:latin typeface="+mn-lt"/>
+                <a:ea typeface="+mn-ea"/>
+                <a:cs typeface="+mn-cs"/>
+              </a:defRPr>
+            </a:lvl6pPr>
+            <a:lvl7pPr marL="2971800" indent="-228600" algn="l" defTabSz="457200" rtl="0" eaLnBrk="1" latinLnBrk="0" hangingPunct="1">
+              <a:spcBef>
+                <a:spcPct val="20000"/>
+              </a:spcBef>
+              <a:spcAft>
+                <a:spcPts val="600"/>
+              </a:spcAft>
+              <a:buClr>
+                <a:schemeClr val="tx1"/>
+              </a:buClr>
+              <a:buSzPct val="80000"/>
+              <a:buFont typeface="Wingdings 3" panose="05040102010807070707" pitchFamily="18" charset="2"/>
+              <a:buChar char=""/>
+              <a:defRPr sz="1400" kern="1200" cap="none">
+                <a:solidFill>
+                  <a:schemeClr val="bg2">
+                    <a:lumMod val="75000"/>
+                  </a:schemeClr>
+                </a:solidFill>
+                <a:effectLst/>
+                <a:latin typeface="+mn-lt"/>
+                <a:ea typeface="+mn-ea"/>
+                <a:cs typeface="+mn-cs"/>
+              </a:defRPr>
+            </a:lvl7pPr>
+            <a:lvl8pPr marL="3429000" indent="-228600" algn="l" defTabSz="457200" rtl="0" eaLnBrk="1" latinLnBrk="0" hangingPunct="1">
+              <a:spcBef>
+                <a:spcPct val="20000"/>
+              </a:spcBef>
+              <a:spcAft>
+                <a:spcPts val="600"/>
+              </a:spcAft>
+              <a:buClr>
+                <a:schemeClr val="tx1"/>
+              </a:buClr>
+              <a:buSzPct val="80000"/>
+              <a:buFont typeface="Wingdings 3" panose="05040102010807070707" pitchFamily="18" charset="2"/>
+              <a:buChar char=""/>
+              <a:defRPr sz="1400" kern="1200" cap="none">
+                <a:solidFill>
+                  <a:schemeClr val="bg2">
+                    <a:lumMod val="75000"/>
+                  </a:schemeClr>
+                </a:solidFill>
+                <a:effectLst/>
+                <a:latin typeface="+mn-lt"/>
+                <a:ea typeface="+mn-ea"/>
+                <a:cs typeface="+mn-cs"/>
+              </a:defRPr>
+            </a:lvl8pPr>
+            <a:lvl9pPr marL="3886200" indent="-228600" algn="l" defTabSz="457200" rtl="0" eaLnBrk="1" latinLnBrk="0" hangingPunct="1">
+              <a:spcBef>
+                <a:spcPct val="20000"/>
+              </a:spcBef>
+              <a:spcAft>
+                <a:spcPts val="600"/>
+              </a:spcAft>
+              <a:buClr>
+                <a:schemeClr val="tx1"/>
+              </a:buClr>
+              <a:buSzPct val="80000"/>
+              <a:buFont typeface="Wingdings 3" panose="05040102010807070707" pitchFamily="18" charset="2"/>
+              <a:buChar char=""/>
+              <a:defRPr sz="1400" kern="1200" cap="none">
+                <a:solidFill>
+                  <a:schemeClr val="bg2">
+                    <a:lumMod val="75000"/>
+                  </a:schemeClr>
+                </a:solidFill>
+                <a:effectLst/>
+                <a:latin typeface="+mn-lt"/>
+                <a:ea typeface="+mn-ea"/>
+                <a:cs typeface="+mn-cs"/>
+              </a:defRPr>
+            </a:lvl9pPr>
+          </a:lstStyle>
+          <a:p>
+            <a:pPr marL="0" indent="0">
+              <a:buNone/>
+            </a:pPr>
+            <a:r>
+              <a:rPr lang="de-DE" b="1"/>
+              <a:t>Datenbank-Administrator</a:t>
+            </a:r>
+            <a:endParaRPr lang="de-DE" b="1" dirty="0"/>
+          </a:p>
+          <a:p>
+            <a:endParaRPr lang="de-DE" dirty="0"/>
           </a:p>
         </p:txBody>
       </p:sp>

--- a/Präsentation/KA-Share.pptx
+++ b/Präsentation/KA-Share.pptx
@@ -6498,7 +6498,7 @@
           <a:blip r:embed="rId2">
             <a:extLst>
               <a:ext uri="{96DAC541-7B7A-43D3-8B79-37D633B846F1}">
-                <asvg:svgBlip xmlns:asvg="http://schemas.microsoft.com/office/drawing/2016/SVG/main" r:embed="rId3"/>
+                <asvg:svgBlip xmlns="" xmlns:asvg="http://schemas.microsoft.com/office/drawing/2016/SVG/main" r:embed="rId3"/>
               </a:ext>
             </a:extLst>
           </a:blip>
@@ -6836,7 +6836,7 @@
           <a:blip r:embed="rId2">
             <a:extLst>
               <a:ext uri="{96DAC541-7B7A-43D3-8B79-37D633B846F1}">
-                <asvg:svgBlip xmlns:asvg="http://schemas.microsoft.com/office/drawing/2016/SVG/main" r:embed="rId3"/>
+                <asvg:svgBlip xmlns="" xmlns:asvg="http://schemas.microsoft.com/office/drawing/2016/SVG/main" r:embed="rId3"/>
               </a:ext>
             </a:extLst>
           </a:blip>
@@ -6872,7 +6872,7 @@
           <a:blip r:embed="rId4">
             <a:extLst>
               <a:ext uri="{96DAC541-7B7A-43D3-8B79-37D633B846F1}">
-                <asvg:svgBlip xmlns:asvg="http://schemas.microsoft.com/office/drawing/2016/SVG/main" r:embed="rId5"/>
+                <asvg:svgBlip xmlns="" xmlns:asvg="http://schemas.microsoft.com/office/drawing/2016/SVG/main" r:embed="rId5"/>
               </a:ext>
             </a:extLst>
           </a:blip>
@@ -6908,7 +6908,7 @@
           <a:blip r:embed="rId6">
             <a:extLst>
               <a:ext uri="{96DAC541-7B7A-43D3-8B79-37D633B846F1}">
-                <asvg:svgBlip xmlns:asvg="http://schemas.microsoft.com/office/drawing/2016/SVG/main" r:embed="rId7"/>
+                <asvg:svgBlip xmlns="" xmlns:asvg="http://schemas.microsoft.com/office/drawing/2016/SVG/main" r:embed="rId7"/>
               </a:ext>
             </a:extLst>
           </a:blip>
@@ -6944,7 +6944,7 @@
           <a:blip r:embed="rId8">
             <a:extLst>
               <a:ext uri="{96DAC541-7B7A-43D3-8B79-37D633B846F1}">
-                <asvg:svgBlip xmlns:asvg="http://schemas.microsoft.com/office/drawing/2016/SVG/main" r:embed="rId9"/>
+                <asvg:svgBlip xmlns="" xmlns:asvg="http://schemas.microsoft.com/office/drawing/2016/SVG/main" r:embed="rId9"/>
               </a:ext>
             </a:extLst>
           </a:blip>
@@ -6980,7 +6980,7 @@
           <a:blip r:embed="rId10">
             <a:extLst>
               <a:ext uri="{96DAC541-7B7A-43D3-8B79-37D633B846F1}">
-                <asvg:svgBlip xmlns:asvg="http://schemas.microsoft.com/office/drawing/2016/SVG/main" r:embed="rId11"/>
+                <asvg:svgBlip xmlns="" xmlns:asvg="http://schemas.microsoft.com/office/drawing/2016/SVG/main" r:embed="rId11"/>
               </a:ext>
             </a:extLst>
           </a:blip>
@@ -7016,7 +7016,7 @@
           <a:blip r:embed="rId12">
             <a:extLst>
               <a:ext uri="{96DAC541-7B7A-43D3-8B79-37D633B846F1}">
-                <asvg:svgBlip xmlns:asvg="http://schemas.microsoft.com/office/drawing/2016/SVG/main" r:embed="rId13"/>
+                <asvg:svgBlip xmlns="" xmlns:asvg="http://schemas.microsoft.com/office/drawing/2016/SVG/main" r:embed="rId13"/>
               </a:ext>
             </a:extLst>
           </a:blip>
@@ -7473,7 +7473,7 @@
           <a:blip r:embed="rId2">
             <a:extLst>
               <a:ext uri="{96DAC541-7B7A-43D3-8B79-37D633B846F1}">
-                <asvg:svgBlip xmlns:asvg="http://schemas.microsoft.com/office/drawing/2016/SVG/main" r:embed="rId3"/>
+                <asvg:svgBlip xmlns="" xmlns:asvg="http://schemas.microsoft.com/office/drawing/2016/SVG/main" r:embed="rId3"/>
               </a:ext>
             </a:extLst>
           </a:blip>
@@ -8265,7 +8265,7 @@
           <a:blip r:embed="rId4">
             <a:extLst>
               <a:ext uri="{96DAC541-7B7A-43D3-8B79-37D633B846F1}">
-                <asvg:svgBlip xmlns:asvg="http://schemas.microsoft.com/office/drawing/2016/SVG/main" r:embed="rId5"/>
+                <asvg:svgBlip xmlns="" xmlns:asvg="http://schemas.microsoft.com/office/drawing/2016/SVG/main" r:embed="rId5"/>
               </a:ext>
             </a:extLst>
           </a:blip>
@@ -8400,7 +8400,7 @@
           <a:blip r:embed="rId8">
             <a:extLst>
               <a:ext uri="{96DAC541-7B7A-43D3-8B79-37D633B846F1}">
-                <asvg:svgBlip xmlns:asvg="http://schemas.microsoft.com/office/drawing/2016/SVG/main" r:embed="rId9"/>
+                <asvg:svgBlip xmlns="" xmlns:asvg="http://schemas.microsoft.com/office/drawing/2016/SVG/main" r:embed="rId9"/>
               </a:ext>
             </a:extLst>
           </a:blip>
@@ -8436,7 +8436,7 @@
           <a:blip r:embed="rId10">
             <a:extLst>
               <a:ext uri="{96DAC541-7B7A-43D3-8B79-37D633B846F1}">
-                <asvg:svgBlip xmlns:asvg="http://schemas.microsoft.com/office/drawing/2016/SVG/main" r:embed="rId11"/>
+                <asvg:svgBlip xmlns="" xmlns:asvg="http://schemas.microsoft.com/office/drawing/2016/SVG/main" r:embed="rId11"/>
               </a:ext>
             </a:extLst>
           </a:blip>
@@ -8472,7 +8472,7 @@
           <a:blip r:embed="rId12">
             <a:extLst>
               <a:ext uri="{96DAC541-7B7A-43D3-8B79-37D633B846F1}">
-                <asvg:svgBlip xmlns:asvg="http://schemas.microsoft.com/office/drawing/2016/SVG/main" r:embed="rId13"/>
+                <asvg:svgBlip xmlns="" xmlns:asvg="http://schemas.microsoft.com/office/drawing/2016/SVG/main" r:embed="rId13"/>
               </a:ext>
             </a:extLst>
           </a:blip>
@@ -8500,6 +8500,13 @@
   <p:clrMapOvr>
     <a:masterClrMapping/>
   </p:clrMapOvr>
+  <p:timing>
+    <p:tnLst>
+      <p:par>
+        <p:cTn id="1" dur="indefinite" restart="never" nodeType="tmRoot"/>
+      </p:par>
+    </p:tnLst>
+  </p:timing>
 </p:sld>
 </file>
 
@@ -8569,7 +8576,10 @@
           <a:bodyPr/>
           <a:lstStyle/>
           <a:p>
-            <a:endParaRPr lang="de-DE"/>
+            <a:r>
+              <a:rPr lang="de-DE" b="1" dirty="0"/>
+              <a:t>IT-Architekt</a:t>
+            </a:r>
           </a:p>
         </p:txBody>
       </p:sp>
@@ -8649,7 +8659,7 @@
           <a:blip r:embed="rId2">
             <a:extLst>
               <a:ext uri="{96DAC541-7B7A-43D3-8B79-37D633B846F1}">
-                <asvg:svgBlip xmlns:asvg="http://schemas.microsoft.com/office/drawing/2016/SVG/main" r:embed="rId3"/>
+                <asvg:svgBlip xmlns="" xmlns:asvg="http://schemas.microsoft.com/office/drawing/2016/SVG/main" r:embed="rId3"/>
               </a:ext>
             </a:extLst>
           </a:blip>
@@ -8697,6 +8707,760 @@
           </a:p>
         </p:txBody>
       </p:sp>
+      <p:grpSp>
+        <p:nvGrpSpPr>
+          <p:cNvPr id="8" name="Gruppieren 7">
+            <a:extLst>
+              <a:ext uri="{FF2B5EF4-FFF2-40B4-BE49-F238E27FC236}">
+                <a16:creationId xmlns:a16="http://schemas.microsoft.com/office/drawing/2014/main" id="{07617A49-886C-4502-80EE-C73A6FA606F2}"/>
+              </a:ext>
+            </a:extLst>
+          </p:cNvPr>
+          <p:cNvGrpSpPr/>
+          <p:nvPr/>
+        </p:nvGrpSpPr>
+        <p:grpSpPr>
+          <a:xfrm>
+            <a:off x="682622" y="509343"/>
+            <a:ext cx="4893770" cy="3899072"/>
+            <a:chOff x="682622" y="509343"/>
+            <a:chExt cx="4893770" cy="3899072"/>
+          </a:xfrm>
+        </p:grpSpPr>
+        <p:sp>
+          <p:nvSpPr>
+            <p:cNvPr id="9" name="Textplatzhalter 4">
+              <a:extLst>
+                <a:ext uri="{FF2B5EF4-FFF2-40B4-BE49-F238E27FC236}">
+                  <a16:creationId xmlns:a16="http://schemas.microsoft.com/office/drawing/2014/main" id="{F46F9C9A-0A39-4C5F-A154-DF2EC4D9A58C}"/>
+                </a:ext>
+              </a:extLst>
+            </p:cNvPr>
+            <p:cNvSpPr txBox="1">
+              <a:spLocks/>
+            </p:cNvSpPr>
+            <p:nvPr/>
+          </p:nvSpPr>
+          <p:spPr>
+            <a:xfrm>
+              <a:off x="682622" y="515924"/>
+              <a:ext cx="2123495" cy="3837962"/>
+            </a:xfrm>
+            <a:prstGeom prst="rect">
+              <a:avLst/>
+            </a:prstGeom>
+          </p:spPr>
+          <p:txBody>
+            <a:bodyPr vert="horz" lIns="91440" tIns="45720" rIns="91440" bIns="45720" rtlCol="0" anchor="t">
+              <a:normAutofit/>
+            </a:bodyPr>
+            <a:lstStyle>
+              <a:lvl1pPr marL="0" indent="0" algn="l" defTabSz="457200" rtl="0" eaLnBrk="1" latinLnBrk="0" hangingPunct="1">
+                <a:spcBef>
+                  <a:spcPct val="20000"/>
+                </a:spcBef>
+                <a:spcAft>
+                  <a:spcPts val="600"/>
+                </a:spcAft>
+                <a:buClr>
+                  <a:schemeClr val="tx1"/>
+                </a:buClr>
+                <a:buSzPct val="80000"/>
+                <a:buFont typeface="Wingdings 3" panose="05040102010807070707" pitchFamily="18" charset="2"/>
+                <a:buNone/>
+                <a:defRPr sz="2000" kern="1200" cap="none">
+                  <a:solidFill>
+                    <a:schemeClr val="bg2">
+                      <a:lumMod val="75000"/>
+                    </a:schemeClr>
+                  </a:solidFill>
+                  <a:effectLst/>
+                  <a:latin typeface="+mn-lt"/>
+                  <a:ea typeface="+mn-ea"/>
+                  <a:cs typeface="+mn-cs"/>
+                </a:defRPr>
+              </a:lvl1pPr>
+              <a:lvl2pPr marL="457200" indent="0" algn="l" defTabSz="457200" rtl="0" eaLnBrk="1" latinLnBrk="0" hangingPunct="1">
+                <a:spcBef>
+                  <a:spcPct val="20000"/>
+                </a:spcBef>
+                <a:spcAft>
+                  <a:spcPts val="600"/>
+                </a:spcAft>
+                <a:buClr>
+                  <a:schemeClr val="tx1"/>
+                </a:buClr>
+                <a:buSzPct val="80000"/>
+                <a:buFont typeface="Wingdings 3" panose="05040102010807070707" pitchFamily="18" charset="2"/>
+                <a:buNone/>
+                <a:defRPr sz="1800" kern="1200" cap="none">
+                  <a:solidFill>
+                    <a:schemeClr val="tx1">
+                      <a:tint val="75000"/>
+                    </a:schemeClr>
+                  </a:solidFill>
+                  <a:effectLst/>
+                  <a:latin typeface="+mn-lt"/>
+                  <a:ea typeface="+mn-ea"/>
+                  <a:cs typeface="+mn-cs"/>
+                </a:defRPr>
+              </a:lvl2pPr>
+              <a:lvl3pPr marL="914400" indent="0" algn="l" defTabSz="457200" rtl="0" eaLnBrk="1" latinLnBrk="0" hangingPunct="1">
+                <a:spcBef>
+                  <a:spcPct val="20000"/>
+                </a:spcBef>
+                <a:spcAft>
+                  <a:spcPts val="600"/>
+                </a:spcAft>
+                <a:buClr>
+                  <a:schemeClr val="tx1"/>
+                </a:buClr>
+                <a:buSzPct val="80000"/>
+                <a:buFont typeface="Wingdings 3" panose="05040102010807070707" pitchFamily="18" charset="2"/>
+                <a:buNone/>
+                <a:defRPr sz="1600" kern="1200" cap="none">
+                  <a:solidFill>
+                    <a:schemeClr val="tx1">
+                      <a:tint val="75000"/>
+                    </a:schemeClr>
+                  </a:solidFill>
+                  <a:effectLst/>
+                  <a:latin typeface="+mn-lt"/>
+                  <a:ea typeface="+mn-ea"/>
+                  <a:cs typeface="+mn-cs"/>
+                </a:defRPr>
+              </a:lvl3pPr>
+              <a:lvl4pPr marL="1371600" indent="0" algn="l" defTabSz="457200" rtl="0" eaLnBrk="1" latinLnBrk="0" hangingPunct="1">
+                <a:spcBef>
+                  <a:spcPct val="20000"/>
+                </a:spcBef>
+                <a:spcAft>
+                  <a:spcPts val="600"/>
+                </a:spcAft>
+                <a:buClr>
+                  <a:schemeClr val="tx1"/>
+                </a:buClr>
+                <a:buSzPct val="80000"/>
+                <a:buFont typeface="Wingdings 3" panose="05040102010807070707" pitchFamily="18" charset="2"/>
+                <a:buNone/>
+                <a:defRPr sz="1400" kern="1200" cap="none">
+                  <a:solidFill>
+                    <a:schemeClr val="tx1">
+                      <a:tint val="75000"/>
+                    </a:schemeClr>
+                  </a:solidFill>
+                  <a:effectLst/>
+                  <a:latin typeface="+mn-lt"/>
+                  <a:ea typeface="+mn-ea"/>
+                  <a:cs typeface="+mn-cs"/>
+                </a:defRPr>
+              </a:lvl4pPr>
+              <a:lvl5pPr marL="1828800" indent="0" algn="l" defTabSz="457200" rtl="0" eaLnBrk="1" latinLnBrk="0" hangingPunct="1">
+                <a:spcBef>
+                  <a:spcPct val="20000"/>
+                </a:spcBef>
+                <a:spcAft>
+                  <a:spcPts val="600"/>
+                </a:spcAft>
+                <a:buClr>
+                  <a:schemeClr val="tx1"/>
+                </a:buClr>
+                <a:buSzPct val="80000"/>
+                <a:buFont typeface="Wingdings 3" panose="05040102010807070707" pitchFamily="18" charset="2"/>
+                <a:buNone/>
+                <a:defRPr sz="1400" kern="1200" cap="none">
+                  <a:solidFill>
+                    <a:schemeClr val="tx1">
+                      <a:tint val="75000"/>
+                    </a:schemeClr>
+                  </a:solidFill>
+                  <a:effectLst/>
+                  <a:latin typeface="+mn-lt"/>
+                  <a:ea typeface="+mn-ea"/>
+                  <a:cs typeface="+mn-cs"/>
+                </a:defRPr>
+              </a:lvl5pPr>
+              <a:lvl6pPr marL="2286000" indent="0" algn="l" defTabSz="457200" rtl="0" eaLnBrk="1" latinLnBrk="0" hangingPunct="1">
+                <a:spcBef>
+                  <a:spcPct val="20000"/>
+                </a:spcBef>
+                <a:spcAft>
+                  <a:spcPts val="600"/>
+                </a:spcAft>
+                <a:buClr>
+                  <a:schemeClr val="tx1"/>
+                </a:buClr>
+                <a:buSzPct val="80000"/>
+                <a:buFont typeface="Wingdings 3" panose="05040102010807070707" pitchFamily="18" charset="2"/>
+                <a:buNone/>
+                <a:defRPr sz="1400" kern="1200" cap="none">
+                  <a:solidFill>
+                    <a:schemeClr val="tx1">
+                      <a:tint val="75000"/>
+                    </a:schemeClr>
+                  </a:solidFill>
+                  <a:effectLst/>
+                  <a:latin typeface="+mn-lt"/>
+                  <a:ea typeface="+mn-ea"/>
+                  <a:cs typeface="+mn-cs"/>
+                </a:defRPr>
+              </a:lvl6pPr>
+              <a:lvl7pPr marL="2743200" indent="0" algn="l" defTabSz="457200" rtl="0" eaLnBrk="1" latinLnBrk="0" hangingPunct="1">
+                <a:spcBef>
+                  <a:spcPct val="20000"/>
+                </a:spcBef>
+                <a:spcAft>
+                  <a:spcPts val="600"/>
+                </a:spcAft>
+                <a:buClr>
+                  <a:schemeClr val="tx1"/>
+                </a:buClr>
+                <a:buSzPct val="80000"/>
+                <a:buFont typeface="Wingdings 3" panose="05040102010807070707" pitchFamily="18" charset="2"/>
+                <a:buNone/>
+                <a:defRPr sz="1400" kern="1200" cap="none">
+                  <a:solidFill>
+                    <a:schemeClr val="tx1">
+                      <a:tint val="75000"/>
+                    </a:schemeClr>
+                  </a:solidFill>
+                  <a:effectLst/>
+                  <a:latin typeface="+mn-lt"/>
+                  <a:ea typeface="+mn-ea"/>
+                  <a:cs typeface="+mn-cs"/>
+                </a:defRPr>
+              </a:lvl7pPr>
+              <a:lvl8pPr marL="3200400" indent="0" algn="l" defTabSz="457200" rtl="0" eaLnBrk="1" latinLnBrk="0" hangingPunct="1">
+                <a:spcBef>
+                  <a:spcPct val="20000"/>
+                </a:spcBef>
+                <a:spcAft>
+                  <a:spcPts val="600"/>
+                </a:spcAft>
+                <a:buClr>
+                  <a:schemeClr val="tx1"/>
+                </a:buClr>
+                <a:buSzPct val="80000"/>
+                <a:buFont typeface="Wingdings 3" panose="05040102010807070707" pitchFamily="18" charset="2"/>
+                <a:buNone/>
+                <a:defRPr sz="1400" kern="1200" cap="none">
+                  <a:solidFill>
+                    <a:schemeClr val="tx1">
+                      <a:tint val="75000"/>
+                    </a:schemeClr>
+                  </a:solidFill>
+                  <a:effectLst/>
+                  <a:latin typeface="+mn-lt"/>
+                  <a:ea typeface="+mn-ea"/>
+                  <a:cs typeface="+mn-cs"/>
+                </a:defRPr>
+              </a:lvl8pPr>
+              <a:lvl9pPr marL="3657600" indent="0" algn="l" defTabSz="457200" rtl="0" eaLnBrk="1" latinLnBrk="0" hangingPunct="1">
+                <a:spcBef>
+                  <a:spcPct val="20000"/>
+                </a:spcBef>
+                <a:spcAft>
+                  <a:spcPts val="600"/>
+                </a:spcAft>
+                <a:buClr>
+                  <a:schemeClr val="tx1"/>
+                </a:buClr>
+                <a:buSzPct val="80000"/>
+                <a:buFont typeface="Wingdings 3" panose="05040102010807070707" pitchFamily="18" charset="2"/>
+                <a:buNone/>
+                <a:defRPr sz="1400" kern="1200" cap="none">
+                  <a:solidFill>
+                    <a:schemeClr val="tx1">
+                      <a:tint val="75000"/>
+                    </a:schemeClr>
+                  </a:solidFill>
+                  <a:effectLst/>
+                  <a:latin typeface="+mn-lt"/>
+                  <a:ea typeface="+mn-ea"/>
+                  <a:cs typeface="+mn-cs"/>
+                </a:defRPr>
+              </a:lvl9pPr>
+            </a:lstStyle>
+            <a:p>
+              <a:r>
+                <a:rPr lang="de-DE" sz="1800" dirty="0">
+                  <a:solidFill>
+                    <a:schemeClr val="tx1"/>
+                  </a:solidFill>
+                </a:rPr>
+                <a:t>Sport:</a:t>
+              </a:r>
+            </a:p>
+            <a:p>
+              <a:endParaRPr lang="de-DE" sz="1800" dirty="0">
+                <a:solidFill>
+                  <a:schemeClr val="tx1"/>
+                </a:solidFill>
+              </a:endParaRPr>
+            </a:p>
+            <a:p>
+              <a:pPr lvl="1"/>
+              <a:endParaRPr lang="de-DE" dirty="0">
+                <a:solidFill>
+                  <a:schemeClr val="tx1"/>
+                </a:solidFill>
+              </a:endParaRPr>
+            </a:p>
+            <a:p>
+              <a:r>
+                <a:rPr lang="de-DE" sz="1800" dirty="0" smtClean="0">
+                  <a:solidFill>
+                    <a:schemeClr val="tx1"/>
+                  </a:solidFill>
+                </a:rPr>
+                <a:t>Bücher: </a:t>
+              </a:r>
+              <a:endParaRPr lang="de-DE" sz="1800" dirty="0">
+                <a:solidFill>
+                  <a:schemeClr val="tx1"/>
+                </a:solidFill>
+              </a:endParaRPr>
+            </a:p>
+            <a:p>
+              <a:endParaRPr lang="de-DE" sz="1800" dirty="0">
+                <a:solidFill>
+                  <a:schemeClr val="tx1"/>
+                </a:solidFill>
+              </a:endParaRPr>
+            </a:p>
+            <a:p>
+              <a:endParaRPr lang="de-DE" sz="1800" dirty="0">
+                <a:solidFill>
+                  <a:schemeClr val="tx1"/>
+                </a:solidFill>
+              </a:endParaRPr>
+            </a:p>
+            <a:p>
+              <a:r>
+                <a:rPr lang="de-DE" sz="1800" dirty="0" smtClean="0">
+                  <a:solidFill>
+                    <a:schemeClr val="tx1"/>
+                  </a:solidFill>
+                </a:rPr>
+                <a:t>Musik</a:t>
+              </a:r>
+              <a:r>
+                <a:rPr lang="de-DE" sz="1800" dirty="0" smtClean="0">
+                  <a:solidFill>
+                    <a:schemeClr val="tx1"/>
+                  </a:solidFill>
+                </a:rPr>
+                <a:t>:</a:t>
+              </a:r>
+              <a:r>
+                <a:rPr lang="de-DE" dirty="0" smtClean="0">
+                  <a:solidFill>
+                    <a:schemeClr val="tx1"/>
+                  </a:solidFill>
+                </a:rPr>
+                <a:t> </a:t>
+              </a:r>
+              <a:endParaRPr lang="de-DE" dirty="0" smtClean="0">
+                <a:solidFill>
+                  <a:schemeClr val="tx1"/>
+                </a:solidFill>
+              </a:endParaRPr>
+            </a:p>
+            <a:p>
+              <a:endParaRPr lang="de-DE" dirty="0">
+                <a:solidFill>
+                  <a:schemeClr val="tx1"/>
+                </a:solidFill>
+              </a:endParaRPr>
+            </a:p>
+          </p:txBody>
+        </p:sp>
+        <p:sp>
+          <p:nvSpPr>
+            <p:cNvPr id="10" name="Textplatzhalter 4">
+              <a:extLst>
+                <a:ext uri="{FF2B5EF4-FFF2-40B4-BE49-F238E27FC236}">
+                  <a16:creationId xmlns:a16="http://schemas.microsoft.com/office/drawing/2014/main" id="{103C2607-0469-4879-914F-6B58FBEF5679}"/>
+                </a:ext>
+              </a:extLst>
+            </p:cNvPr>
+            <p:cNvSpPr txBox="1">
+              <a:spLocks/>
+            </p:cNvSpPr>
+            <p:nvPr/>
+          </p:nvSpPr>
+          <p:spPr>
+            <a:xfrm>
+              <a:off x="2559469" y="509343"/>
+              <a:ext cx="3016923" cy="3899072"/>
+            </a:xfrm>
+            <a:prstGeom prst="rect">
+              <a:avLst/>
+            </a:prstGeom>
+          </p:spPr>
+          <p:txBody>
+            <a:bodyPr vert="horz" lIns="91440" tIns="45720" rIns="91440" bIns="45720" rtlCol="0" anchor="t">
+              <a:normAutofit/>
+            </a:bodyPr>
+            <a:lstStyle>
+              <a:lvl1pPr marL="0" indent="0" algn="l" defTabSz="457200" rtl="0" eaLnBrk="1" latinLnBrk="0" hangingPunct="1">
+                <a:spcBef>
+                  <a:spcPct val="20000"/>
+                </a:spcBef>
+                <a:spcAft>
+                  <a:spcPts val="600"/>
+                </a:spcAft>
+                <a:buClr>
+                  <a:schemeClr val="tx1"/>
+                </a:buClr>
+                <a:buSzPct val="80000"/>
+                <a:buFont typeface="Wingdings 3" panose="05040102010807070707" pitchFamily="18" charset="2"/>
+                <a:buNone/>
+                <a:defRPr sz="2000" kern="1200" cap="none">
+                  <a:solidFill>
+                    <a:schemeClr val="bg2">
+                      <a:lumMod val="75000"/>
+                    </a:schemeClr>
+                  </a:solidFill>
+                  <a:effectLst/>
+                  <a:latin typeface="+mn-lt"/>
+                  <a:ea typeface="+mn-ea"/>
+                  <a:cs typeface="+mn-cs"/>
+                </a:defRPr>
+              </a:lvl1pPr>
+              <a:lvl2pPr marL="457200" indent="0" algn="l" defTabSz="457200" rtl="0" eaLnBrk="1" latinLnBrk="0" hangingPunct="1">
+                <a:spcBef>
+                  <a:spcPct val="20000"/>
+                </a:spcBef>
+                <a:spcAft>
+                  <a:spcPts val="600"/>
+                </a:spcAft>
+                <a:buClr>
+                  <a:schemeClr val="tx1"/>
+                </a:buClr>
+                <a:buSzPct val="80000"/>
+                <a:buFont typeface="Wingdings 3" panose="05040102010807070707" pitchFamily="18" charset="2"/>
+                <a:buNone/>
+                <a:defRPr sz="1800" kern="1200" cap="none">
+                  <a:solidFill>
+                    <a:schemeClr val="tx1">
+                      <a:tint val="75000"/>
+                    </a:schemeClr>
+                  </a:solidFill>
+                  <a:effectLst/>
+                  <a:latin typeface="+mn-lt"/>
+                  <a:ea typeface="+mn-ea"/>
+                  <a:cs typeface="+mn-cs"/>
+                </a:defRPr>
+              </a:lvl2pPr>
+              <a:lvl3pPr marL="914400" indent="0" algn="l" defTabSz="457200" rtl="0" eaLnBrk="1" latinLnBrk="0" hangingPunct="1">
+                <a:spcBef>
+                  <a:spcPct val="20000"/>
+                </a:spcBef>
+                <a:spcAft>
+                  <a:spcPts val="600"/>
+                </a:spcAft>
+                <a:buClr>
+                  <a:schemeClr val="tx1"/>
+                </a:buClr>
+                <a:buSzPct val="80000"/>
+                <a:buFont typeface="Wingdings 3" panose="05040102010807070707" pitchFamily="18" charset="2"/>
+                <a:buNone/>
+                <a:defRPr sz="1600" kern="1200" cap="none">
+                  <a:solidFill>
+                    <a:schemeClr val="tx1">
+                      <a:tint val="75000"/>
+                    </a:schemeClr>
+                  </a:solidFill>
+                  <a:effectLst/>
+                  <a:latin typeface="+mn-lt"/>
+                  <a:ea typeface="+mn-ea"/>
+                  <a:cs typeface="+mn-cs"/>
+                </a:defRPr>
+              </a:lvl3pPr>
+              <a:lvl4pPr marL="1371600" indent="0" algn="l" defTabSz="457200" rtl="0" eaLnBrk="1" latinLnBrk="0" hangingPunct="1">
+                <a:spcBef>
+                  <a:spcPct val="20000"/>
+                </a:spcBef>
+                <a:spcAft>
+                  <a:spcPts val="600"/>
+                </a:spcAft>
+                <a:buClr>
+                  <a:schemeClr val="tx1"/>
+                </a:buClr>
+                <a:buSzPct val="80000"/>
+                <a:buFont typeface="Wingdings 3" panose="05040102010807070707" pitchFamily="18" charset="2"/>
+                <a:buNone/>
+                <a:defRPr sz="1400" kern="1200" cap="none">
+                  <a:solidFill>
+                    <a:schemeClr val="tx1">
+                      <a:tint val="75000"/>
+                    </a:schemeClr>
+                  </a:solidFill>
+                  <a:effectLst/>
+                  <a:latin typeface="+mn-lt"/>
+                  <a:ea typeface="+mn-ea"/>
+                  <a:cs typeface="+mn-cs"/>
+                </a:defRPr>
+              </a:lvl4pPr>
+              <a:lvl5pPr marL="1828800" indent="0" algn="l" defTabSz="457200" rtl="0" eaLnBrk="1" latinLnBrk="0" hangingPunct="1">
+                <a:spcBef>
+                  <a:spcPct val="20000"/>
+                </a:spcBef>
+                <a:spcAft>
+                  <a:spcPts val="600"/>
+                </a:spcAft>
+                <a:buClr>
+                  <a:schemeClr val="tx1"/>
+                </a:buClr>
+                <a:buSzPct val="80000"/>
+                <a:buFont typeface="Wingdings 3" panose="05040102010807070707" pitchFamily="18" charset="2"/>
+                <a:buNone/>
+                <a:defRPr sz="1400" kern="1200" cap="none">
+                  <a:solidFill>
+                    <a:schemeClr val="tx1">
+                      <a:tint val="75000"/>
+                    </a:schemeClr>
+                  </a:solidFill>
+                  <a:effectLst/>
+                  <a:latin typeface="+mn-lt"/>
+                  <a:ea typeface="+mn-ea"/>
+                  <a:cs typeface="+mn-cs"/>
+                </a:defRPr>
+              </a:lvl5pPr>
+              <a:lvl6pPr marL="2286000" indent="0" algn="l" defTabSz="457200" rtl="0" eaLnBrk="1" latinLnBrk="0" hangingPunct="1">
+                <a:spcBef>
+                  <a:spcPct val="20000"/>
+                </a:spcBef>
+                <a:spcAft>
+                  <a:spcPts val="600"/>
+                </a:spcAft>
+                <a:buClr>
+                  <a:schemeClr val="tx1"/>
+                </a:buClr>
+                <a:buSzPct val="80000"/>
+                <a:buFont typeface="Wingdings 3" panose="05040102010807070707" pitchFamily="18" charset="2"/>
+                <a:buNone/>
+                <a:defRPr sz="1400" kern="1200" cap="none">
+                  <a:solidFill>
+                    <a:schemeClr val="tx1">
+                      <a:tint val="75000"/>
+                    </a:schemeClr>
+                  </a:solidFill>
+                  <a:effectLst/>
+                  <a:latin typeface="+mn-lt"/>
+                  <a:ea typeface="+mn-ea"/>
+                  <a:cs typeface="+mn-cs"/>
+                </a:defRPr>
+              </a:lvl6pPr>
+              <a:lvl7pPr marL="2743200" indent="0" algn="l" defTabSz="457200" rtl="0" eaLnBrk="1" latinLnBrk="0" hangingPunct="1">
+                <a:spcBef>
+                  <a:spcPct val="20000"/>
+                </a:spcBef>
+                <a:spcAft>
+                  <a:spcPts val="600"/>
+                </a:spcAft>
+                <a:buClr>
+                  <a:schemeClr val="tx1"/>
+                </a:buClr>
+                <a:buSzPct val="80000"/>
+                <a:buFont typeface="Wingdings 3" panose="05040102010807070707" pitchFamily="18" charset="2"/>
+                <a:buNone/>
+                <a:defRPr sz="1400" kern="1200" cap="none">
+                  <a:solidFill>
+                    <a:schemeClr val="tx1">
+                      <a:tint val="75000"/>
+                    </a:schemeClr>
+                  </a:solidFill>
+                  <a:effectLst/>
+                  <a:latin typeface="+mn-lt"/>
+                  <a:ea typeface="+mn-ea"/>
+                  <a:cs typeface="+mn-cs"/>
+                </a:defRPr>
+              </a:lvl7pPr>
+              <a:lvl8pPr marL="3200400" indent="0" algn="l" defTabSz="457200" rtl="0" eaLnBrk="1" latinLnBrk="0" hangingPunct="1">
+                <a:spcBef>
+                  <a:spcPct val="20000"/>
+                </a:spcBef>
+                <a:spcAft>
+                  <a:spcPts val="600"/>
+                </a:spcAft>
+                <a:buClr>
+                  <a:schemeClr val="tx1"/>
+                </a:buClr>
+                <a:buSzPct val="80000"/>
+                <a:buFont typeface="Wingdings 3" panose="05040102010807070707" pitchFamily="18" charset="2"/>
+                <a:buNone/>
+                <a:defRPr sz="1400" kern="1200" cap="none">
+                  <a:solidFill>
+                    <a:schemeClr val="tx1">
+                      <a:tint val="75000"/>
+                    </a:schemeClr>
+                  </a:solidFill>
+                  <a:effectLst/>
+                  <a:latin typeface="+mn-lt"/>
+                  <a:ea typeface="+mn-ea"/>
+                  <a:cs typeface="+mn-cs"/>
+                </a:defRPr>
+              </a:lvl8pPr>
+              <a:lvl9pPr marL="3657600" indent="0" algn="l" defTabSz="457200" rtl="0" eaLnBrk="1" latinLnBrk="0" hangingPunct="1">
+                <a:spcBef>
+                  <a:spcPct val="20000"/>
+                </a:spcBef>
+                <a:spcAft>
+                  <a:spcPts val="600"/>
+                </a:spcAft>
+                <a:buClr>
+                  <a:schemeClr val="tx1"/>
+                </a:buClr>
+                <a:buSzPct val="80000"/>
+                <a:buFont typeface="Wingdings 3" panose="05040102010807070707" pitchFamily="18" charset="2"/>
+                <a:buNone/>
+                <a:defRPr sz="1400" kern="1200" cap="none">
+                  <a:solidFill>
+                    <a:schemeClr val="tx1">
+                      <a:tint val="75000"/>
+                    </a:schemeClr>
+                  </a:solidFill>
+                  <a:effectLst/>
+                  <a:latin typeface="+mn-lt"/>
+                  <a:ea typeface="+mn-ea"/>
+                  <a:cs typeface="+mn-cs"/>
+                </a:defRPr>
+              </a:lvl9pPr>
+            </a:lstStyle>
+            <a:p>
+              <a:pPr marL="742950" lvl="1" indent="-285750">
+                <a:buFontTx/>
+                <a:buChar char="-"/>
+              </a:pPr>
+              <a:r>
+                <a:rPr lang="de-DE" dirty="0" smtClean="0">
+                  <a:solidFill>
+                    <a:schemeClr val="tx1"/>
+                  </a:solidFill>
+                </a:rPr>
+                <a:t>Kraftsport</a:t>
+              </a:r>
+            </a:p>
+            <a:p>
+              <a:pPr marL="742950" lvl="1" indent="-285750">
+                <a:buFontTx/>
+                <a:buChar char="-"/>
+              </a:pPr>
+              <a:r>
+                <a:rPr lang="de-DE" dirty="0" err="1" smtClean="0">
+                  <a:solidFill>
+                    <a:schemeClr val="tx1"/>
+                  </a:solidFill>
+                </a:rPr>
+                <a:t>Cardio</a:t>
+              </a:r>
+              <a:endParaRPr lang="de-DE" dirty="0" smtClean="0">
+                <a:solidFill>
+                  <a:schemeClr val="tx1"/>
+                </a:solidFill>
+              </a:endParaRPr>
+            </a:p>
+            <a:p>
+              <a:pPr marL="742950" lvl="1" indent="-285750">
+                <a:buFontTx/>
+                <a:buChar char="-"/>
+              </a:pPr>
+              <a:endParaRPr lang="de-DE" dirty="0">
+                <a:solidFill>
+                  <a:schemeClr val="tx1"/>
+                </a:solidFill>
+              </a:endParaRPr>
+            </a:p>
+            <a:p>
+              <a:pPr marL="742950" lvl="1" indent="-285750">
+                <a:buFontTx/>
+                <a:buChar char="-"/>
+              </a:pPr>
+              <a:r>
+                <a:rPr lang="de-DE" dirty="0" smtClean="0">
+                  <a:solidFill>
+                    <a:schemeClr val="tx1"/>
+                  </a:solidFill>
+                </a:rPr>
+                <a:t>Motivation / </a:t>
+              </a:r>
+              <a:r>
+                <a:rPr lang="de-DE" dirty="0" smtClean="0">
+                  <a:solidFill>
+                    <a:schemeClr val="tx1"/>
+                  </a:solidFill>
+                </a:rPr>
+                <a:t>Ziele</a:t>
+              </a:r>
+            </a:p>
+            <a:p>
+              <a:pPr marL="742950" lvl="1" indent="-285750">
+                <a:buFontTx/>
+                <a:buChar char="-"/>
+              </a:pPr>
+              <a:r>
+                <a:rPr lang="de-DE" dirty="0" smtClean="0">
+                  <a:solidFill>
+                    <a:schemeClr val="tx1"/>
+                  </a:solidFill>
+                </a:rPr>
+                <a:t>Fitness</a:t>
+              </a:r>
+              <a:endParaRPr lang="de-DE" dirty="0">
+                <a:solidFill>
+                  <a:schemeClr val="tx1"/>
+                </a:solidFill>
+              </a:endParaRPr>
+            </a:p>
+            <a:p>
+              <a:pPr marL="742950" lvl="1" indent="-285750">
+                <a:buFontTx/>
+                <a:buChar char="-"/>
+              </a:pPr>
+              <a:endParaRPr lang="de-DE" dirty="0" smtClean="0">
+                <a:solidFill>
+                  <a:schemeClr val="tx1"/>
+                </a:solidFill>
+              </a:endParaRPr>
+            </a:p>
+            <a:p>
+              <a:pPr marL="742950" lvl="1" indent="-285750">
+                <a:buFontTx/>
+                <a:buChar char="-"/>
+              </a:pPr>
+              <a:r>
+                <a:rPr lang="de-DE" dirty="0" smtClean="0">
+                  <a:solidFill>
+                    <a:schemeClr val="tx1"/>
+                  </a:solidFill>
+                </a:rPr>
+                <a:t>Klavier </a:t>
+              </a:r>
+              <a:endParaRPr lang="de-DE" dirty="0" smtClean="0">
+                <a:solidFill>
+                  <a:schemeClr val="tx1"/>
+                </a:solidFill>
+              </a:endParaRPr>
+            </a:p>
+            <a:p>
+              <a:pPr marL="742950" lvl="1" indent="-285750">
+                <a:buFontTx/>
+                <a:buChar char="-"/>
+              </a:pPr>
+              <a:r>
+                <a:rPr lang="de-DE" dirty="0" smtClean="0">
+                  <a:solidFill>
+                    <a:schemeClr val="tx1"/>
+                  </a:solidFill>
+                </a:rPr>
+                <a:t>Gitarre</a:t>
+              </a:r>
+            </a:p>
+          </p:txBody>
+        </p:sp>
+      </p:grpSp>
     </p:spTree>
     <p:extLst>
       <p:ext uri="{BB962C8B-B14F-4D97-AF65-F5344CB8AC3E}">
@@ -8707,6 +9471,13 @@
   <p:clrMapOvr>
     <a:masterClrMapping/>
   </p:clrMapOvr>
+  <p:timing>
+    <p:tnLst>
+      <p:par>
+        <p:cTn id="1" dur="indefinite" restart="never" nodeType="tmRoot"/>
+      </p:par>
+    </p:tnLst>
+  </p:timing>
 </p:sld>
 </file>
 
@@ -8856,7 +9627,7 @@
           <a:blip r:embed="rId2">
             <a:extLst>
               <a:ext uri="{96DAC541-7B7A-43D3-8B79-37D633B846F1}">
-                <asvg:svgBlip xmlns:asvg="http://schemas.microsoft.com/office/drawing/2016/SVG/main" r:embed="rId3"/>
+                <asvg:svgBlip xmlns="" xmlns:asvg="http://schemas.microsoft.com/office/drawing/2016/SVG/main" r:embed="rId3"/>
               </a:ext>
             </a:extLst>
           </a:blip>
@@ -9076,7 +9847,7 @@
           <a:blip r:embed="rId2">
             <a:extLst>
               <a:ext uri="{96DAC541-7B7A-43D3-8B79-37D633B846F1}">
-                <asvg:svgBlip xmlns:asvg="http://schemas.microsoft.com/office/drawing/2016/SVG/main" r:embed="rId3"/>
+                <asvg:svgBlip xmlns="" xmlns:asvg="http://schemas.microsoft.com/office/drawing/2016/SVG/main" r:embed="rId3"/>
               </a:ext>
             </a:extLst>
           </a:blip>
@@ -9142,7 +9913,7 @@
           <a:blip r:embed="rId4">
             <a:extLst>
               <a:ext uri="{96DAC541-7B7A-43D3-8B79-37D633B846F1}">
-                <asvg:svgBlip xmlns:asvg="http://schemas.microsoft.com/office/drawing/2016/SVG/main" r:embed="rId5"/>
+                <asvg:svgBlip xmlns="" xmlns:asvg="http://schemas.microsoft.com/office/drawing/2016/SVG/main" r:embed="rId5"/>
               </a:ext>
             </a:extLst>
           </a:blip>
@@ -9208,7 +9979,7 @@
           <a:blip r:embed="rId2">
             <a:extLst>
               <a:ext uri="{96DAC541-7B7A-43D3-8B79-37D633B846F1}">
-                <asvg:svgBlip xmlns:asvg="http://schemas.microsoft.com/office/drawing/2016/SVG/main" r:embed="rId3"/>
+                <asvg:svgBlip xmlns="" xmlns:asvg="http://schemas.microsoft.com/office/drawing/2016/SVG/main" r:embed="rId3"/>
               </a:ext>
             </a:extLst>
           </a:blip>
@@ -9534,7 +10305,7 @@
           <a:blip r:embed="rId4">
             <a:extLst>
               <a:ext uri="{96DAC541-7B7A-43D3-8B79-37D633B846F1}">
-                <asvg:svgBlip xmlns:asvg="http://schemas.microsoft.com/office/drawing/2016/SVG/main" r:embed="rId5"/>
+                <asvg:svgBlip xmlns="" xmlns:asvg="http://schemas.microsoft.com/office/drawing/2016/SVG/main" r:embed="rId5"/>
               </a:ext>
             </a:extLst>
           </a:blip>
@@ -9867,7 +10638,7 @@
           <a:blip r:embed="rId2">
             <a:extLst>
               <a:ext uri="{96DAC541-7B7A-43D3-8B79-37D633B846F1}">
-                <asvg:svgBlip xmlns:asvg="http://schemas.microsoft.com/office/drawing/2016/SVG/main" r:embed="rId3"/>
+                <asvg:svgBlip xmlns="" xmlns:asvg="http://schemas.microsoft.com/office/drawing/2016/SVG/main" r:embed="rId3"/>
               </a:ext>
             </a:extLst>
           </a:blip>
@@ -9903,7 +10674,7 @@
           <a:blip r:embed="rId4">
             <a:extLst>
               <a:ext uri="{96DAC541-7B7A-43D3-8B79-37D633B846F1}">
-                <asvg:svgBlip xmlns:asvg="http://schemas.microsoft.com/office/drawing/2016/SVG/main" r:embed="rId5"/>
+                <asvg:svgBlip xmlns="" xmlns:asvg="http://schemas.microsoft.com/office/drawing/2016/SVG/main" r:embed="rId5"/>
               </a:ext>
             </a:extLst>
           </a:blip>
@@ -10178,7 +10949,7 @@
           <a:blip r:embed="rId2">
             <a:extLst>
               <a:ext uri="{96DAC541-7B7A-43D3-8B79-37D633B846F1}">
-                <asvg:svgBlip xmlns:asvg="http://schemas.microsoft.com/office/drawing/2016/SVG/main" r:embed="rId3"/>
+                <asvg:svgBlip xmlns="" xmlns:asvg="http://schemas.microsoft.com/office/drawing/2016/SVG/main" r:embed="rId3"/>
               </a:ext>
             </a:extLst>
           </a:blip>
@@ -10214,7 +10985,7 @@
           <a:blip r:embed="rId4">
             <a:extLst>
               <a:ext uri="{96DAC541-7B7A-43D3-8B79-37D633B846F1}">
-                <asvg:svgBlip xmlns:asvg="http://schemas.microsoft.com/office/drawing/2016/SVG/main" r:embed="rId5"/>
+                <asvg:svgBlip xmlns="" xmlns:asvg="http://schemas.microsoft.com/office/drawing/2016/SVG/main" r:embed="rId5"/>
               </a:ext>
             </a:extLst>
           </a:blip>

--- a/Präsentation/KA-Share.pptx
+++ b/Präsentation/KA-Share.pptx
@@ -6498,7 +6498,7 @@
           <a:blip r:embed="rId2">
             <a:extLst>
               <a:ext uri="{96DAC541-7B7A-43D3-8B79-37D633B846F1}">
-                <asvg:svgBlip xmlns="" xmlns:asvg="http://schemas.microsoft.com/office/drawing/2016/SVG/main" r:embed="rId3"/>
+                <asvg:svgBlip xmlns:asvg="http://schemas.microsoft.com/office/drawing/2016/SVG/main" r:embed="rId3"/>
               </a:ext>
             </a:extLst>
           </a:blip>
@@ -6836,7 +6836,7 @@
           <a:blip r:embed="rId2">
             <a:extLst>
               <a:ext uri="{96DAC541-7B7A-43D3-8B79-37D633B846F1}">
-                <asvg:svgBlip xmlns="" xmlns:asvg="http://schemas.microsoft.com/office/drawing/2016/SVG/main" r:embed="rId3"/>
+                <asvg:svgBlip xmlns:asvg="http://schemas.microsoft.com/office/drawing/2016/SVG/main" r:embed="rId3"/>
               </a:ext>
             </a:extLst>
           </a:blip>
@@ -6872,7 +6872,7 @@
           <a:blip r:embed="rId4">
             <a:extLst>
               <a:ext uri="{96DAC541-7B7A-43D3-8B79-37D633B846F1}">
-                <asvg:svgBlip xmlns="" xmlns:asvg="http://schemas.microsoft.com/office/drawing/2016/SVG/main" r:embed="rId5"/>
+                <asvg:svgBlip xmlns:asvg="http://schemas.microsoft.com/office/drawing/2016/SVG/main" r:embed="rId5"/>
               </a:ext>
             </a:extLst>
           </a:blip>
@@ -6908,7 +6908,7 @@
           <a:blip r:embed="rId6">
             <a:extLst>
               <a:ext uri="{96DAC541-7B7A-43D3-8B79-37D633B846F1}">
-                <asvg:svgBlip xmlns="" xmlns:asvg="http://schemas.microsoft.com/office/drawing/2016/SVG/main" r:embed="rId7"/>
+                <asvg:svgBlip xmlns:asvg="http://schemas.microsoft.com/office/drawing/2016/SVG/main" r:embed="rId7"/>
               </a:ext>
             </a:extLst>
           </a:blip>
@@ -6944,7 +6944,7 @@
           <a:blip r:embed="rId8">
             <a:extLst>
               <a:ext uri="{96DAC541-7B7A-43D3-8B79-37D633B846F1}">
-                <asvg:svgBlip xmlns="" xmlns:asvg="http://schemas.microsoft.com/office/drawing/2016/SVG/main" r:embed="rId9"/>
+                <asvg:svgBlip xmlns:asvg="http://schemas.microsoft.com/office/drawing/2016/SVG/main" r:embed="rId9"/>
               </a:ext>
             </a:extLst>
           </a:blip>
@@ -6980,7 +6980,7 @@
           <a:blip r:embed="rId10">
             <a:extLst>
               <a:ext uri="{96DAC541-7B7A-43D3-8B79-37D633B846F1}">
-                <asvg:svgBlip xmlns="" xmlns:asvg="http://schemas.microsoft.com/office/drawing/2016/SVG/main" r:embed="rId11"/>
+                <asvg:svgBlip xmlns:asvg="http://schemas.microsoft.com/office/drawing/2016/SVG/main" r:embed="rId11"/>
               </a:ext>
             </a:extLst>
           </a:blip>
@@ -7016,7 +7016,7 @@
           <a:blip r:embed="rId12">
             <a:extLst>
               <a:ext uri="{96DAC541-7B7A-43D3-8B79-37D633B846F1}">
-                <asvg:svgBlip xmlns="" xmlns:asvg="http://schemas.microsoft.com/office/drawing/2016/SVG/main" r:embed="rId13"/>
+                <asvg:svgBlip xmlns:asvg="http://schemas.microsoft.com/office/drawing/2016/SVG/main" r:embed="rId13"/>
               </a:ext>
             </a:extLst>
           </a:blip>
@@ -7473,7 +7473,7 @@
           <a:blip r:embed="rId2">
             <a:extLst>
               <a:ext uri="{96DAC541-7B7A-43D3-8B79-37D633B846F1}">
-                <asvg:svgBlip xmlns="" xmlns:asvg="http://schemas.microsoft.com/office/drawing/2016/SVG/main" r:embed="rId3"/>
+                <asvg:svgBlip xmlns:asvg="http://schemas.microsoft.com/office/drawing/2016/SVG/main" r:embed="rId3"/>
               </a:ext>
             </a:extLst>
           </a:blip>
@@ -8265,7 +8265,7 @@
           <a:blip r:embed="rId4">
             <a:extLst>
               <a:ext uri="{96DAC541-7B7A-43D3-8B79-37D633B846F1}">
-                <asvg:svgBlip xmlns="" xmlns:asvg="http://schemas.microsoft.com/office/drawing/2016/SVG/main" r:embed="rId5"/>
+                <asvg:svgBlip xmlns:asvg="http://schemas.microsoft.com/office/drawing/2016/SVG/main" r:embed="rId5"/>
               </a:ext>
             </a:extLst>
           </a:blip>
@@ -8400,7 +8400,7 @@
           <a:blip r:embed="rId8">
             <a:extLst>
               <a:ext uri="{96DAC541-7B7A-43D3-8B79-37D633B846F1}">
-                <asvg:svgBlip xmlns="" xmlns:asvg="http://schemas.microsoft.com/office/drawing/2016/SVG/main" r:embed="rId9"/>
+                <asvg:svgBlip xmlns:asvg="http://schemas.microsoft.com/office/drawing/2016/SVG/main" r:embed="rId9"/>
               </a:ext>
             </a:extLst>
           </a:blip>
@@ -8436,7 +8436,7 @@
           <a:blip r:embed="rId10">
             <a:extLst>
               <a:ext uri="{96DAC541-7B7A-43D3-8B79-37D633B846F1}">
-                <asvg:svgBlip xmlns="" xmlns:asvg="http://schemas.microsoft.com/office/drawing/2016/SVG/main" r:embed="rId11"/>
+                <asvg:svgBlip xmlns:asvg="http://schemas.microsoft.com/office/drawing/2016/SVG/main" r:embed="rId11"/>
               </a:ext>
             </a:extLst>
           </a:blip>
@@ -8472,7 +8472,7 @@
           <a:blip r:embed="rId12">
             <a:extLst>
               <a:ext uri="{96DAC541-7B7A-43D3-8B79-37D633B846F1}">
-                <asvg:svgBlip xmlns="" xmlns:asvg="http://schemas.microsoft.com/office/drawing/2016/SVG/main" r:embed="rId13"/>
+                <asvg:svgBlip xmlns:asvg="http://schemas.microsoft.com/office/drawing/2016/SVG/main" r:embed="rId13"/>
               </a:ext>
             </a:extLst>
           </a:blip>
@@ -8500,13 +8500,6 @@
   <p:clrMapOvr>
     <a:masterClrMapping/>
   </p:clrMapOvr>
-  <p:timing>
-    <p:tnLst>
-      <p:par>
-        <p:cTn id="1" dur="indefinite" restart="never" nodeType="tmRoot"/>
-      </p:par>
-    </p:tnLst>
-  </p:timing>
 </p:sld>
 </file>
 
@@ -8659,7 +8652,7 @@
           <a:blip r:embed="rId2">
             <a:extLst>
               <a:ext uri="{96DAC541-7B7A-43D3-8B79-37D633B846F1}">
-                <asvg:svgBlip xmlns="" xmlns:asvg="http://schemas.microsoft.com/office/drawing/2016/SVG/main" r:embed="rId3"/>
+                <asvg:svgBlip xmlns:asvg="http://schemas.microsoft.com/office/drawing/2016/SVG/main" r:embed="rId3"/>
               </a:ext>
             </a:extLst>
           </a:blip>
@@ -9008,13 +9001,15 @@
             </a:p>
             <a:p>
               <a:r>
-                <a:rPr lang="de-DE" sz="1800" dirty="0" smtClean="0">
+                <a:rPr lang="de-DE" sz="1800" dirty="0">
                   <a:solidFill>
                     <a:schemeClr val="tx1"/>
                   </a:solidFill>
                 </a:rPr>
                 <a:t>Bücher: </a:t>
               </a:r>
+            </a:p>
+            <a:p>
               <a:endParaRPr lang="de-DE" sz="1800" dirty="0">
                 <a:solidFill>
                   <a:schemeClr val="tx1"/>
@@ -9029,42 +9024,22 @@
               </a:endParaRPr>
             </a:p>
             <a:p>
-              <a:endParaRPr lang="de-DE" sz="1800" dirty="0">
-                <a:solidFill>
-                  <a:schemeClr val="tx1"/>
-                </a:solidFill>
-              </a:endParaRPr>
-            </a:p>
-            <a:p>
               <a:r>
-                <a:rPr lang="de-DE" sz="1800" dirty="0" smtClean="0">
+                <a:rPr lang="de-DE" sz="1800" dirty="0">
                   <a:solidFill>
                     <a:schemeClr val="tx1"/>
                   </a:solidFill>
                 </a:rPr>
-                <a:t>Musik</a:t>
+                <a:t>Musik:</a:t>
               </a:r>
               <a:r>
-                <a:rPr lang="de-DE" sz="1800" dirty="0" smtClean="0">
-                  <a:solidFill>
-                    <a:schemeClr val="tx1"/>
-                  </a:solidFill>
-                </a:rPr>
-                <a:t>:</a:t>
-              </a:r>
-              <a:r>
-                <a:rPr lang="de-DE" dirty="0" smtClean="0">
+                <a:rPr lang="de-DE" dirty="0">
                   <a:solidFill>
                     <a:schemeClr val="tx1"/>
                   </a:solidFill>
                 </a:rPr>
                 <a:t> </a:t>
               </a:r>
-              <a:endParaRPr lang="de-DE" dirty="0" smtClean="0">
-                <a:solidFill>
-                  <a:schemeClr val="tx1"/>
-                </a:solidFill>
-              </a:endParaRPr>
             </a:p>
             <a:p>
               <a:endParaRPr lang="de-DE" dirty="0">
@@ -9335,7 +9310,7 @@
                 <a:buChar char="-"/>
               </a:pPr>
               <a:r>
-                <a:rPr lang="de-DE" dirty="0" smtClean="0">
+                <a:rPr lang="de-DE" dirty="0">
                   <a:solidFill>
                     <a:schemeClr val="tx1"/>
                   </a:solidFill>
@@ -9349,14 +9324,14 @@
                 <a:buChar char="-"/>
               </a:pPr>
               <a:r>
-                <a:rPr lang="de-DE" dirty="0" err="1" smtClean="0">
+                <a:rPr lang="de-DE" dirty="0" err="1">
                   <a:solidFill>
                     <a:schemeClr val="tx1"/>
                   </a:solidFill>
                 </a:rPr>
                 <a:t>Cardio</a:t>
               </a:r>
-              <a:endParaRPr lang="de-DE" dirty="0" smtClean="0">
+              <a:endParaRPr lang="de-DE" dirty="0">
                 <a:solidFill>
                   <a:schemeClr val="tx1"/>
                 </a:solidFill>
@@ -9379,20 +9354,12 @@
                 <a:buChar char="-"/>
               </a:pPr>
               <a:r>
-                <a:rPr lang="de-DE" dirty="0" smtClean="0">
+                <a:rPr lang="de-DE" dirty="0">
                   <a:solidFill>
                     <a:schemeClr val="tx1"/>
                   </a:solidFill>
                 </a:rPr>
-                <a:t>Motivation / </a:t>
-              </a:r>
-              <a:r>
-                <a:rPr lang="de-DE" dirty="0" smtClean="0">
-                  <a:solidFill>
-                    <a:schemeClr val="tx1"/>
-                  </a:solidFill>
-                </a:rPr>
-                <a:t>Ziele</a:t>
+                <a:t>Motivation / Ziele</a:t>
               </a:r>
             </a:p>
             <a:p>
@@ -9401,25 +9368,20 @@
                 <a:buChar char="-"/>
               </a:pPr>
               <a:r>
-                <a:rPr lang="de-DE" dirty="0" smtClean="0">
+                <a:rPr lang="de-DE" dirty="0">
                   <a:solidFill>
                     <a:schemeClr val="tx1"/>
                   </a:solidFill>
                 </a:rPr>
                 <a:t>Fitness</a:t>
               </a:r>
-              <a:endParaRPr lang="de-DE" dirty="0">
-                <a:solidFill>
-                  <a:schemeClr val="tx1"/>
-                </a:solidFill>
-              </a:endParaRPr>
             </a:p>
             <a:p>
               <a:pPr marL="742950" lvl="1" indent="-285750">
                 <a:buFontTx/>
                 <a:buChar char="-"/>
               </a:pPr>
-              <a:endParaRPr lang="de-DE" dirty="0" smtClean="0">
+              <a:endParaRPr lang="de-DE" dirty="0">
                 <a:solidFill>
                   <a:schemeClr val="tx1"/>
                 </a:solidFill>
@@ -9431,18 +9393,13 @@
                 <a:buChar char="-"/>
               </a:pPr>
               <a:r>
-                <a:rPr lang="de-DE" dirty="0" smtClean="0">
+                <a:rPr lang="de-DE" dirty="0">
                   <a:solidFill>
                     <a:schemeClr val="tx1"/>
                   </a:solidFill>
                 </a:rPr>
                 <a:t>Klavier </a:t>
               </a:r>
-              <a:endParaRPr lang="de-DE" dirty="0" smtClean="0">
-                <a:solidFill>
-                  <a:schemeClr val="tx1"/>
-                </a:solidFill>
-              </a:endParaRPr>
             </a:p>
             <a:p>
               <a:pPr marL="742950" lvl="1" indent="-285750">
@@ -9450,7 +9407,7 @@
                 <a:buChar char="-"/>
               </a:pPr>
               <a:r>
-                <a:rPr lang="de-DE" dirty="0" smtClean="0">
+                <a:rPr lang="de-DE" dirty="0">
                   <a:solidFill>
                     <a:schemeClr val="tx1"/>
                   </a:solidFill>
@@ -9471,13 +9428,6 @@
   <p:clrMapOvr>
     <a:masterClrMapping/>
   </p:clrMapOvr>
-  <p:timing>
-    <p:tnLst>
-      <p:par>
-        <p:cTn id="1" dur="indefinite" restart="never" nodeType="tmRoot"/>
-      </p:par>
-    </p:tnLst>
-  </p:timing>
 </p:sld>
 </file>
 
@@ -9521,8 +9471,13 @@
           <a:p>
             <a:r>
               <a:rPr lang="de-DE" dirty="0"/>
-              <a:t>Vincent Neuhofer</a:t>
-            </a:r>
+              <a:t>Vincent </a:t>
+            </a:r>
+            <a:r>
+              <a:rPr lang="de-DE" dirty="0" err="1"/>
+              <a:t>NeuhofF</a:t>
+            </a:r>
+            <a:endParaRPr lang="de-DE" dirty="0"/>
           </a:p>
         </p:txBody>
       </p:sp>
@@ -9547,7 +9502,15 @@
           <a:bodyPr/>
           <a:lstStyle/>
           <a:p>
-            <a:endParaRPr lang="de-DE"/>
+            <a:r>
+              <a:rPr lang="de-DE" b="1" dirty="0"/>
+              <a:t>Project </a:t>
+            </a:r>
+            <a:r>
+              <a:rPr lang="de-DE" b="1" dirty="0" err="1"/>
+              <a:t>Owner</a:t>
+            </a:r>
+            <a:endParaRPr lang="de-DE" b="1" dirty="0"/>
           </a:p>
         </p:txBody>
       </p:sp>
@@ -9627,7 +9590,7 @@
           <a:blip r:embed="rId2">
             <a:extLst>
               <a:ext uri="{96DAC541-7B7A-43D3-8B79-37D633B846F1}">
-                <asvg:svgBlip xmlns="" xmlns:asvg="http://schemas.microsoft.com/office/drawing/2016/SVG/main" r:embed="rId3"/>
+                <asvg:svgBlip xmlns:asvg="http://schemas.microsoft.com/office/drawing/2016/SVG/main" r:embed="rId3"/>
               </a:ext>
             </a:extLst>
           </a:blip>
@@ -9675,6 +9638,716 @@
           </a:p>
         </p:txBody>
       </p:sp>
+      <p:grpSp>
+        <p:nvGrpSpPr>
+          <p:cNvPr id="9" name="Gruppieren 8">
+            <a:extLst>
+              <a:ext uri="{FF2B5EF4-FFF2-40B4-BE49-F238E27FC236}">
+                <a16:creationId xmlns:a16="http://schemas.microsoft.com/office/drawing/2014/main" id="{642458A5-64D5-4FE2-9D39-D0C0A3545CEA}"/>
+              </a:ext>
+            </a:extLst>
+          </p:cNvPr>
+          <p:cNvGrpSpPr/>
+          <p:nvPr/>
+        </p:nvGrpSpPr>
+        <p:grpSpPr>
+          <a:xfrm>
+            <a:off x="682622" y="509343"/>
+            <a:ext cx="4893770" cy="3899072"/>
+            <a:chOff x="682622" y="509343"/>
+            <a:chExt cx="4893770" cy="3899072"/>
+          </a:xfrm>
+        </p:grpSpPr>
+        <p:sp>
+          <p:nvSpPr>
+            <p:cNvPr id="10" name="Textplatzhalter 4">
+              <a:extLst>
+                <a:ext uri="{FF2B5EF4-FFF2-40B4-BE49-F238E27FC236}">
+                  <a16:creationId xmlns:a16="http://schemas.microsoft.com/office/drawing/2014/main" id="{A6EDE99D-13C2-4EAE-8F7A-988836222039}"/>
+                </a:ext>
+              </a:extLst>
+            </p:cNvPr>
+            <p:cNvSpPr txBox="1">
+              <a:spLocks/>
+            </p:cNvSpPr>
+            <p:nvPr/>
+          </p:nvSpPr>
+          <p:spPr>
+            <a:xfrm>
+              <a:off x="682622" y="515924"/>
+              <a:ext cx="2123495" cy="3837962"/>
+            </a:xfrm>
+            <a:prstGeom prst="rect">
+              <a:avLst/>
+            </a:prstGeom>
+          </p:spPr>
+          <p:txBody>
+            <a:bodyPr vert="horz" lIns="91440" tIns="45720" rIns="91440" bIns="45720" rtlCol="0" anchor="t">
+              <a:normAutofit/>
+            </a:bodyPr>
+            <a:lstStyle>
+              <a:lvl1pPr marL="0" indent="0" algn="l" defTabSz="457200" rtl="0" eaLnBrk="1" latinLnBrk="0" hangingPunct="1">
+                <a:spcBef>
+                  <a:spcPct val="20000"/>
+                </a:spcBef>
+                <a:spcAft>
+                  <a:spcPts val="600"/>
+                </a:spcAft>
+                <a:buClr>
+                  <a:schemeClr val="tx1"/>
+                </a:buClr>
+                <a:buSzPct val="80000"/>
+                <a:buFont typeface="Wingdings 3" panose="05040102010807070707" pitchFamily="18" charset="2"/>
+                <a:buNone/>
+                <a:defRPr sz="2000" kern="1200" cap="none">
+                  <a:solidFill>
+                    <a:schemeClr val="bg2">
+                      <a:lumMod val="75000"/>
+                    </a:schemeClr>
+                  </a:solidFill>
+                  <a:effectLst/>
+                  <a:latin typeface="+mn-lt"/>
+                  <a:ea typeface="+mn-ea"/>
+                  <a:cs typeface="+mn-cs"/>
+                </a:defRPr>
+              </a:lvl1pPr>
+              <a:lvl2pPr marL="457200" indent="0" algn="l" defTabSz="457200" rtl="0" eaLnBrk="1" latinLnBrk="0" hangingPunct="1">
+                <a:spcBef>
+                  <a:spcPct val="20000"/>
+                </a:spcBef>
+                <a:spcAft>
+                  <a:spcPts val="600"/>
+                </a:spcAft>
+                <a:buClr>
+                  <a:schemeClr val="tx1"/>
+                </a:buClr>
+                <a:buSzPct val="80000"/>
+                <a:buFont typeface="Wingdings 3" panose="05040102010807070707" pitchFamily="18" charset="2"/>
+                <a:buNone/>
+                <a:defRPr sz="1800" kern="1200" cap="none">
+                  <a:solidFill>
+                    <a:schemeClr val="tx1">
+                      <a:tint val="75000"/>
+                    </a:schemeClr>
+                  </a:solidFill>
+                  <a:effectLst/>
+                  <a:latin typeface="+mn-lt"/>
+                  <a:ea typeface="+mn-ea"/>
+                  <a:cs typeface="+mn-cs"/>
+                </a:defRPr>
+              </a:lvl2pPr>
+              <a:lvl3pPr marL="914400" indent="0" algn="l" defTabSz="457200" rtl="0" eaLnBrk="1" latinLnBrk="0" hangingPunct="1">
+                <a:spcBef>
+                  <a:spcPct val="20000"/>
+                </a:spcBef>
+                <a:spcAft>
+                  <a:spcPts val="600"/>
+                </a:spcAft>
+                <a:buClr>
+                  <a:schemeClr val="tx1"/>
+                </a:buClr>
+                <a:buSzPct val="80000"/>
+                <a:buFont typeface="Wingdings 3" panose="05040102010807070707" pitchFamily="18" charset="2"/>
+                <a:buNone/>
+                <a:defRPr sz="1600" kern="1200" cap="none">
+                  <a:solidFill>
+                    <a:schemeClr val="tx1">
+                      <a:tint val="75000"/>
+                    </a:schemeClr>
+                  </a:solidFill>
+                  <a:effectLst/>
+                  <a:latin typeface="+mn-lt"/>
+                  <a:ea typeface="+mn-ea"/>
+                  <a:cs typeface="+mn-cs"/>
+                </a:defRPr>
+              </a:lvl3pPr>
+              <a:lvl4pPr marL="1371600" indent="0" algn="l" defTabSz="457200" rtl="0" eaLnBrk="1" latinLnBrk="0" hangingPunct="1">
+                <a:spcBef>
+                  <a:spcPct val="20000"/>
+                </a:spcBef>
+                <a:spcAft>
+                  <a:spcPts val="600"/>
+                </a:spcAft>
+                <a:buClr>
+                  <a:schemeClr val="tx1"/>
+                </a:buClr>
+                <a:buSzPct val="80000"/>
+                <a:buFont typeface="Wingdings 3" panose="05040102010807070707" pitchFamily="18" charset="2"/>
+                <a:buNone/>
+                <a:defRPr sz="1400" kern="1200" cap="none">
+                  <a:solidFill>
+                    <a:schemeClr val="tx1">
+                      <a:tint val="75000"/>
+                    </a:schemeClr>
+                  </a:solidFill>
+                  <a:effectLst/>
+                  <a:latin typeface="+mn-lt"/>
+                  <a:ea typeface="+mn-ea"/>
+                  <a:cs typeface="+mn-cs"/>
+                </a:defRPr>
+              </a:lvl4pPr>
+              <a:lvl5pPr marL="1828800" indent="0" algn="l" defTabSz="457200" rtl="0" eaLnBrk="1" latinLnBrk="0" hangingPunct="1">
+                <a:spcBef>
+                  <a:spcPct val="20000"/>
+                </a:spcBef>
+                <a:spcAft>
+                  <a:spcPts val="600"/>
+                </a:spcAft>
+                <a:buClr>
+                  <a:schemeClr val="tx1"/>
+                </a:buClr>
+                <a:buSzPct val="80000"/>
+                <a:buFont typeface="Wingdings 3" panose="05040102010807070707" pitchFamily="18" charset="2"/>
+                <a:buNone/>
+                <a:defRPr sz="1400" kern="1200" cap="none">
+                  <a:solidFill>
+                    <a:schemeClr val="tx1">
+                      <a:tint val="75000"/>
+                    </a:schemeClr>
+                  </a:solidFill>
+                  <a:effectLst/>
+                  <a:latin typeface="+mn-lt"/>
+                  <a:ea typeface="+mn-ea"/>
+                  <a:cs typeface="+mn-cs"/>
+                </a:defRPr>
+              </a:lvl5pPr>
+              <a:lvl6pPr marL="2286000" indent="0" algn="l" defTabSz="457200" rtl="0" eaLnBrk="1" latinLnBrk="0" hangingPunct="1">
+                <a:spcBef>
+                  <a:spcPct val="20000"/>
+                </a:spcBef>
+                <a:spcAft>
+                  <a:spcPts val="600"/>
+                </a:spcAft>
+                <a:buClr>
+                  <a:schemeClr val="tx1"/>
+                </a:buClr>
+                <a:buSzPct val="80000"/>
+                <a:buFont typeface="Wingdings 3" panose="05040102010807070707" pitchFamily="18" charset="2"/>
+                <a:buNone/>
+                <a:defRPr sz="1400" kern="1200" cap="none">
+                  <a:solidFill>
+                    <a:schemeClr val="tx1">
+                      <a:tint val="75000"/>
+                    </a:schemeClr>
+                  </a:solidFill>
+                  <a:effectLst/>
+                  <a:latin typeface="+mn-lt"/>
+                  <a:ea typeface="+mn-ea"/>
+                  <a:cs typeface="+mn-cs"/>
+                </a:defRPr>
+              </a:lvl6pPr>
+              <a:lvl7pPr marL="2743200" indent="0" algn="l" defTabSz="457200" rtl="0" eaLnBrk="1" latinLnBrk="0" hangingPunct="1">
+                <a:spcBef>
+                  <a:spcPct val="20000"/>
+                </a:spcBef>
+                <a:spcAft>
+                  <a:spcPts val="600"/>
+                </a:spcAft>
+                <a:buClr>
+                  <a:schemeClr val="tx1"/>
+                </a:buClr>
+                <a:buSzPct val="80000"/>
+                <a:buFont typeface="Wingdings 3" panose="05040102010807070707" pitchFamily="18" charset="2"/>
+                <a:buNone/>
+                <a:defRPr sz="1400" kern="1200" cap="none">
+                  <a:solidFill>
+                    <a:schemeClr val="tx1">
+                      <a:tint val="75000"/>
+                    </a:schemeClr>
+                  </a:solidFill>
+                  <a:effectLst/>
+                  <a:latin typeface="+mn-lt"/>
+                  <a:ea typeface="+mn-ea"/>
+                  <a:cs typeface="+mn-cs"/>
+                </a:defRPr>
+              </a:lvl7pPr>
+              <a:lvl8pPr marL="3200400" indent="0" algn="l" defTabSz="457200" rtl="0" eaLnBrk="1" latinLnBrk="0" hangingPunct="1">
+                <a:spcBef>
+                  <a:spcPct val="20000"/>
+                </a:spcBef>
+                <a:spcAft>
+                  <a:spcPts val="600"/>
+                </a:spcAft>
+                <a:buClr>
+                  <a:schemeClr val="tx1"/>
+                </a:buClr>
+                <a:buSzPct val="80000"/>
+                <a:buFont typeface="Wingdings 3" panose="05040102010807070707" pitchFamily="18" charset="2"/>
+                <a:buNone/>
+                <a:defRPr sz="1400" kern="1200" cap="none">
+                  <a:solidFill>
+                    <a:schemeClr val="tx1">
+                      <a:tint val="75000"/>
+                    </a:schemeClr>
+                  </a:solidFill>
+                  <a:effectLst/>
+                  <a:latin typeface="+mn-lt"/>
+                  <a:ea typeface="+mn-ea"/>
+                  <a:cs typeface="+mn-cs"/>
+                </a:defRPr>
+              </a:lvl8pPr>
+              <a:lvl9pPr marL="3657600" indent="0" algn="l" defTabSz="457200" rtl="0" eaLnBrk="1" latinLnBrk="0" hangingPunct="1">
+                <a:spcBef>
+                  <a:spcPct val="20000"/>
+                </a:spcBef>
+                <a:spcAft>
+                  <a:spcPts val="600"/>
+                </a:spcAft>
+                <a:buClr>
+                  <a:schemeClr val="tx1"/>
+                </a:buClr>
+                <a:buSzPct val="80000"/>
+                <a:buFont typeface="Wingdings 3" panose="05040102010807070707" pitchFamily="18" charset="2"/>
+                <a:buNone/>
+                <a:defRPr sz="1400" kern="1200" cap="none">
+                  <a:solidFill>
+                    <a:schemeClr val="tx1">
+                      <a:tint val="75000"/>
+                    </a:schemeClr>
+                  </a:solidFill>
+                  <a:effectLst/>
+                  <a:latin typeface="+mn-lt"/>
+                  <a:ea typeface="+mn-ea"/>
+                  <a:cs typeface="+mn-cs"/>
+                </a:defRPr>
+              </a:lvl9pPr>
+            </a:lstStyle>
+            <a:p>
+              <a:r>
+                <a:rPr lang="de-DE" sz="1800" dirty="0">
+                  <a:solidFill>
+                    <a:schemeClr val="tx1"/>
+                  </a:solidFill>
+                </a:rPr>
+                <a:t>Sport:</a:t>
+              </a:r>
+            </a:p>
+            <a:p>
+              <a:endParaRPr lang="de-DE" sz="1800" dirty="0">
+                <a:solidFill>
+                  <a:schemeClr val="tx1"/>
+                </a:solidFill>
+              </a:endParaRPr>
+            </a:p>
+            <a:p>
+              <a:pPr lvl="1"/>
+              <a:endParaRPr lang="de-DE" dirty="0">
+                <a:solidFill>
+                  <a:schemeClr val="tx1"/>
+                </a:solidFill>
+              </a:endParaRPr>
+            </a:p>
+            <a:p>
+              <a:r>
+                <a:rPr lang="de-DE" sz="1800" dirty="0">
+                  <a:solidFill>
+                    <a:schemeClr val="tx1"/>
+                  </a:solidFill>
+                </a:rPr>
+                <a:t>Autos: </a:t>
+              </a:r>
+            </a:p>
+            <a:p>
+              <a:endParaRPr lang="de-DE" sz="1800" dirty="0">
+                <a:solidFill>
+                  <a:schemeClr val="tx1"/>
+                </a:solidFill>
+              </a:endParaRPr>
+            </a:p>
+            <a:p>
+              <a:endParaRPr lang="de-DE" sz="1800" dirty="0">
+                <a:solidFill>
+                  <a:schemeClr val="tx1"/>
+                </a:solidFill>
+              </a:endParaRPr>
+            </a:p>
+            <a:p>
+              <a:r>
+                <a:rPr lang="de-DE" sz="1800" dirty="0">
+                  <a:solidFill>
+                    <a:schemeClr val="tx1"/>
+                  </a:solidFill>
+                </a:rPr>
+                <a:t>Kochen:</a:t>
+              </a:r>
+              <a:r>
+                <a:rPr lang="de-DE" dirty="0">
+                  <a:solidFill>
+                    <a:schemeClr val="tx1"/>
+                  </a:solidFill>
+                </a:rPr>
+                <a:t> </a:t>
+              </a:r>
+            </a:p>
+            <a:p>
+              <a:endParaRPr lang="de-DE" dirty="0">
+                <a:solidFill>
+                  <a:schemeClr val="tx1"/>
+                </a:solidFill>
+              </a:endParaRPr>
+            </a:p>
+          </p:txBody>
+        </p:sp>
+        <p:sp>
+          <p:nvSpPr>
+            <p:cNvPr id="11" name="Textplatzhalter 4">
+              <a:extLst>
+                <a:ext uri="{FF2B5EF4-FFF2-40B4-BE49-F238E27FC236}">
+                  <a16:creationId xmlns:a16="http://schemas.microsoft.com/office/drawing/2014/main" id="{A8742D73-B37F-49EB-96CA-D84A98E3A788}"/>
+                </a:ext>
+              </a:extLst>
+            </p:cNvPr>
+            <p:cNvSpPr txBox="1">
+              <a:spLocks/>
+            </p:cNvSpPr>
+            <p:nvPr/>
+          </p:nvSpPr>
+          <p:spPr>
+            <a:xfrm>
+              <a:off x="2559469" y="509343"/>
+              <a:ext cx="3016923" cy="3899072"/>
+            </a:xfrm>
+            <a:prstGeom prst="rect">
+              <a:avLst/>
+            </a:prstGeom>
+          </p:spPr>
+          <p:txBody>
+            <a:bodyPr vert="horz" lIns="91440" tIns="45720" rIns="91440" bIns="45720" rtlCol="0" anchor="t">
+              <a:normAutofit/>
+            </a:bodyPr>
+            <a:lstStyle>
+              <a:lvl1pPr marL="0" indent="0" algn="l" defTabSz="457200" rtl="0" eaLnBrk="1" latinLnBrk="0" hangingPunct="1">
+                <a:spcBef>
+                  <a:spcPct val="20000"/>
+                </a:spcBef>
+                <a:spcAft>
+                  <a:spcPts val="600"/>
+                </a:spcAft>
+                <a:buClr>
+                  <a:schemeClr val="tx1"/>
+                </a:buClr>
+                <a:buSzPct val="80000"/>
+                <a:buFont typeface="Wingdings 3" panose="05040102010807070707" pitchFamily="18" charset="2"/>
+                <a:buNone/>
+                <a:defRPr sz="2000" kern="1200" cap="none">
+                  <a:solidFill>
+                    <a:schemeClr val="bg2">
+                      <a:lumMod val="75000"/>
+                    </a:schemeClr>
+                  </a:solidFill>
+                  <a:effectLst/>
+                  <a:latin typeface="+mn-lt"/>
+                  <a:ea typeface="+mn-ea"/>
+                  <a:cs typeface="+mn-cs"/>
+                </a:defRPr>
+              </a:lvl1pPr>
+              <a:lvl2pPr marL="457200" indent="0" algn="l" defTabSz="457200" rtl="0" eaLnBrk="1" latinLnBrk="0" hangingPunct="1">
+                <a:spcBef>
+                  <a:spcPct val="20000"/>
+                </a:spcBef>
+                <a:spcAft>
+                  <a:spcPts val="600"/>
+                </a:spcAft>
+                <a:buClr>
+                  <a:schemeClr val="tx1"/>
+                </a:buClr>
+                <a:buSzPct val="80000"/>
+                <a:buFont typeface="Wingdings 3" panose="05040102010807070707" pitchFamily="18" charset="2"/>
+                <a:buNone/>
+                <a:defRPr sz="1800" kern="1200" cap="none">
+                  <a:solidFill>
+                    <a:schemeClr val="tx1">
+                      <a:tint val="75000"/>
+                    </a:schemeClr>
+                  </a:solidFill>
+                  <a:effectLst/>
+                  <a:latin typeface="+mn-lt"/>
+                  <a:ea typeface="+mn-ea"/>
+                  <a:cs typeface="+mn-cs"/>
+                </a:defRPr>
+              </a:lvl2pPr>
+              <a:lvl3pPr marL="914400" indent="0" algn="l" defTabSz="457200" rtl="0" eaLnBrk="1" latinLnBrk="0" hangingPunct="1">
+                <a:spcBef>
+                  <a:spcPct val="20000"/>
+                </a:spcBef>
+                <a:spcAft>
+                  <a:spcPts val="600"/>
+                </a:spcAft>
+                <a:buClr>
+                  <a:schemeClr val="tx1"/>
+                </a:buClr>
+                <a:buSzPct val="80000"/>
+                <a:buFont typeface="Wingdings 3" panose="05040102010807070707" pitchFamily="18" charset="2"/>
+                <a:buNone/>
+                <a:defRPr sz="1600" kern="1200" cap="none">
+                  <a:solidFill>
+                    <a:schemeClr val="tx1">
+                      <a:tint val="75000"/>
+                    </a:schemeClr>
+                  </a:solidFill>
+                  <a:effectLst/>
+                  <a:latin typeface="+mn-lt"/>
+                  <a:ea typeface="+mn-ea"/>
+                  <a:cs typeface="+mn-cs"/>
+                </a:defRPr>
+              </a:lvl3pPr>
+              <a:lvl4pPr marL="1371600" indent="0" algn="l" defTabSz="457200" rtl="0" eaLnBrk="1" latinLnBrk="0" hangingPunct="1">
+                <a:spcBef>
+                  <a:spcPct val="20000"/>
+                </a:spcBef>
+                <a:spcAft>
+                  <a:spcPts val="600"/>
+                </a:spcAft>
+                <a:buClr>
+                  <a:schemeClr val="tx1"/>
+                </a:buClr>
+                <a:buSzPct val="80000"/>
+                <a:buFont typeface="Wingdings 3" panose="05040102010807070707" pitchFamily="18" charset="2"/>
+                <a:buNone/>
+                <a:defRPr sz="1400" kern="1200" cap="none">
+                  <a:solidFill>
+                    <a:schemeClr val="tx1">
+                      <a:tint val="75000"/>
+                    </a:schemeClr>
+                  </a:solidFill>
+                  <a:effectLst/>
+                  <a:latin typeface="+mn-lt"/>
+                  <a:ea typeface="+mn-ea"/>
+                  <a:cs typeface="+mn-cs"/>
+                </a:defRPr>
+              </a:lvl4pPr>
+              <a:lvl5pPr marL="1828800" indent="0" algn="l" defTabSz="457200" rtl="0" eaLnBrk="1" latinLnBrk="0" hangingPunct="1">
+                <a:spcBef>
+                  <a:spcPct val="20000"/>
+                </a:spcBef>
+                <a:spcAft>
+                  <a:spcPts val="600"/>
+                </a:spcAft>
+                <a:buClr>
+                  <a:schemeClr val="tx1"/>
+                </a:buClr>
+                <a:buSzPct val="80000"/>
+                <a:buFont typeface="Wingdings 3" panose="05040102010807070707" pitchFamily="18" charset="2"/>
+                <a:buNone/>
+                <a:defRPr sz="1400" kern="1200" cap="none">
+                  <a:solidFill>
+                    <a:schemeClr val="tx1">
+                      <a:tint val="75000"/>
+                    </a:schemeClr>
+                  </a:solidFill>
+                  <a:effectLst/>
+                  <a:latin typeface="+mn-lt"/>
+                  <a:ea typeface="+mn-ea"/>
+                  <a:cs typeface="+mn-cs"/>
+                </a:defRPr>
+              </a:lvl5pPr>
+              <a:lvl6pPr marL="2286000" indent="0" algn="l" defTabSz="457200" rtl="0" eaLnBrk="1" latinLnBrk="0" hangingPunct="1">
+                <a:spcBef>
+                  <a:spcPct val="20000"/>
+                </a:spcBef>
+                <a:spcAft>
+                  <a:spcPts val="600"/>
+                </a:spcAft>
+                <a:buClr>
+                  <a:schemeClr val="tx1"/>
+                </a:buClr>
+                <a:buSzPct val="80000"/>
+                <a:buFont typeface="Wingdings 3" panose="05040102010807070707" pitchFamily="18" charset="2"/>
+                <a:buNone/>
+                <a:defRPr sz="1400" kern="1200" cap="none">
+                  <a:solidFill>
+                    <a:schemeClr val="tx1">
+                      <a:tint val="75000"/>
+                    </a:schemeClr>
+                  </a:solidFill>
+                  <a:effectLst/>
+                  <a:latin typeface="+mn-lt"/>
+                  <a:ea typeface="+mn-ea"/>
+                  <a:cs typeface="+mn-cs"/>
+                </a:defRPr>
+              </a:lvl6pPr>
+              <a:lvl7pPr marL="2743200" indent="0" algn="l" defTabSz="457200" rtl="0" eaLnBrk="1" latinLnBrk="0" hangingPunct="1">
+                <a:spcBef>
+                  <a:spcPct val="20000"/>
+                </a:spcBef>
+                <a:spcAft>
+                  <a:spcPts val="600"/>
+                </a:spcAft>
+                <a:buClr>
+                  <a:schemeClr val="tx1"/>
+                </a:buClr>
+                <a:buSzPct val="80000"/>
+                <a:buFont typeface="Wingdings 3" panose="05040102010807070707" pitchFamily="18" charset="2"/>
+                <a:buNone/>
+                <a:defRPr sz="1400" kern="1200" cap="none">
+                  <a:solidFill>
+                    <a:schemeClr val="tx1">
+                      <a:tint val="75000"/>
+                    </a:schemeClr>
+                  </a:solidFill>
+                  <a:effectLst/>
+                  <a:latin typeface="+mn-lt"/>
+                  <a:ea typeface="+mn-ea"/>
+                  <a:cs typeface="+mn-cs"/>
+                </a:defRPr>
+              </a:lvl7pPr>
+              <a:lvl8pPr marL="3200400" indent="0" algn="l" defTabSz="457200" rtl="0" eaLnBrk="1" latinLnBrk="0" hangingPunct="1">
+                <a:spcBef>
+                  <a:spcPct val="20000"/>
+                </a:spcBef>
+                <a:spcAft>
+                  <a:spcPts val="600"/>
+                </a:spcAft>
+                <a:buClr>
+                  <a:schemeClr val="tx1"/>
+                </a:buClr>
+                <a:buSzPct val="80000"/>
+                <a:buFont typeface="Wingdings 3" panose="05040102010807070707" pitchFamily="18" charset="2"/>
+                <a:buNone/>
+                <a:defRPr sz="1400" kern="1200" cap="none">
+                  <a:solidFill>
+                    <a:schemeClr val="tx1">
+                      <a:tint val="75000"/>
+                    </a:schemeClr>
+                  </a:solidFill>
+                  <a:effectLst/>
+                  <a:latin typeface="+mn-lt"/>
+                  <a:ea typeface="+mn-ea"/>
+                  <a:cs typeface="+mn-cs"/>
+                </a:defRPr>
+              </a:lvl8pPr>
+              <a:lvl9pPr marL="3657600" indent="0" algn="l" defTabSz="457200" rtl="0" eaLnBrk="1" latinLnBrk="0" hangingPunct="1">
+                <a:spcBef>
+                  <a:spcPct val="20000"/>
+                </a:spcBef>
+                <a:spcAft>
+                  <a:spcPts val="600"/>
+                </a:spcAft>
+                <a:buClr>
+                  <a:schemeClr val="tx1"/>
+                </a:buClr>
+                <a:buSzPct val="80000"/>
+                <a:buFont typeface="Wingdings 3" panose="05040102010807070707" pitchFamily="18" charset="2"/>
+                <a:buNone/>
+                <a:defRPr sz="1400" kern="1200" cap="none">
+                  <a:solidFill>
+                    <a:schemeClr val="tx1">
+                      <a:tint val="75000"/>
+                    </a:schemeClr>
+                  </a:solidFill>
+                  <a:effectLst/>
+                  <a:latin typeface="+mn-lt"/>
+                  <a:ea typeface="+mn-ea"/>
+                  <a:cs typeface="+mn-cs"/>
+                </a:defRPr>
+              </a:lvl9pPr>
+            </a:lstStyle>
+            <a:p>
+              <a:pPr marL="742950" lvl="1" indent="-285750">
+                <a:buFontTx/>
+                <a:buChar char="-"/>
+              </a:pPr>
+              <a:r>
+                <a:rPr lang="de-DE" dirty="0">
+                  <a:solidFill>
+                    <a:schemeClr val="tx1"/>
+                  </a:solidFill>
+                </a:rPr>
+                <a:t>Kraftsport</a:t>
+              </a:r>
+            </a:p>
+            <a:p>
+              <a:pPr marL="742950" lvl="1" indent="-285750">
+                <a:buFontTx/>
+                <a:buChar char="-"/>
+              </a:pPr>
+              <a:r>
+                <a:rPr lang="de-DE" dirty="0">
+                  <a:solidFill>
+                    <a:schemeClr val="tx1"/>
+                  </a:solidFill>
+                </a:rPr>
+                <a:t>Bergsteigen</a:t>
+              </a:r>
+            </a:p>
+            <a:p>
+              <a:pPr marL="742950" lvl="1" indent="-285750">
+                <a:buFontTx/>
+                <a:buChar char="-"/>
+              </a:pPr>
+              <a:endParaRPr lang="de-DE" dirty="0">
+                <a:solidFill>
+                  <a:schemeClr val="tx1"/>
+                </a:solidFill>
+              </a:endParaRPr>
+            </a:p>
+            <a:p>
+              <a:pPr marL="742950" lvl="1" indent="-285750">
+                <a:buFontTx/>
+                <a:buChar char="-"/>
+              </a:pPr>
+              <a:r>
+                <a:rPr lang="de-DE" dirty="0">
+                  <a:solidFill>
+                    <a:schemeClr val="tx1"/>
+                  </a:solidFill>
+                </a:rPr>
+                <a:t>JP</a:t>
+              </a:r>
+            </a:p>
+            <a:p>
+              <a:pPr marL="742950" lvl="1" indent="-285750">
+                <a:buFontTx/>
+                <a:buChar char="-"/>
+              </a:pPr>
+              <a:r>
+                <a:rPr lang="de-DE" dirty="0">
+                  <a:solidFill>
+                    <a:schemeClr val="tx1"/>
+                  </a:solidFill>
+                </a:rPr>
+                <a:t>BMW</a:t>
+              </a:r>
+            </a:p>
+            <a:p>
+              <a:pPr marL="742950" lvl="1" indent="-285750">
+                <a:buFontTx/>
+                <a:buChar char="-"/>
+              </a:pPr>
+              <a:endParaRPr lang="de-DE" dirty="0">
+                <a:solidFill>
+                  <a:schemeClr val="tx1"/>
+                </a:solidFill>
+              </a:endParaRPr>
+            </a:p>
+            <a:p>
+              <a:pPr marL="742950" lvl="1" indent="-285750">
+                <a:buFontTx/>
+                <a:buChar char="-"/>
+              </a:pPr>
+              <a:r>
+                <a:rPr lang="de-DE" dirty="0">
+                  <a:solidFill>
+                    <a:schemeClr val="tx1"/>
+                  </a:solidFill>
+                </a:rPr>
+                <a:t>Südtiroler Küche </a:t>
+              </a:r>
+            </a:p>
+            <a:p>
+              <a:pPr marL="742950" lvl="1" indent="-285750">
+                <a:buFontTx/>
+                <a:buChar char="-"/>
+              </a:pPr>
+              <a:endParaRPr lang="de-DE" dirty="0">
+                <a:solidFill>
+                  <a:schemeClr val="tx1"/>
+                </a:solidFill>
+              </a:endParaRPr>
+            </a:p>
+          </p:txBody>
+        </p:sp>
+      </p:grpSp>
     </p:spTree>
     <p:extLst>
       <p:ext uri="{BB962C8B-B14F-4D97-AF65-F5344CB8AC3E}">
@@ -9847,7 +10520,7 @@
           <a:blip r:embed="rId2">
             <a:extLst>
               <a:ext uri="{96DAC541-7B7A-43D3-8B79-37D633B846F1}">
-                <asvg:svgBlip xmlns="" xmlns:asvg="http://schemas.microsoft.com/office/drawing/2016/SVG/main" r:embed="rId3"/>
+                <asvg:svgBlip xmlns:asvg="http://schemas.microsoft.com/office/drawing/2016/SVG/main" r:embed="rId3"/>
               </a:ext>
             </a:extLst>
           </a:blip>
@@ -9913,7 +10586,7 @@
           <a:blip r:embed="rId4">
             <a:extLst>
               <a:ext uri="{96DAC541-7B7A-43D3-8B79-37D633B846F1}">
-                <asvg:svgBlip xmlns="" xmlns:asvg="http://schemas.microsoft.com/office/drawing/2016/SVG/main" r:embed="rId5"/>
+                <asvg:svgBlip xmlns:asvg="http://schemas.microsoft.com/office/drawing/2016/SVG/main" r:embed="rId5"/>
               </a:ext>
             </a:extLst>
           </a:blip>
@@ -9979,7 +10652,7 @@
           <a:blip r:embed="rId2">
             <a:extLst>
               <a:ext uri="{96DAC541-7B7A-43D3-8B79-37D633B846F1}">
-                <asvg:svgBlip xmlns="" xmlns:asvg="http://schemas.microsoft.com/office/drawing/2016/SVG/main" r:embed="rId3"/>
+                <asvg:svgBlip xmlns:asvg="http://schemas.microsoft.com/office/drawing/2016/SVG/main" r:embed="rId3"/>
               </a:ext>
             </a:extLst>
           </a:blip>
@@ -10305,7 +10978,7 @@
           <a:blip r:embed="rId4">
             <a:extLst>
               <a:ext uri="{96DAC541-7B7A-43D3-8B79-37D633B846F1}">
-                <asvg:svgBlip xmlns="" xmlns:asvg="http://schemas.microsoft.com/office/drawing/2016/SVG/main" r:embed="rId5"/>
+                <asvg:svgBlip xmlns:asvg="http://schemas.microsoft.com/office/drawing/2016/SVG/main" r:embed="rId5"/>
               </a:ext>
             </a:extLst>
           </a:blip>
@@ -10638,7 +11311,7 @@
           <a:blip r:embed="rId2">
             <a:extLst>
               <a:ext uri="{96DAC541-7B7A-43D3-8B79-37D633B846F1}">
-                <asvg:svgBlip xmlns="" xmlns:asvg="http://schemas.microsoft.com/office/drawing/2016/SVG/main" r:embed="rId3"/>
+                <asvg:svgBlip xmlns:asvg="http://schemas.microsoft.com/office/drawing/2016/SVG/main" r:embed="rId3"/>
               </a:ext>
             </a:extLst>
           </a:blip>
@@ -10674,7 +11347,7 @@
           <a:blip r:embed="rId4">
             <a:extLst>
               <a:ext uri="{96DAC541-7B7A-43D3-8B79-37D633B846F1}">
-                <asvg:svgBlip xmlns="" xmlns:asvg="http://schemas.microsoft.com/office/drawing/2016/SVG/main" r:embed="rId5"/>
+                <asvg:svgBlip xmlns:asvg="http://schemas.microsoft.com/office/drawing/2016/SVG/main" r:embed="rId5"/>
               </a:ext>
             </a:extLst>
           </a:blip>
@@ -10949,7 +11622,7 @@
           <a:blip r:embed="rId2">
             <a:extLst>
               <a:ext uri="{96DAC541-7B7A-43D3-8B79-37D633B846F1}">
-                <asvg:svgBlip xmlns="" xmlns:asvg="http://schemas.microsoft.com/office/drawing/2016/SVG/main" r:embed="rId3"/>
+                <asvg:svgBlip xmlns:asvg="http://schemas.microsoft.com/office/drawing/2016/SVG/main" r:embed="rId3"/>
               </a:ext>
             </a:extLst>
           </a:blip>
@@ -10985,7 +11658,7 @@
           <a:blip r:embed="rId4">
             <a:extLst>
               <a:ext uri="{96DAC541-7B7A-43D3-8B79-37D633B846F1}">
-                <asvg:svgBlip xmlns="" xmlns:asvg="http://schemas.microsoft.com/office/drawing/2016/SVG/main" r:embed="rId5"/>
+                <asvg:svgBlip xmlns:asvg="http://schemas.microsoft.com/office/drawing/2016/SVG/main" r:embed="rId5"/>
               </a:ext>
             </a:extLst>
           </a:blip>

--- a/Präsentation/KA-Share.pptx
+++ b/Präsentation/KA-Share.pptx
@@ -9024,6 +9024,13 @@
               </a:endParaRPr>
             </a:p>
             <a:p>
+              <a:endParaRPr lang="de-DE" sz="1800" dirty="0">
+                <a:solidFill>
+                  <a:schemeClr val="tx1"/>
+                </a:solidFill>
+              </a:endParaRPr>
+            </a:p>
+            <a:p>
               <a:r>
                 <a:rPr lang="de-DE" sz="1800" dirty="0">
                   <a:solidFill>
@@ -9381,6 +9388,20 @@
                 <a:buFontTx/>
                 <a:buChar char="-"/>
               </a:pPr>
+              <a:r>
+                <a:rPr lang="de-DE" dirty="0">
+                  <a:solidFill>
+                    <a:schemeClr val="tx1"/>
+                  </a:solidFill>
+                </a:rPr>
+                <a:t>Thriller</a:t>
+              </a:r>
+            </a:p>
+            <a:p>
+              <a:pPr marL="742950" lvl="1" indent="-285750">
+                <a:buFontTx/>
+                <a:buChar char="-"/>
+              </a:pPr>
               <a:endParaRPr lang="de-DE" dirty="0">
                 <a:solidFill>
                   <a:schemeClr val="tx1"/>
@@ -9418,6 +9439,186 @@
           </p:txBody>
         </p:sp>
       </p:grpSp>
+      <p:pic>
+        <p:nvPicPr>
+          <p:cNvPr id="12" name="Grafik 11" descr="Piano">
+            <a:extLst>
+              <a:ext uri="{FF2B5EF4-FFF2-40B4-BE49-F238E27FC236}">
+                <a16:creationId xmlns:a16="http://schemas.microsoft.com/office/drawing/2014/main" id="{13C7B735-DE97-40E4-9C66-880A375DEF71}"/>
+              </a:ext>
+            </a:extLst>
+          </p:cNvPr>
+          <p:cNvPicPr>
+            <a:picLocks noChangeAspect="1"/>
+          </p:cNvPicPr>
+          <p:nvPr/>
+        </p:nvPicPr>
+        <p:blipFill>
+          <a:blip r:embed="rId4">
+            <a:extLst>
+              <a:ext uri="{96DAC541-7B7A-43D3-8B79-37D633B846F1}">
+                <asvg:svgBlip xmlns:asvg="http://schemas.microsoft.com/office/drawing/2016/SVG/main" r:embed="rId5"/>
+              </a:ext>
+            </a:extLst>
+          </a:blip>
+          <a:stretch>
+            <a:fillRect/>
+          </a:stretch>
+        </p:blipFill>
+        <p:spPr>
+          <a:xfrm rot="834331">
+            <a:off x="6243773" y="705618"/>
+            <a:ext cx="938442" cy="938442"/>
+          </a:xfrm>
+          <a:prstGeom prst="rect">
+            <a:avLst/>
+          </a:prstGeom>
+        </p:spPr>
+      </p:pic>
+      <p:pic>
+        <p:nvPicPr>
+          <p:cNvPr id="14" name="Grafik 13" descr="Hantel">
+            <a:extLst>
+              <a:ext uri="{FF2B5EF4-FFF2-40B4-BE49-F238E27FC236}">
+                <a16:creationId xmlns:a16="http://schemas.microsoft.com/office/drawing/2014/main" id="{84923135-D6CE-4EB8-973A-397C118CFFC2}"/>
+              </a:ext>
+            </a:extLst>
+          </p:cNvPr>
+          <p:cNvPicPr>
+            <a:picLocks noChangeAspect="1"/>
+          </p:cNvPicPr>
+          <p:nvPr/>
+        </p:nvPicPr>
+        <p:blipFill>
+          <a:blip r:embed="rId6">
+            <a:extLst>
+              <a:ext uri="{96DAC541-7B7A-43D3-8B79-37D633B846F1}">
+                <asvg:svgBlip xmlns:asvg="http://schemas.microsoft.com/office/drawing/2016/SVG/main" r:embed="rId7"/>
+              </a:ext>
+            </a:extLst>
+          </a:blip>
+          <a:stretch>
+            <a:fillRect/>
+          </a:stretch>
+        </p:blipFill>
+        <p:spPr>
+          <a:xfrm>
+            <a:off x="8280170" y="402377"/>
+            <a:ext cx="938442" cy="938442"/>
+          </a:xfrm>
+          <a:prstGeom prst="rect">
+            <a:avLst/>
+          </a:prstGeom>
+        </p:spPr>
+      </p:pic>
+      <p:pic>
+        <p:nvPicPr>
+          <p:cNvPr id="16" name="Grafik 15" descr="Bücher">
+            <a:extLst>
+              <a:ext uri="{FF2B5EF4-FFF2-40B4-BE49-F238E27FC236}">
+                <a16:creationId xmlns:a16="http://schemas.microsoft.com/office/drawing/2014/main" id="{3F82CDFC-70ED-49D1-A170-2CBC5F157BA4}"/>
+              </a:ext>
+            </a:extLst>
+          </p:cNvPr>
+          <p:cNvPicPr>
+            <a:picLocks noChangeAspect="1"/>
+          </p:cNvPicPr>
+          <p:nvPr/>
+        </p:nvPicPr>
+        <p:blipFill>
+          <a:blip r:embed="rId8">
+            <a:extLst>
+              <a:ext uri="{96DAC541-7B7A-43D3-8B79-37D633B846F1}">
+                <asvg:svgBlip xmlns:asvg="http://schemas.microsoft.com/office/drawing/2016/SVG/main" r:embed="rId9"/>
+              </a:ext>
+            </a:extLst>
+          </a:blip>
+          <a:stretch>
+            <a:fillRect/>
+          </a:stretch>
+        </p:blipFill>
+        <p:spPr>
+          <a:xfrm rot="169271">
+            <a:off x="8302696" y="2248071"/>
+            <a:ext cx="938442" cy="938442"/>
+          </a:xfrm>
+          <a:prstGeom prst="rect">
+            <a:avLst/>
+          </a:prstGeom>
+        </p:spPr>
+      </p:pic>
+      <p:pic>
+        <p:nvPicPr>
+          <p:cNvPr id="18" name="Grafik 17" descr="Bücherregal">
+            <a:extLst>
+              <a:ext uri="{FF2B5EF4-FFF2-40B4-BE49-F238E27FC236}">
+                <a16:creationId xmlns:a16="http://schemas.microsoft.com/office/drawing/2014/main" id="{43B09446-56E3-4246-B7B2-442E5B6A75A6}"/>
+              </a:ext>
+            </a:extLst>
+          </p:cNvPr>
+          <p:cNvPicPr>
+            <a:picLocks noChangeAspect="1"/>
+          </p:cNvPicPr>
+          <p:nvPr/>
+        </p:nvPicPr>
+        <p:blipFill>
+          <a:blip r:embed="rId10">
+            <a:extLst>
+              <a:ext uri="{96DAC541-7B7A-43D3-8B79-37D633B846F1}">
+                <asvg:svgBlip xmlns:asvg="http://schemas.microsoft.com/office/drawing/2016/SVG/main" r:embed="rId11"/>
+              </a:ext>
+            </a:extLst>
+          </a:blip>
+          <a:stretch>
+            <a:fillRect/>
+          </a:stretch>
+        </p:blipFill>
+        <p:spPr>
+          <a:xfrm>
+            <a:off x="9727498" y="1965684"/>
+            <a:ext cx="938442" cy="938442"/>
+          </a:xfrm>
+          <a:prstGeom prst="rect">
+            <a:avLst/>
+          </a:prstGeom>
+        </p:spPr>
+      </p:pic>
+      <p:pic>
+        <p:nvPicPr>
+          <p:cNvPr id="20" name="Grafik 19" descr="Kamera">
+            <a:extLst>
+              <a:ext uri="{FF2B5EF4-FFF2-40B4-BE49-F238E27FC236}">
+                <a16:creationId xmlns:a16="http://schemas.microsoft.com/office/drawing/2014/main" id="{7528419F-C6CA-40BF-9EDA-2A03F5C6190F}"/>
+              </a:ext>
+            </a:extLst>
+          </p:cNvPr>
+          <p:cNvPicPr>
+            <a:picLocks noChangeAspect="1"/>
+          </p:cNvPicPr>
+          <p:nvPr/>
+        </p:nvPicPr>
+        <p:blipFill>
+          <a:blip r:embed="rId12">
+            <a:extLst>
+              <a:ext uri="{96DAC541-7B7A-43D3-8B79-37D633B846F1}">
+                <asvg:svgBlip xmlns:asvg="http://schemas.microsoft.com/office/drawing/2016/SVG/main" r:embed="rId13"/>
+              </a:ext>
+            </a:extLst>
+          </a:blip>
+          <a:stretch>
+            <a:fillRect/>
+          </a:stretch>
+        </p:blipFill>
+        <p:spPr>
+          <a:xfrm>
+            <a:off x="6713503" y="3415444"/>
+            <a:ext cx="938442" cy="938442"/>
+          </a:xfrm>
+          <a:prstGeom prst="rect">
+            <a:avLst/>
+          </a:prstGeom>
+        </p:spPr>
+      </p:pic>
     </p:spTree>
     <p:extLst>
       <p:ext uri="{BB962C8B-B14F-4D97-AF65-F5344CB8AC3E}">

--- a/Präsentation/KA-Share.pptx
+++ b/Präsentation/KA-Share.pptx
@@ -10549,6 +10549,150 @@
           </p:txBody>
         </p:sp>
       </p:grpSp>
+      <p:pic>
+        <p:nvPicPr>
+          <p:cNvPr id="12" name="Grafik 11" descr="Berge">
+            <a:extLst>
+              <a:ext uri="{FF2B5EF4-FFF2-40B4-BE49-F238E27FC236}">
+                <a16:creationId xmlns:a16="http://schemas.microsoft.com/office/drawing/2014/main" id="{8849E988-015A-4FDB-8E1D-3CF7230D8197}"/>
+              </a:ext>
+            </a:extLst>
+          </p:cNvPr>
+          <p:cNvPicPr>
+            <a:picLocks noChangeAspect="1"/>
+          </p:cNvPicPr>
+          <p:nvPr/>
+        </p:nvPicPr>
+        <p:blipFill>
+          <a:blip r:embed="rId4">
+            <a:extLst>
+              <a:ext uri="{96DAC541-7B7A-43D3-8B79-37D633B846F1}">
+                <asvg:svgBlip xmlns:asvg="http://schemas.microsoft.com/office/drawing/2016/SVG/main" r:embed="rId5"/>
+              </a:ext>
+            </a:extLst>
+          </a:blip>
+          <a:stretch>
+            <a:fillRect/>
+          </a:stretch>
+        </p:blipFill>
+        <p:spPr>
+          <a:xfrm>
+            <a:off x="6483102" y="321437"/>
+            <a:ext cx="914400" cy="914400"/>
+          </a:xfrm>
+          <a:prstGeom prst="rect">
+            <a:avLst/>
+          </a:prstGeom>
+        </p:spPr>
+      </p:pic>
+      <p:pic>
+        <p:nvPicPr>
+          <p:cNvPr id="14" name="Grafik 13" descr="Messer und Gabel">
+            <a:extLst>
+              <a:ext uri="{FF2B5EF4-FFF2-40B4-BE49-F238E27FC236}">
+                <a16:creationId xmlns:a16="http://schemas.microsoft.com/office/drawing/2014/main" id="{50ABD63F-4A12-4ABF-99AB-3EDC1E9F99F3}"/>
+              </a:ext>
+            </a:extLst>
+          </p:cNvPr>
+          <p:cNvPicPr>
+            <a:picLocks noChangeAspect="1"/>
+          </p:cNvPicPr>
+          <p:nvPr/>
+        </p:nvPicPr>
+        <p:blipFill>
+          <a:blip r:embed="rId6">
+            <a:extLst>
+              <a:ext uri="{96DAC541-7B7A-43D3-8B79-37D633B846F1}">
+                <asvg:svgBlip xmlns:asvg="http://schemas.microsoft.com/office/drawing/2016/SVG/main" r:embed="rId7"/>
+              </a:ext>
+            </a:extLst>
+          </a:blip>
+          <a:stretch>
+            <a:fillRect/>
+          </a:stretch>
+        </p:blipFill>
+        <p:spPr>
+          <a:xfrm>
+            <a:off x="7191679" y="3111514"/>
+            <a:ext cx="914400" cy="914400"/>
+          </a:xfrm>
+          <a:prstGeom prst="rect">
+            <a:avLst/>
+          </a:prstGeom>
+        </p:spPr>
+      </p:pic>
+      <p:pic>
+        <p:nvPicPr>
+          <p:cNvPr id="16" name="Grafik 15" descr="Teller">
+            <a:extLst>
+              <a:ext uri="{FF2B5EF4-FFF2-40B4-BE49-F238E27FC236}">
+                <a16:creationId xmlns:a16="http://schemas.microsoft.com/office/drawing/2014/main" id="{906234BE-99FE-4EED-80C5-1890496C4D62}"/>
+              </a:ext>
+            </a:extLst>
+          </p:cNvPr>
+          <p:cNvPicPr>
+            <a:picLocks noChangeAspect="1"/>
+          </p:cNvPicPr>
+          <p:nvPr/>
+        </p:nvPicPr>
+        <p:blipFill>
+          <a:blip r:embed="rId8">
+            <a:extLst>
+              <a:ext uri="{96DAC541-7B7A-43D3-8B79-37D633B846F1}">
+                <asvg:svgBlip xmlns:asvg="http://schemas.microsoft.com/office/drawing/2016/SVG/main" r:embed="rId9"/>
+              </a:ext>
+            </a:extLst>
+          </a:blip>
+          <a:stretch>
+            <a:fillRect/>
+          </a:stretch>
+        </p:blipFill>
+        <p:spPr>
+          <a:xfrm>
+            <a:off x="6079146" y="2458879"/>
+            <a:ext cx="914400" cy="914400"/>
+          </a:xfrm>
+          <a:prstGeom prst="rect">
+            <a:avLst/>
+          </a:prstGeom>
+        </p:spPr>
+      </p:pic>
+      <p:pic>
+        <p:nvPicPr>
+          <p:cNvPr id="18" name="Grafik 17" descr="Hantel">
+            <a:extLst>
+              <a:ext uri="{FF2B5EF4-FFF2-40B4-BE49-F238E27FC236}">
+                <a16:creationId xmlns:a16="http://schemas.microsoft.com/office/drawing/2014/main" id="{36D50A8F-F9E0-4835-B220-E1E77C96506E}"/>
+              </a:ext>
+            </a:extLst>
+          </p:cNvPr>
+          <p:cNvPicPr>
+            <a:picLocks noChangeAspect="1"/>
+          </p:cNvPicPr>
+          <p:nvPr/>
+        </p:nvPicPr>
+        <p:blipFill>
+          <a:blip r:embed="rId10">
+            <a:extLst>
+              <a:ext uri="{96DAC541-7B7A-43D3-8B79-37D633B846F1}">
+                <asvg:svgBlip xmlns:asvg="http://schemas.microsoft.com/office/drawing/2016/SVG/main" r:embed="rId11"/>
+              </a:ext>
+            </a:extLst>
+          </a:blip>
+          <a:stretch>
+            <a:fillRect/>
+          </a:stretch>
+        </p:blipFill>
+        <p:spPr>
+          <a:xfrm>
+            <a:off x="7719052" y="1418019"/>
+            <a:ext cx="914400" cy="914400"/>
+          </a:xfrm>
+          <a:prstGeom prst="rect">
+            <a:avLst/>
+          </a:prstGeom>
+        </p:spPr>
+      </p:pic>
     </p:spTree>
     <p:extLst>
       <p:ext uri="{BB962C8B-B14F-4D97-AF65-F5344CB8AC3E}">
@@ -10634,13 +10778,7 @@
             </a:r>
             <a:r>
               <a:rPr lang="de-DE" dirty="0"/>
-              <a:t> Engineer.</a:t>
-            </a:r>
-          </a:p>
-          <a:p>
-            <a:r>
-              <a:rPr lang="de-DE" dirty="0"/>
-              <a:t>Heute leider nicht da. </a:t>
+              <a:t> Engineer. </a:t>
             </a:r>
           </a:p>
         </p:txBody>
@@ -10769,12 +10907,691 @@
           </a:p>
         </p:txBody>
       </p:sp>
+      <p:grpSp>
+        <p:nvGrpSpPr>
+          <p:cNvPr id="10" name="Gruppieren 9">
+            <a:extLst>
+              <a:ext uri="{FF2B5EF4-FFF2-40B4-BE49-F238E27FC236}">
+                <a16:creationId xmlns:a16="http://schemas.microsoft.com/office/drawing/2014/main" id="{E4AA81AE-DEF4-4082-BBAB-47A0E5234C21}"/>
+              </a:ext>
+            </a:extLst>
+          </p:cNvPr>
+          <p:cNvGrpSpPr/>
+          <p:nvPr/>
+        </p:nvGrpSpPr>
+        <p:grpSpPr>
+          <a:xfrm>
+            <a:off x="682622" y="559677"/>
+            <a:ext cx="5413378" cy="3899072"/>
+            <a:chOff x="682622" y="509343"/>
+            <a:chExt cx="4893770" cy="3899072"/>
+          </a:xfrm>
+        </p:grpSpPr>
+        <p:sp>
+          <p:nvSpPr>
+            <p:cNvPr id="11" name="Textplatzhalter 4">
+              <a:extLst>
+                <a:ext uri="{FF2B5EF4-FFF2-40B4-BE49-F238E27FC236}">
+                  <a16:creationId xmlns:a16="http://schemas.microsoft.com/office/drawing/2014/main" id="{9761BB68-75DC-46A6-9EBA-CD804F43AAD5}"/>
+                </a:ext>
+              </a:extLst>
+            </p:cNvPr>
+            <p:cNvSpPr txBox="1">
+              <a:spLocks/>
+            </p:cNvSpPr>
+            <p:nvPr/>
+          </p:nvSpPr>
+          <p:spPr>
+            <a:xfrm>
+              <a:off x="682622" y="515924"/>
+              <a:ext cx="2123495" cy="3837962"/>
+            </a:xfrm>
+            <a:prstGeom prst="rect">
+              <a:avLst/>
+            </a:prstGeom>
+          </p:spPr>
+          <p:txBody>
+            <a:bodyPr vert="horz" lIns="91440" tIns="45720" rIns="91440" bIns="45720" rtlCol="0" anchor="t">
+              <a:normAutofit/>
+            </a:bodyPr>
+            <a:lstStyle>
+              <a:lvl1pPr marL="0" indent="0" algn="l" defTabSz="457200" rtl="0" eaLnBrk="1" latinLnBrk="0" hangingPunct="1">
+                <a:spcBef>
+                  <a:spcPct val="20000"/>
+                </a:spcBef>
+                <a:spcAft>
+                  <a:spcPts val="600"/>
+                </a:spcAft>
+                <a:buClr>
+                  <a:schemeClr val="tx1"/>
+                </a:buClr>
+                <a:buSzPct val="80000"/>
+                <a:buFont typeface="Wingdings 3" panose="05040102010807070707" pitchFamily="18" charset="2"/>
+                <a:buNone/>
+                <a:defRPr sz="2000" kern="1200" cap="none">
+                  <a:solidFill>
+                    <a:schemeClr val="bg2">
+                      <a:lumMod val="75000"/>
+                    </a:schemeClr>
+                  </a:solidFill>
+                  <a:effectLst/>
+                  <a:latin typeface="+mn-lt"/>
+                  <a:ea typeface="+mn-ea"/>
+                  <a:cs typeface="+mn-cs"/>
+                </a:defRPr>
+              </a:lvl1pPr>
+              <a:lvl2pPr marL="457200" indent="0" algn="l" defTabSz="457200" rtl="0" eaLnBrk="1" latinLnBrk="0" hangingPunct="1">
+                <a:spcBef>
+                  <a:spcPct val="20000"/>
+                </a:spcBef>
+                <a:spcAft>
+                  <a:spcPts val="600"/>
+                </a:spcAft>
+                <a:buClr>
+                  <a:schemeClr val="tx1"/>
+                </a:buClr>
+                <a:buSzPct val="80000"/>
+                <a:buFont typeface="Wingdings 3" panose="05040102010807070707" pitchFamily="18" charset="2"/>
+                <a:buNone/>
+                <a:defRPr sz="1800" kern="1200" cap="none">
+                  <a:solidFill>
+                    <a:schemeClr val="tx1">
+                      <a:tint val="75000"/>
+                    </a:schemeClr>
+                  </a:solidFill>
+                  <a:effectLst/>
+                  <a:latin typeface="+mn-lt"/>
+                  <a:ea typeface="+mn-ea"/>
+                  <a:cs typeface="+mn-cs"/>
+                </a:defRPr>
+              </a:lvl2pPr>
+              <a:lvl3pPr marL="914400" indent="0" algn="l" defTabSz="457200" rtl="0" eaLnBrk="1" latinLnBrk="0" hangingPunct="1">
+                <a:spcBef>
+                  <a:spcPct val="20000"/>
+                </a:spcBef>
+                <a:spcAft>
+                  <a:spcPts val="600"/>
+                </a:spcAft>
+                <a:buClr>
+                  <a:schemeClr val="tx1"/>
+                </a:buClr>
+                <a:buSzPct val="80000"/>
+                <a:buFont typeface="Wingdings 3" panose="05040102010807070707" pitchFamily="18" charset="2"/>
+                <a:buNone/>
+                <a:defRPr sz="1600" kern="1200" cap="none">
+                  <a:solidFill>
+                    <a:schemeClr val="tx1">
+                      <a:tint val="75000"/>
+                    </a:schemeClr>
+                  </a:solidFill>
+                  <a:effectLst/>
+                  <a:latin typeface="+mn-lt"/>
+                  <a:ea typeface="+mn-ea"/>
+                  <a:cs typeface="+mn-cs"/>
+                </a:defRPr>
+              </a:lvl3pPr>
+              <a:lvl4pPr marL="1371600" indent="0" algn="l" defTabSz="457200" rtl="0" eaLnBrk="1" latinLnBrk="0" hangingPunct="1">
+                <a:spcBef>
+                  <a:spcPct val="20000"/>
+                </a:spcBef>
+                <a:spcAft>
+                  <a:spcPts val="600"/>
+                </a:spcAft>
+                <a:buClr>
+                  <a:schemeClr val="tx1"/>
+                </a:buClr>
+                <a:buSzPct val="80000"/>
+                <a:buFont typeface="Wingdings 3" panose="05040102010807070707" pitchFamily="18" charset="2"/>
+                <a:buNone/>
+                <a:defRPr sz="1400" kern="1200" cap="none">
+                  <a:solidFill>
+                    <a:schemeClr val="tx1">
+                      <a:tint val="75000"/>
+                    </a:schemeClr>
+                  </a:solidFill>
+                  <a:effectLst/>
+                  <a:latin typeface="+mn-lt"/>
+                  <a:ea typeface="+mn-ea"/>
+                  <a:cs typeface="+mn-cs"/>
+                </a:defRPr>
+              </a:lvl4pPr>
+              <a:lvl5pPr marL="1828800" indent="0" algn="l" defTabSz="457200" rtl="0" eaLnBrk="1" latinLnBrk="0" hangingPunct="1">
+                <a:spcBef>
+                  <a:spcPct val="20000"/>
+                </a:spcBef>
+                <a:spcAft>
+                  <a:spcPts val="600"/>
+                </a:spcAft>
+                <a:buClr>
+                  <a:schemeClr val="tx1"/>
+                </a:buClr>
+                <a:buSzPct val="80000"/>
+                <a:buFont typeface="Wingdings 3" panose="05040102010807070707" pitchFamily="18" charset="2"/>
+                <a:buNone/>
+                <a:defRPr sz="1400" kern="1200" cap="none">
+                  <a:solidFill>
+                    <a:schemeClr val="tx1">
+                      <a:tint val="75000"/>
+                    </a:schemeClr>
+                  </a:solidFill>
+                  <a:effectLst/>
+                  <a:latin typeface="+mn-lt"/>
+                  <a:ea typeface="+mn-ea"/>
+                  <a:cs typeface="+mn-cs"/>
+                </a:defRPr>
+              </a:lvl5pPr>
+              <a:lvl6pPr marL="2286000" indent="0" algn="l" defTabSz="457200" rtl="0" eaLnBrk="1" latinLnBrk="0" hangingPunct="1">
+                <a:spcBef>
+                  <a:spcPct val="20000"/>
+                </a:spcBef>
+                <a:spcAft>
+                  <a:spcPts val="600"/>
+                </a:spcAft>
+                <a:buClr>
+                  <a:schemeClr val="tx1"/>
+                </a:buClr>
+                <a:buSzPct val="80000"/>
+                <a:buFont typeface="Wingdings 3" panose="05040102010807070707" pitchFamily="18" charset="2"/>
+                <a:buNone/>
+                <a:defRPr sz="1400" kern="1200" cap="none">
+                  <a:solidFill>
+                    <a:schemeClr val="tx1">
+                      <a:tint val="75000"/>
+                    </a:schemeClr>
+                  </a:solidFill>
+                  <a:effectLst/>
+                  <a:latin typeface="+mn-lt"/>
+                  <a:ea typeface="+mn-ea"/>
+                  <a:cs typeface="+mn-cs"/>
+                </a:defRPr>
+              </a:lvl6pPr>
+              <a:lvl7pPr marL="2743200" indent="0" algn="l" defTabSz="457200" rtl="0" eaLnBrk="1" latinLnBrk="0" hangingPunct="1">
+                <a:spcBef>
+                  <a:spcPct val="20000"/>
+                </a:spcBef>
+                <a:spcAft>
+                  <a:spcPts val="600"/>
+                </a:spcAft>
+                <a:buClr>
+                  <a:schemeClr val="tx1"/>
+                </a:buClr>
+                <a:buSzPct val="80000"/>
+                <a:buFont typeface="Wingdings 3" panose="05040102010807070707" pitchFamily="18" charset="2"/>
+                <a:buNone/>
+                <a:defRPr sz="1400" kern="1200" cap="none">
+                  <a:solidFill>
+                    <a:schemeClr val="tx1">
+                      <a:tint val="75000"/>
+                    </a:schemeClr>
+                  </a:solidFill>
+                  <a:effectLst/>
+                  <a:latin typeface="+mn-lt"/>
+                  <a:ea typeface="+mn-ea"/>
+                  <a:cs typeface="+mn-cs"/>
+                </a:defRPr>
+              </a:lvl7pPr>
+              <a:lvl8pPr marL="3200400" indent="0" algn="l" defTabSz="457200" rtl="0" eaLnBrk="1" latinLnBrk="0" hangingPunct="1">
+                <a:spcBef>
+                  <a:spcPct val="20000"/>
+                </a:spcBef>
+                <a:spcAft>
+                  <a:spcPts val="600"/>
+                </a:spcAft>
+                <a:buClr>
+                  <a:schemeClr val="tx1"/>
+                </a:buClr>
+                <a:buSzPct val="80000"/>
+                <a:buFont typeface="Wingdings 3" panose="05040102010807070707" pitchFamily="18" charset="2"/>
+                <a:buNone/>
+                <a:defRPr sz="1400" kern="1200" cap="none">
+                  <a:solidFill>
+                    <a:schemeClr val="tx1">
+                      <a:tint val="75000"/>
+                    </a:schemeClr>
+                  </a:solidFill>
+                  <a:effectLst/>
+                  <a:latin typeface="+mn-lt"/>
+                  <a:ea typeface="+mn-ea"/>
+                  <a:cs typeface="+mn-cs"/>
+                </a:defRPr>
+              </a:lvl8pPr>
+              <a:lvl9pPr marL="3657600" indent="0" algn="l" defTabSz="457200" rtl="0" eaLnBrk="1" latinLnBrk="0" hangingPunct="1">
+                <a:spcBef>
+                  <a:spcPct val="20000"/>
+                </a:spcBef>
+                <a:spcAft>
+                  <a:spcPts val="600"/>
+                </a:spcAft>
+                <a:buClr>
+                  <a:schemeClr val="tx1"/>
+                </a:buClr>
+                <a:buSzPct val="80000"/>
+                <a:buFont typeface="Wingdings 3" panose="05040102010807070707" pitchFamily="18" charset="2"/>
+                <a:buNone/>
+                <a:defRPr sz="1400" kern="1200" cap="none">
+                  <a:solidFill>
+                    <a:schemeClr val="tx1">
+                      <a:tint val="75000"/>
+                    </a:schemeClr>
+                  </a:solidFill>
+                  <a:effectLst/>
+                  <a:latin typeface="+mn-lt"/>
+                  <a:ea typeface="+mn-ea"/>
+                  <a:cs typeface="+mn-cs"/>
+                </a:defRPr>
+              </a:lvl9pPr>
+            </a:lstStyle>
+            <a:p>
+              <a:r>
+                <a:rPr lang="de-DE" sz="1800" dirty="0">
+                  <a:solidFill>
+                    <a:schemeClr val="tx1"/>
+                  </a:solidFill>
+                </a:rPr>
+                <a:t>Sport:</a:t>
+              </a:r>
+            </a:p>
+            <a:p>
+              <a:endParaRPr lang="de-DE" sz="1800" dirty="0">
+                <a:solidFill>
+                  <a:schemeClr val="tx1"/>
+                </a:solidFill>
+              </a:endParaRPr>
+            </a:p>
+            <a:p>
+              <a:endParaRPr lang="de-DE" sz="1800" dirty="0">
+                <a:solidFill>
+                  <a:schemeClr val="tx1"/>
+                </a:solidFill>
+              </a:endParaRPr>
+            </a:p>
+            <a:p>
+              <a:r>
+                <a:rPr lang="de-DE" sz="1800" dirty="0">
+                  <a:solidFill>
+                    <a:schemeClr val="tx1"/>
+                  </a:solidFill>
+                </a:rPr>
+                <a:t>Freizeit: </a:t>
+              </a:r>
+            </a:p>
+            <a:p>
+              <a:endParaRPr lang="de-DE" sz="1800" dirty="0">
+                <a:solidFill>
+                  <a:schemeClr val="tx1"/>
+                </a:solidFill>
+              </a:endParaRPr>
+            </a:p>
+            <a:p>
+              <a:r>
+                <a:rPr lang="de-DE" sz="1800" dirty="0">
+                  <a:solidFill>
+                    <a:schemeClr val="tx1"/>
+                  </a:solidFill>
+                </a:rPr>
+                <a:t>Bücher:</a:t>
+              </a:r>
+            </a:p>
+            <a:p>
+              <a:r>
+                <a:rPr lang="de-DE" dirty="0">
+                  <a:solidFill>
+                    <a:schemeClr val="tx1"/>
+                  </a:solidFill>
+                </a:rPr>
+                <a:t> </a:t>
+              </a:r>
+            </a:p>
+            <a:p>
+              <a:endParaRPr lang="de-DE" dirty="0">
+                <a:solidFill>
+                  <a:schemeClr val="tx1"/>
+                </a:solidFill>
+              </a:endParaRPr>
+            </a:p>
+          </p:txBody>
+        </p:sp>
+        <p:sp>
+          <p:nvSpPr>
+            <p:cNvPr id="12" name="Textplatzhalter 4">
+              <a:extLst>
+                <a:ext uri="{FF2B5EF4-FFF2-40B4-BE49-F238E27FC236}">
+                  <a16:creationId xmlns:a16="http://schemas.microsoft.com/office/drawing/2014/main" id="{56B9AEE3-D941-44E3-A8EA-D23079E8CDFD}"/>
+                </a:ext>
+              </a:extLst>
+            </p:cNvPr>
+            <p:cNvSpPr txBox="1">
+              <a:spLocks/>
+            </p:cNvSpPr>
+            <p:nvPr/>
+          </p:nvSpPr>
+          <p:spPr>
+            <a:xfrm>
+              <a:off x="2559469" y="509343"/>
+              <a:ext cx="3016923" cy="3899072"/>
+            </a:xfrm>
+            <a:prstGeom prst="rect">
+              <a:avLst/>
+            </a:prstGeom>
+          </p:spPr>
+          <p:txBody>
+            <a:bodyPr vert="horz" lIns="91440" tIns="45720" rIns="91440" bIns="45720" rtlCol="0" anchor="t">
+              <a:normAutofit/>
+            </a:bodyPr>
+            <a:lstStyle>
+              <a:lvl1pPr marL="0" indent="0" algn="l" defTabSz="457200" rtl="0" eaLnBrk="1" latinLnBrk="0" hangingPunct="1">
+                <a:spcBef>
+                  <a:spcPct val="20000"/>
+                </a:spcBef>
+                <a:spcAft>
+                  <a:spcPts val="600"/>
+                </a:spcAft>
+                <a:buClr>
+                  <a:schemeClr val="tx1"/>
+                </a:buClr>
+                <a:buSzPct val="80000"/>
+                <a:buFont typeface="Wingdings 3" panose="05040102010807070707" pitchFamily="18" charset="2"/>
+                <a:buNone/>
+                <a:defRPr sz="2000" kern="1200" cap="none">
+                  <a:solidFill>
+                    <a:schemeClr val="bg2">
+                      <a:lumMod val="75000"/>
+                    </a:schemeClr>
+                  </a:solidFill>
+                  <a:effectLst/>
+                  <a:latin typeface="+mn-lt"/>
+                  <a:ea typeface="+mn-ea"/>
+                  <a:cs typeface="+mn-cs"/>
+                </a:defRPr>
+              </a:lvl1pPr>
+              <a:lvl2pPr marL="457200" indent="0" algn="l" defTabSz="457200" rtl="0" eaLnBrk="1" latinLnBrk="0" hangingPunct="1">
+                <a:spcBef>
+                  <a:spcPct val="20000"/>
+                </a:spcBef>
+                <a:spcAft>
+                  <a:spcPts val="600"/>
+                </a:spcAft>
+                <a:buClr>
+                  <a:schemeClr val="tx1"/>
+                </a:buClr>
+                <a:buSzPct val="80000"/>
+                <a:buFont typeface="Wingdings 3" panose="05040102010807070707" pitchFamily="18" charset="2"/>
+                <a:buNone/>
+                <a:defRPr sz="1800" kern="1200" cap="none">
+                  <a:solidFill>
+                    <a:schemeClr val="tx1">
+                      <a:tint val="75000"/>
+                    </a:schemeClr>
+                  </a:solidFill>
+                  <a:effectLst/>
+                  <a:latin typeface="+mn-lt"/>
+                  <a:ea typeface="+mn-ea"/>
+                  <a:cs typeface="+mn-cs"/>
+                </a:defRPr>
+              </a:lvl2pPr>
+              <a:lvl3pPr marL="914400" indent="0" algn="l" defTabSz="457200" rtl="0" eaLnBrk="1" latinLnBrk="0" hangingPunct="1">
+                <a:spcBef>
+                  <a:spcPct val="20000"/>
+                </a:spcBef>
+                <a:spcAft>
+                  <a:spcPts val="600"/>
+                </a:spcAft>
+                <a:buClr>
+                  <a:schemeClr val="tx1"/>
+                </a:buClr>
+                <a:buSzPct val="80000"/>
+                <a:buFont typeface="Wingdings 3" panose="05040102010807070707" pitchFamily="18" charset="2"/>
+                <a:buNone/>
+                <a:defRPr sz="1600" kern="1200" cap="none">
+                  <a:solidFill>
+                    <a:schemeClr val="tx1">
+                      <a:tint val="75000"/>
+                    </a:schemeClr>
+                  </a:solidFill>
+                  <a:effectLst/>
+                  <a:latin typeface="+mn-lt"/>
+                  <a:ea typeface="+mn-ea"/>
+                  <a:cs typeface="+mn-cs"/>
+                </a:defRPr>
+              </a:lvl3pPr>
+              <a:lvl4pPr marL="1371600" indent="0" algn="l" defTabSz="457200" rtl="0" eaLnBrk="1" latinLnBrk="0" hangingPunct="1">
+                <a:spcBef>
+                  <a:spcPct val="20000"/>
+                </a:spcBef>
+                <a:spcAft>
+                  <a:spcPts val="600"/>
+                </a:spcAft>
+                <a:buClr>
+                  <a:schemeClr val="tx1"/>
+                </a:buClr>
+                <a:buSzPct val="80000"/>
+                <a:buFont typeface="Wingdings 3" panose="05040102010807070707" pitchFamily="18" charset="2"/>
+                <a:buNone/>
+                <a:defRPr sz="1400" kern="1200" cap="none">
+                  <a:solidFill>
+                    <a:schemeClr val="tx1">
+                      <a:tint val="75000"/>
+                    </a:schemeClr>
+                  </a:solidFill>
+                  <a:effectLst/>
+                  <a:latin typeface="+mn-lt"/>
+                  <a:ea typeface="+mn-ea"/>
+                  <a:cs typeface="+mn-cs"/>
+                </a:defRPr>
+              </a:lvl4pPr>
+              <a:lvl5pPr marL="1828800" indent="0" algn="l" defTabSz="457200" rtl="0" eaLnBrk="1" latinLnBrk="0" hangingPunct="1">
+                <a:spcBef>
+                  <a:spcPct val="20000"/>
+                </a:spcBef>
+                <a:spcAft>
+                  <a:spcPts val="600"/>
+                </a:spcAft>
+                <a:buClr>
+                  <a:schemeClr val="tx1"/>
+                </a:buClr>
+                <a:buSzPct val="80000"/>
+                <a:buFont typeface="Wingdings 3" panose="05040102010807070707" pitchFamily="18" charset="2"/>
+                <a:buNone/>
+                <a:defRPr sz="1400" kern="1200" cap="none">
+                  <a:solidFill>
+                    <a:schemeClr val="tx1">
+                      <a:tint val="75000"/>
+                    </a:schemeClr>
+                  </a:solidFill>
+                  <a:effectLst/>
+                  <a:latin typeface="+mn-lt"/>
+                  <a:ea typeface="+mn-ea"/>
+                  <a:cs typeface="+mn-cs"/>
+                </a:defRPr>
+              </a:lvl5pPr>
+              <a:lvl6pPr marL="2286000" indent="0" algn="l" defTabSz="457200" rtl="0" eaLnBrk="1" latinLnBrk="0" hangingPunct="1">
+                <a:spcBef>
+                  <a:spcPct val="20000"/>
+                </a:spcBef>
+                <a:spcAft>
+                  <a:spcPts val="600"/>
+                </a:spcAft>
+                <a:buClr>
+                  <a:schemeClr val="tx1"/>
+                </a:buClr>
+                <a:buSzPct val="80000"/>
+                <a:buFont typeface="Wingdings 3" panose="05040102010807070707" pitchFamily="18" charset="2"/>
+                <a:buNone/>
+                <a:defRPr sz="1400" kern="1200" cap="none">
+                  <a:solidFill>
+                    <a:schemeClr val="tx1">
+                      <a:tint val="75000"/>
+                    </a:schemeClr>
+                  </a:solidFill>
+                  <a:effectLst/>
+                  <a:latin typeface="+mn-lt"/>
+                  <a:ea typeface="+mn-ea"/>
+                  <a:cs typeface="+mn-cs"/>
+                </a:defRPr>
+              </a:lvl6pPr>
+              <a:lvl7pPr marL="2743200" indent="0" algn="l" defTabSz="457200" rtl="0" eaLnBrk="1" latinLnBrk="0" hangingPunct="1">
+                <a:spcBef>
+                  <a:spcPct val="20000"/>
+                </a:spcBef>
+                <a:spcAft>
+                  <a:spcPts val="600"/>
+                </a:spcAft>
+                <a:buClr>
+                  <a:schemeClr val="tx1"/>
+                </a:buClr>
+                <a:buSzPct val="80000"/>
+                <a:buFont typeface="Wingdings 3" panose="05040102010807070707" pitchFamily="18" charset="2"/>
+                <a:buNone/>
+                <a:defRPr sz="1400" kern="1200" cap="none">
+                  <a:solidFill>
+                    <a:schemeClr val="tx1">
+                      <a:tint val="75000"/>
+                    </a:schemeClr>
+                  </a:solidFill>
+                  <a:effectLst/>
+                  <a:latin typeface="+mn-lt"/>
+                  <a:ea typeface="+mn-ea"/>
+                  <a:cs typeface="+mn-cs"/>
+                </a:defRPr>
+              </a:lvl7pPr>
+              <a:lvl8pPr marL="3200400" indent="0" algn="l" defTabSz="457200" rtl="0" eaLnBrk="1" latinLnBrk="0" hangingPunct="1">
+                <a:spcBef>
+                  <a:spcPct val="20000"/>
+                </a:spcBef>
+                <a:spcAft>
+                  <a:spcPts val="600"/>
+                </a:spcAft>
+                <a:buClr>
+                  <a:schemeClr val="tx1"/>
+                </a:buClr>
+                <a:buSzPct val="80000"/>
+                <a:buFont typeface="Wingdings 3" panose="05040102010807070707" pitchFamily="18" charset="2"/>
+                <a:buNone/>
+                <a:defRPr sz="1400" kern="1200" cap="none">
+                  <a:solidFill>
+                    <a:schemeClr val="tx1">
+                      <a:tint val="75000"/>
+                    </a:schemeClr>
+                  </a:solidFill>
+                  <a:effectLst/>
+                  <a:latin typeface="+mn-lt"/>
+                  <a:ea typeface="+mn-ea"/>
+                  <a:cs typeface="+mn-cs"/>
+                </a:defRPr>
+              </a:lvl8pPr>
+              <a:lvl9pPr marL="3657600" indent="0" algn="l" defTabSz="457200" rtl="0" eaLnBrk="1" latinLnBrk="0" hangingPunct="1">
+                <a:spcBef>
+                  <a:spcPct val="20000"/>
+                </a:spcBef>
+                <a:spcAft>
+                  <a:spcPts val="600"/>
+                </a:spcAft>
+                <a:buClr>
+                  <a:schemeClr val="tx1"/>
+                </a:buClr>
+                <a:buSzPct val="80000"/>
+                <a:buFont typeface="Wingdings 3" panose="05040102010807070707" pitchFamily="18" charset="2"/>
+                <a:buNone/>
+                <a:defRPr sz="1400" kern="1200" cap="none">
+                  <a:solidFill>
+                    <a:schemeClr val="tx1">
+                      <a:tint val="75000"/>
+                    </a:schemeClr>
+                  </a:solidFill>
+                  <a:effectLst/>
+                  <a:latin typeface="+mn-lt"/>
+                  <a:ea typeface="+mn-ea"/>
+                  <a:cs typeface="+mn-cs"/>
+                </a:defRPr>
+              </a:lvl9pPr>
+            </a:lstStyle>
+            <a:p>
+              <a:pPr marL="742950" lvl="1" indent="-285750">
+                <a:buFontTx/>
+                <a:buChar char="-"/>
+              </a:pPr>
+              <a:r>
+                <a:rPr lang="de-DE" dirty="0">
+                  <a:solidFill>
+                    <a:schemeClr val="tx1"/>
+                  </a:solidFill>
+                </a:rPr>
+                <a:t>Bouldern</a:t>
+              </a:r>
+            </a:p>
+            <a:p>
+              <a:pPr marL="742950" lvl="1" indent="-285750">
+                <a:buFontTx/>
+                <a:buChar char="-"/>
+              </a:pPr>
+              <a:r>
+                <a:rPr lang="de-DE" dirty="0">
+                  <a:solidFill>
+                    <a:schemeClr val="tx1"/>
+                  </a:solidFill>
+                </a:rPr>
+                <a:t>Tanzen</a:t>
+              </a:r>
+            </a:p>
+            <a:p>
+              <a:pPr marL="742950" lvl="1" indent="-285750">
+                <a:buFontTx/>
+                <a:buChar char="-"/>
+              </a:pPr>
+              <a:endParaRPr lang="de-DE" dirty="0">
+                <a:solidFill>
+                  <a:schemeClr val="tx1"/>
+                </a:solidFill>
+              </a:endParaRPr>
+            </a:p>
+            <a:p>
+              <a:pPr marL="742950" lvl="1" indent="-285750">
+                <a:buFontTx/>
+                <a:buChar char="-"/>
+              </a:pPr>
+              <a:r>
+                <a:rPr lang="de-DE" dirty="0">
+                  <a:solidFill>
+                    <a:schemeClr val="tx1"/>
+                  </a:solidFill>
+                </a:rPr>
+                <a:t>Festivalbesucher</a:t>
+              </a:r>
+            </a:p>
+            <a:p>
+              <a:pPr marL="742950" lvl="1" indent="-285750">
+                <a:buFontTx/>
+                <a:buChar char="-"/>
+              </a:pPr>
+              <a:endParaRPr lang="de-DE" dirty="0">
+                <a:solidFill>
+                  <a:schemeClr val="tx1"/>
+                </a:solidFill>
+              </a:endParaRPr>
+            </a:p>
+            <a:p>
+              <a:pPr marL="742950" lvl="1" indent="-285750">
+                <a:buFontTx/>
+                <a:buChar char="-"/>
+              </a:pPr>
+              <a:r>
+                <a:rPr lang="de-DE" dirty="0">
+                  <a:solidFill>
+                    <a:schemeClr val="tx1"/>
+                  </a:solidFill>
+                </a:rPr>
+                <a:t>Alles und Viel</a:t>
+              </a:r>
+            </a:p>
+          </p:txBody>
+        </p:sp>
+      </p:grpSp>
       <p:pic>
         <p:nvPicPr>
-          <p:cNvPr id="9" name="Grafik 8" descr="Verwirrtes Gesicht ohne Füllung">
+          <p:cNvPr id="13" name="Grafik 12" descr="Bücherregal">
             <a:extLst>
               <a:ext uri="{FF2B5EF4-FFF2-40B4-BE49-F238E27FC236}">
-                <a16:creationId xmlns:a16="http://schemas.microsoft.com/office/drawing/2014/main" id="{C1245636-399B-499A-B705-8DE030D37A4C}"/>
+                <a16:creationId xmlns:a16="http://schemas.microsoft.com/office/drawing/2014/main" id="{1FA4C1E7-C0C8-475F-872C-012E8F37371B}"/>
               </a:ext>
             </a:extLst>
           </p:cNvPr>
@@ -10797,8 +11614,116 @@
         </p:blipFill>
         <p:spPr>
           <a:xfrm>
-            <a:off x="3486022" y="5542762"/>
-            <a:ext cx="457200" cy="457200"/>
+            <a:off x="8027424" y="2674938"/>
+            <a:ext cx="914400" cy="914400"/>
+          </a:xfrm>
+          <a:prstGeom prst="rect">
+            <a:avLst/>
+          </a:prstGeom>
+        </p:spPr>
+      </p:pic>
+      <p:pic>
+        <p:nvPicPr>
+          <p:cNvPr id="15" name="Grafik 14" descr="Tanzen">
+            <a:extLst>
+              <a:ext uri="{FF2B5EF4-FFF2-40B4-BE49-F238E27FC236}">
+                <a16:creationId xmlns:a16="http://schemas.microsoft.com/office/drawing/2014/main" id="{ADC66559-44C1-422E-87B0-04ADA394305C}"/>
+              </a:ext>
+            </a:extLst>
+          </p:cNvPr>
+          <p:cNvPicPr>
+            <a:picLocks noChangeAspect="1"/>
+          </p:cNvPicPr>
+          <p:nvPr/>
+        </p:nvPicPr>
+        <p:blipFill>
+          <a:blip r:embed="rId6">
+            <a:extLst>
+              <a:ext uri="{96DAC541-7B7A-43D3-8B79-37D633B846F1}">
+                <asvg:svgBlip xmlns:asvg="http://schemas.microsoft.com/office/drawing/2016/SVG/main" r:embed="rId7"/>
+              </a:ext>
+            </a:extLst>
+          </a:blip>
+          <a:stretch>
+            <a:fillRect/>
+          </a:stretch>
+        </p:blipFill>
+        <p:spPr>
+          <a:xfrm>
+            <a:off x="8518852" y="995255"/>
+            <a:ext cx="914400" cy="914400"/>
+          </a:xfrm>
+          <a:prstGeom prst="rect">
+            <a:avLst/>
+          </a:prstGeom>
+        </p:spPr>
+      </p:pic>
+      <p:pic>
+        <p:nvPicPr>
+          <p:cNvPr id="17" name="Grafik 16" descr="Zelt">
+            <a:extLst>
+              <a:ext uri="{FF2B5EF4-FFF2-40B4-BE49-F238E27FC236}">
+                <a16:creationId xmlns:a16="http://schemas.microsoft.com/office/drawing/2014/main" id="{77A780DA-E97A-4D50-9BB7-4307B71B0C3E}"/>
+              </a:ext>
+            </a:extLst>
+          </p:cNvPr>
+          <p:cNvPicPr>
+            <a:picLocks noChangeAspect="1"/>
+          </p:cNvPicPr>
+          <p:nvPr/>
+        </p:nvPicPr>
+        <p:blipFill>
+          <a:blip r:embed="rId8">
+            <a:extLst>
+              <a:ext uri="{96DAC541-7B7A-43D3-8B79-37D633B846F1}">
+                <asvg:svgBlip xmlns:asvg="http://schemas.microsoft.com/office/drawing/2016/SVG/main" r:embed="rId9"/>
+              </a:ext>
+            </a:extLst>
+          </a:blip>
+          <a:stretch>
+            <a:fillRect/>
+          </a:stretch>
+        </p:blipFill>
+        <p:spPr>
+          <a:xfrm>
+            <a:off x="6456823" y="1801249"/>
+            <a:ext cx="914400" cy="914400"/>
+          </a:xfrm>
+          <a:prstGeom prst="rect">
+            <a:avLst/>
+          </a:prstGeom>
+        </p:spPr>
+      </p:pic>
+      <p:pic>
+        <p:nvPicPr>
+          <p:cNvPr id="19" name="Grafik 18" descr="Berge">
+            <a:extLst>
+              <a:ext uri="{FF2B5EF4-FFF2-40B4-BE49-F238E27FC236}">
+                <a16:creationId xmlns:a16="http://schemas.microsoft.com/office/drawing/2014/main" id="{510983C4-6E9D-4D8F-BB35-9C0128359174}"/>
+              </a:ext>
+            </a:extLst>
+          </p:cNvPr>
+          <p:cNvPicPr>
+            <a:picLocks noChangeAspect="1"/>
+          </p:cNvPicPr>
+          <p:nvPr/>
+        </p:nvPicPr>
+        <p:blipFill>
+          <a:blip r:embed="rId10">
+            <a:extLst>
+              <a:ext uri="{96DAC541-7B7A-43D3-8B79-37D633B846F1}">
+                <asvg:svgBlip xmlns:asvg="http://schemas.microsoft.com/office/drawing/2016/SVG/main" r:embed="rId11"/>
+              </a:ext>
+            </a:extLst>
+          </a:blip>
+          <a:stretch>
+            <a:fillRect/>
+          </a:stretch>
+        </p:blipFill>
+        <p:spPr>
+          <a:xfrm>
+            <a:off x="7256136" y="213669"/>
+            <a:ext cx="914400" cy="914400"/>
           </a:xfrm>
           <a:prstGeom prst="rect">
             <a:avLst/>

--- a/Präsentation/KA-Share.pptx
+++ b/Präsentation/KA-Share.pptx
@@ -5,18 +5,19 @@
     <p:sldMasterId id="2147483648" r:id="rId1"/>
   </p:sldMasterIdLst>
   <p:notesMasterIdLst>
-    <p:notesMasterId r:id="rId11"/>
+    <p:notesMasterId r:id="rId12"/>
   </p:notesMasterIdLst>
   <p:sldIdLst>
     <p:sldId id="256" r:id="rId2"/>
     <p:sldId id="257" r:id="rId3"/>
-    <p:sldId id="258" r:id="rId4"/>
-    <p:sldId id="259" r:id="rId5"/>
-    <p:sldId id="260" r:id="rId6"/>
-    <p:sldId id="261" r:id="rId7"/>
-    <p:sldId id="262" r:id="rId8"/>
-    <p:sldId id="263" r:id="rId9"/>
-    <p:sldId id="264" r:id="rId10"/>
+    <p:sldId id="265" r:id="rId4"/>
+    <p:sldId id="258" r:id="rId5"/>
+    <p:sldId id="259" r:id="rId6"/>
+    <p:sldId id="260" r:id="rId7"/>
+    <p:sldId id="261" r:id="rId8"/>
+    <p:sldId id="262" r:id="rId9"/>
+    <p:sldId id="263" r:id="rId10"/>
+    <p:sldId id="264" r:id="rId11"/>
   </p:sldIdLst>
   <p:sldSz cx="12192000" cy="6858000"/>
   <p:notesSz cx="6858000" cy="9144000"/>
@@ -6529,6 +6530,434 @@
 </p:sld>
 </file>
 
+<file path=ppt/slides/slide10.xml><?xml version="1.0" encoding="utf-8"?>
+<p:sld xmlns:a="http://schemas.openxmlformats.org/drawingml/2006/main" xmlns:r="http://schemas.openxmlformats.org/officeDocument/2006/relationships" xmlns:p="http://schemas.openxmlformats.org/presentationml/2006/main">
+  <p:cSld>
+    <p:spTree>
+      <p:nvGrpSpPr>
+        <p:cNvPr id="1" name=""/>
+        <p:cNvGrpSpPr/>
+        <p:nvPr/>
+      </p:nvGrpSpPr>
+      <p:grpSpPr>
+        <a:xfrm>
+          <a:off x="0" y="0"/>
+          <a:ext cx="0" cy="0"/>
+          <a:chOff x="0" y="0"/>
+          <a:chExt cx="0" cy="0"/>
+        </a:xfrm>
+      </p:grpSpPr>
+      <p:sp>
+        <p:nvSpPr>
+          <p:cNvPr id="5" name="Titel 4">
+            <a:extLst>
+              <a:ext uri="{FF2B5EF4-FFF2-40B4-BE49-F238E27FC236}">
+                <a16:creationId xmlns:a16="http://schemas.microsoft.com/office/drawing/2014/main" id="{48E01C12-0A6D-4B2C-A2EF-4BFE6FCDAE00}"/>
+              </a:ext>
+            </a:extLst>
+          </p:cNvPr>
+          <p:cNvSpPr>
+            <a:spLocks noGrp="1"/>
+          </p:cNvSpPr>
+          <p:nvPr>
+            <p:ph type="title"/>
+          </p:nvPr>
+        </p:nvSpPr>
+        <p:spPr/>
+        <p:txBody>
+          <a:bodyPr/>
+          <a:lstStyle/>
+          <a:p>
+            <a:r>
+              <a:rPr lang="de-DE" dirty="0"/>
+              <a:t>Methoden &amp; TOOLS</a:t>
+            </a:r>
+          </a:p>
+        </p:txBody>
+      </p:sp>
+      <p:sp>
+        <p:nvSpPr>
+          <p:cNvPr id="6" name="Inhaltsplatzhalter 5">
+            <a:extLst>
+              <a:ext uri="{FF2B5EF4-FFF2-40B4-BE49-F238E27FC236}">
+                <a16:creationId xmlns:a16="http://schemas.microsoft.com/office/drawing/2014/main" id="{03776AB9-B118-489B-84EB-FBBB21CD07E0}"/>
+              </a:ext>
+            </a:extLst>
+          </p:cNvPr>
+          <p:cNvSpPr>
+            <a:spLocks noGrp="1"/>
+          </p:cNvSpPr>
+          <p:nvPr>
+            <p:ph idx="1"/>
+          </p:nvPr>
+        </p:nvSpPr>
+        <p:spPr/>
+        <p:txBody>
+          <a:bodyPr/>
+          <a:lstStyle/>
+          <a:p>
+            <a:r>
+              <a:rPr lang="de-DE" dirty="0">
+                <a:solidFill>
+                  <a:schemeClr val="tx2">
+                    <a:lumMod val="20000"/>
+                    <a:lumOff val="80000"/>
+                  </a:schemeClr>
+                </a:solidFill>
+              </a:rPr>
+              <a:t>Datenbanksystem: Derby</a:t>
+            </a:r>
+          </a:p>
+          <a:p>
+            <a:r>
+              <a:rPr lang="de-DE" dirty="0">
+                <a:solidFill>
+                  <a:schemeClr val="tx2">
+                    <a:lumMod val="20000"/>
+                    <a:lumOff val="80000"/>
+                  </a:schemeClr>
+                </a:solidFill>
+              </a:rPr>
+              <a:t>Entwicklung: </a:t>
+            </a:r>
+            <a:r>
+              <a:rPr lang="de-DE" dirty="0" err="1">
+                <a:solidFill>
+                  <a:schemeClr val="tx2">
+                    <a:lumMod val="20000"/>
+                    <a:lumOff val="80000"/>
+                  </a:schemeClr>
+                </a:solidFill>
+              </a:rPr>
+              <a:t>TomEE</a:t>
+            </a:r>
+            <a:r>
+              <a:rPr lang="de-DE" dirty="0">
+                <a:solidFill>
+                  <a:schemeClr val="tx2">
+                    <a:lumMod val="20000"/>
+                    <a:lumOff val="80000"/>
+                  </a:schemeClr>
+                </a:solidFill>
+              </a:rPr>
+              <a:t>, Maven</a:t>
+            </a:r>
+          </a:p>
+          <a:p>
+            <a:r>
+              <a:rPr lang="de-DE" dirty="0">
+                <a:solidFill>
+                  <a:schemeClr val="tx2">
+                    <a:lumMod val="20000"/>
+                    <a:lumOff val="80000"/>
+                  </a:schemeClr>
+                </a:solidFill>
+              </a:rPr>
+              <a:t>IDEs: </a:t>
+            </a:r>
+            <a:r>
+              <a:rPr lang="de-DE" dirty="0" err="1">
+                <a:solidFill>
+                  <a:schemeClr val="tx2">
+                    <a:lumMod val="20000"/>
+                    <a:lumOff val="80000"/>
+                  </a:schemeClr>
+                </a:solidFill>
+              </a:rPr>
+              <a:t>IntelliJ</a:t>
+            </a:r>
+            <a:r>
+              <a:rPr lang="de-DE" dirty="0">
+                <a:solidFill>
+                  <a:schemeClr val="tx2">
+                    <a:lumMod val="20000"/>
+                    <a:lumOff val="80000"/>
+                  </a:schemeClr>
+                </a:solidFill>
+              </a:rPr>
+              <a:t>, </a:t>
+            </a:r>
+            <a:r>
+              <a:rPr lang="de-DE" dirty="0" err="1">
+                <a:solidFill>
+                  <a:schemeClr val="tx2">
+                    <a:lumMod val="20000"/>
+                    <a:lumOff val="80000"/>
+                  </a:schemeClr>
+                </a:solidFill>
+              </a:rPr>
+              <a:t>Eclipse</a:t>
+            </a:r>
+            <a:r>
+              <a:rPr lang="de-DE" dirty="0">
+                <a:solidFill>
+                  <a:schemeClr val="tx2">
+                    <a:lumMod val="20000"/>
+                    <a:lumOff val="80000"/>
+                  </a:schemeClr>
+                </a:solidFill>
+              </a:rPr>
+              <a:t>, </a:t>
+            </a:r>
+            <a:r>
+              <a:rPr lang="de-DE" dirty="0" err="1">
+                <a:solidFill>
+                  <a:schemeClr val="tx2">
+                    <a:lumMod val="20000"/>
+                    <a:lumOff val="80000"/>
+                  </a:schemeClr>
+                </a:solidFill>
+              </a:rPr>
+              <a:t>Netbeans</a:t>
+            </a:r>
+            <a:endParaRPr lang="de-DE" dirty="0">
+              <a:solidFill>
+                <a:schemeClr val="tx2">
+                  <a:lumMod val="20000"/>
+                  <a:lumOff val="80000"/>
+                </a:schemeClr>
+              </a:solidFill>
+            </a:endParaRPr>
+          </a:p>
+          <a:p>
+            <a:r>
+              <a:rPr lang="de-DE" dirty="0">
+                <a:solidFill>
+                  <a:schemeClr val="tx2">
+                    <a:lumMod val="20000"/>
+                    <a:lumOff val="80000"/>
+                  </a:schemeClr>
+                </a:solidFill>
+              </a:rPr>
+              <a:t>Versionsverwaltung: </a:t>
+            </a:r>
+            <a:r>
+              <a:rPr lang="de-DE" dirty="0" err="1">
+                <a:solidFill>
+                  <a:schemeClr val="tx2">
+                    <a:lumMod val="20000"/>
+                    <a:lumOff val="80000"/>
+                  </a:schemeClr>
+                </a:solidFill>
+              </a:rPr>
+              <a:t>git</a:t>
+            </a:r>
+            <a:endParaRPr lang="de-DE" dirty="0">
+              <a:solidFill>
+                <a:schemeClr val="tx2">
+                  <a:lumMod val="20000"/>
+                  <a:lumOff val="80000"/>
+                </a:schemeClr>
+              </a:solidFill>
+            </a:endParaRPr>
+          </a:p>
+          <a:p>
+            <a:r>
+              <a:rPr lang="de-DE" dirty="0">
+                <a:solidFill>
+                  <a:schemeClr val="tx2">
+                    <a:lumMod val="20000"/>
+                    <a:lumOff val="80000"/>
+                  </a:schemeClr>
+                </a:solidFill>
+              </a:rPr>
+              <a:t>Kommunikationsmittel: Skype, </a:t>
+            </a:r>
+            <a:r>
+              <a:rPr lang="de-DE" dirty="0" err="1">
+                <a:solidFill>
+                  <a:schemeClr val="tx2">
+                    <a:lumMod val="20000"/>
+                    <a:lumOff val="80000"/>
+                  </a:schemeClr>
+                </a:solidFill>
+              </a:rPr>
+              <a:t>Whatsapp</a:t>
+            </a:r>
+            <a:endParaRPr lang="de-DE" dirty="0">
+              <a:solidFill>
+                <a:schemeClr val="tx2">
+                  <a:lumMod val="20000"/>
+                  <a:lumOff val="80000"/>
+                </a:schemeClr>
+              </a:solidFill>
+            </a:endParaRPr>
+          </a:p>
+        </p:txBody>
+      </p:sp>
+      <p:sp>
+        <p:nvSpPr>
+          <p:cNvPr id="2" name="Fußzeilenplatzhalter 1">
+            <a:extLst>
+              <a:ext uri="{FF2B5EF4-FFF2-40B4-BE49-F238E27FC236}">
+                <a16:creationId xmlns:a16="http://schemas.microsoft.com/office/drawing/2014/main" id="{A5B03189-084D-4443-852C-94B1AC8BFB6A}"/>
+              </a:ext>
+            </a:extLst>
+          </p:cNvPr>
+          <p:cNvSpPr>
+            <a:spLocks noGrp="1"/>
+          </p:cNvSpPr>
+          <p:nvPr>
+            <p:ph type="ftr" sz="quarter" idx="11"/>
+          </p:nvPr>
+        </p:nvSpPr>
+        <p:spPr/>
+        <p:txBody>
+          <a:bodyPr/>
+          <a:lstStyle/>
+          <a:p>
+            <a:r>
+              <a:rPr lang="en-US"/>
+              <a:t>KA-Share</a:t>
+            </a:r>
+            <a:endParaRPr lang="en-US" dirty="0"/>
+          </a:p>
+        </p:txBody>
+      </p:sp>
+      <p:sp>
+        <p:nvSpPr>
+          <p:cNvPr id="3" name="Datumsplatzhalter 2">
+            <a:extLst>
+              <a:ext uri="{FF2B5EF4-FFF2-40B4-BE49-F238E27FC236}">
+                <a16:creationId xmlns:a16="http://schemas.microsoft.com/office/drawing/2014/main" id="{30F97EDC-C194-4257-80CF-D6B7B3929583}"/>
+              </a:ext>
+            </a:extLst>
+          </p:cNvPr>
+          <p:cNvSpPr>
+            <a:spLocks noGrp="1"/>
+          </p:cNvSpPr>
+          <p:nvPr>
+            <p:ph type="dt" sz="half" idx="10"/>
+          </p:nvPr>
+        </p:nvSpPr>
+        <p:spPr/>
+        <p:txBody>
+          <a:bodyPr/>
+          <a:lstStyle/>
+          <a:p>
+            <a:r>
+              <a:rPr lang="de-DE"/>
+              <a:t>11.02.2019</a:t>
+            </a:r>
+            <a:endParaRPr lang="en-US" dirty="0"/>
+          </a:p>
+        </p:txBody>
+      </p:sp>
+      <p:sp>
+        <p:nvSpPr>
+          <p:cNvPr id="4" name="Foliennummernplatzhalter 3">
+            <a:extLst>
+              <a:ext uri="{FF2B5EF4-FFF2-40B4-BE49-F238E27FC236}">
+                <a16:creationId xmlns:a16="http://schemas.microsoft.com/office/drawing/2014/main" id="{A8ABF8D6-B5D9-466A-B221-EC1107067940}"/>
+              </a:ext>
+            </a:extLst>
+          </p:cNvPr>
+          <p:cNvSpPr>
+            <a:spLocks noGrp="1"/>
+          </p:cNvSpPr>
+          <p:nvPr>
+            <p:ph type="sldNum" sz="quarter" idx="12"/>
+          </p:nvPr>
+        </p:nvSpPr>
+        <p:spPr/>
+        <p:txBody>
+          <a:bodyPr/>
+          <a:lstStyle/>
+          <a:p>
+            <a:fld id="{D57F1E4F-1CFF-5643-939E-217C01CDF565}" type="slidenum">
+              <a:rPr lang="en-US" smtClean="0"/>
+              <a:pPr/>
+              <a:t>10</a:t>
+            </a:fld>
+            <a:endParaRPr lang="en-US" dirty="0"/>
+          </a:p>
+        </p:txBody>
+      </p:sp>
+      <p:pic>
+        <p:nvPicPr>
+          <p:cNvPr id="7" name="Grafik 6" descr="Auto">
+            <a:extLst>
+              <a:ext uri="{FF2B5EF4-FFF2-40B4-BE49-F238E27FC236}">
+                <a16:creationId xmlns:a16="http://schemas.microsoft.com/office/drawing/2014/main" id="{72AE1237-DDF2-4CF4-9556-81C9B8D73FD1}"/>
+              </a:ext>
+            </a:extLst>
+          </p:cNvPr>
+          <p:cNvPicPr>
+            <a:picLocks noChangeAspect="1"/>
+          </p:cNvPicPr>
+          <p:nvPr/>
+        </p:nvPicPr>
+        <p:blipFill>
+          <a:blip r:embed="rId2">
+            <a:extLst>
+              <a:ext uri="{96DAC541-7B7A-43D3-8B79-37D633B846F1}">
+                <asvg:svgBlip xmlns:asvg="http://schemas.microsoft.com/office/drawing/2016/SVG/main" r:embed="rId3"/>
+              </a:ext>
+            </a:extLst>
+          </a:blip>
+          <a:stretch>
+            <a:fillRect/>
+          </a:stretch>
+        </p:blipFill>
+        <p:spPr>
+          <a:xfrm rot="18952507">
+            <a:off x="10890173" y="2415118"/>
+            <a:ext cx="1228875" cy="1228875"/>
+          </a:xfrm>
+          <a:prstGeom prst="rect">
+            <a:avLst/>
+          </a:prstGeom>
+        </p:spPr>
+      </p:pic>
+      <p:pic>
+        <p:nvPicPr>
+          <p:cNvPr id="9" name="Grafik 8" descr="Puzzle">
+            <a:extLst>
+              <a:ext uri="{FF2B5EF4-FFF2-40B4-BE49-F238E27FC236}">
+                <a16:creationId xmlns:a16="http://schemas.microsoft.com/office/drawing/2014/main" id="{AAB37315-7598-4A9B-8E10-735482D3A0F7}"/>
+              </a:ext>
+            </a:extLst>
+          </p:cNvPr>
+          <p:cNvPicPr>
+            <a:picLocks noChangeAspect="1"/>
+          </p:cNvPicPr>
+          <p:nvPr/>
+        </p:nvPicPr>
+        <p:blipFill>
+          <a:blip r:embed="rId4">
+            <a:extLst>
+              <a:ext uri="{96DAC541-7B7A-43D3-8B79-37D633B846F1}">
+                <asvg:svgBlip xmlns:asvg="http://schemas.microsoft.com/office/drawing/2016/SVG/main" r:embed="rId5"/>
+              </a:ext>
+            </a:extLst>
+          </a:blip>
+          <a:stretch>
+            <a:fillRect/>
+          </a:stretch>
+        </p:blipFill>
+        <p:spPr>
+          <a:xfrm>
+            <a:off x="5438889" y="4894792"/>
+            <a:ext cx="799041" cy="799041"/>
+          </a:xfrm>
+          <a:prstGeom prst="rect">
+            <a:avLst/>
+          </a:prstGeom>
+        </p:spPr>
+      </p:pic>
+    </p:spTree>
+    <p:extLst>
+      <p:ext uri="{BB962C8B-B14F-4D97-AF65-F5344CB8AC3E}">
+        <p14:creationId xmlns:p14="http://schemas.microsoft.com/office/powerpoint/2010/main" val="2889765455"/>
+      </p:ext>
+    </p:extLst>
+  </p:cSld>
+  <p:clrMapOvr>
+    <a:masterClrMapping/>
+  </p:clrMapOvr>
+</p:sld>
+</file>
+
 <file path=ppt/slides/slide2.xml><?xml version="1.0" encoding="utf-8"?>
 <p:sld xmlns:a="http://schemas.openxmlformats.org/drawingml/2006/main" xmlns:r="http://schemas.openxmlformats.org/officeDocument/2006/relationships" xmlns:p="http://schemas.openxmlformats.org/presentationml/2006/main">
   <p:cSld>
@@ -6548,10 +6977,10 @@
       </p:grpSpPr>
       <p:sp>
         <p:nvSpPr>
-          <p:cNvPr id="4" name="Titel 3">
+          <p:cNvPr id="19" name="Titel 18">
             <a:extLst>
               <a:ext uri="{FF2B5EF4-FFF2-40B4-BE49-F238E27FC236}">
-                <a16:creationId xmlns:a16="http://schemas.microsoft.com/office/drawing/2014/main" id="{84C68109-468E-4320-A347-CD61565ABD8B}"/>
+                <a16:creationId xmlns:a16="http://schemas.microsoft.com/office/drawing/2014/main" id="{BEE5E614-1F9C-43EF-BC7E-11D9F2BB35A0}"/>
               </a:ext>
             </a:extLst>
           </p:cNvPr>
@@ -6562,29 +6991,24 @@
             <p:ph type="title"/>
           </p:nvPr>
         </p:nvSpPr>
-        <p:spPr>
-          <a:xfrm>
-            <a:off x="684212" y="4487333"/>
-            <a:ext cx="8534400" cy="1058268"/>
-          </a:xfrm>
-        </p:spPr>
+        <p:spPr/>
         <p:txBody>
           <a:bodyPr/>
           <a:lstStyle/>
           <a:p>
             <a:r>
               <a:rPr lang="de-DE" dirty="0"/>
-              <a:t>Benjamin Kanzler</a:t>
-            </a:r>
-          </a:p>
-        </p:txBody>
-      </p:sp>
-      <p:sp>
-        <p:nvSpPr>
-          <p:cNvPr id="5" name="Textplatzhalter 4">
+              <a:t>Agenda</a:t>
+            </a:r>
+          </a:p>
+        </p:txBody>
+      </p:sp>
+      <p:sp>
+        <p:nvSpPr>
+          <p:cNvPr id="20" name="Inhaltsplatzhalter 19">
             <a:extLst>
               <a:ext uri="{FF2B5EF4-FFF2-40B4-BE49-F238E27FC236}">
-                <a16:creationId xmlns:a16="http://schemas.microsoft.com/office/drawing/2014/main" id="{E127A5F6-278C-46F5-B682-739817FF04BE}"/>
+                <a16:creationId xmlns:a16="http://schemas.microsoft.com/office/drawing/2014/main" id="{4D04D41A-0730-4AE9-8531-3CDF5D11F71D}"/>
               </a:ext>
             </a:extLst>
           </p:cNvPr>
@@ -6597,72 +7021,50 @@
         </p:nvSpPr>
         <p:spPr/>
         <p:txBody>
-          <a:bodyPr>
-            <a:normAutofit fontScale="85000" lnSpcReduction="10000"/>
-          </a:bodyPr>
+          <a:bodyPr/>
           <a:lstStyle/>
           <a:p>
-            <a:pPr marL="0" indent="0">
-              <a:buNone/>
-            </a:pPr>
             <a:r>
               <a:rPr lang="de-DE" sz="1800" dirty="0">
                 <a:solidFill>
                   <a:schemeClr val="tx1"/>
                 </a:solidFill>
               </a:rPr>
-              <a:t>Sport:</a:t>
-            </a:r>
-          </a:p>
-          <a:p>
-            <a:r>
-              <a:rPr lang="de-DE" sz="1800" dirty="0">
-                <a:solidFill>
-                  <a:schemeClr val="tx1"/>
-                </a:solidFill>
-              </a:rPr>
-              <a:t>Fußball</a:t>
-            </a:r>
-          </a:p>
-          <a:p>
-            <a:r>
-              <a:rPr lang="de-DE" sz="1800" dirty="0">
-                <a:solidFill>
-                  <a:schemeClr val="tx1"/>
-                </a:solidFill>
-              </a:rPr>
-              <a:t>Dart</a:t>
-            </a:r>
-          </a:p>
-          <a:p>
-            <a:r>
-              <a:rPr lang="de-DE" sz="1800" dirty="0">
-                <a:solidFill>
-                  <a:schemeClr val="tx1"/>
-                </a:solidFill>
-              </a:rPr>
-              <a:t>Ski</a:t>
-            </a:r>
-          </a:p>
-          <a:p>
-            <a:endParaRPr lang="de-DE" sz="1800" dirty="0">
+              <a:t>Kurze Vorstellungsrunde</a:t>
+            </a:r>
+          </a:p>
+          <a:p>
+            <a:endParaRPr lang="de-DE" dirty="0">
               <a:solidFill>
                 <a:schemeClr val="tx1"/>
               </a:solidFill>
             </a:endParaRPr>
           </a:p>
           <a:p>
-            <a:pPr marL="0" indent="0">
-              <a:buNone/>
-            </a:pPr>
+            <a:r>
+              <a:rPr lang="de-DE" dirty="0">
+                <a:solidFill>
+                  <a:schemeClr val="tx1"/>
+                </a:solidFill>
+              </a:rPr>
+              <a:t>Anforderungen</a:t>
+            </a:r>
+          </a:p>
+          <a:p>
+            <a:endParaRPr lang="de-DE" dirty="0"/>
+          </a:p>
+          <a:p>
             <a:r>
               <a:rPr lang="de-DE" sz="1800" dirty="0">
                 <a:solidFill>
                   <a:schemeClr val="tx1"/>
                 </a:solidFill>
               </a:rPr>
-              <a:t>Musik:</a:t>
-            </a:r>
+              <a:t>Vorgehensmodell</a:t>
+            </a:r>
+          </a:p>
+          <a:p>
+            <a:endParaRPr lang="de-DE" dirty="0"/>
           </a:p>
           <a:p>
             <a:r>
@@ -6671,47 +7073,7 @@
                   <a:schemeClr val="tx1"/>
                 </a:solidFill>
               </a:rPr>
-              <a:t>Gitarre</a:t>
-            </a:r>
-          </a:p>
-          <a:p>
-            <a:endParaRPr lang="de-DE" sz="1800" dirty="0">
-              <a:solidFill>
-                <a:schemeClr val="tx1"/>
-              </a:solidFill>
-            </a:endParaRPr>
-          </a:p>
-          <a:p>
-            <a:pPr marL="0" indent="0">
-              <a:buNone/>
-            </a:pPr>
-            <a:r>
-              <a:rPr lang="de-DE" sz="1800" dirty="0">
-                <a:solidFill>
-                  <a:schemeClr val="tx1"/>
-                </a:solidFill>
-              </a:rPr>
-              <a:t>Bastler:</a:t>
-            </a:r>
-          </a:p>
-          <a:p>
-            <a:r>
-              <a:rPr lang="de-DE" sz="1800" dirty="0">
-                <a:solidFill>
-                  <a:schemeClr val="tx1"/>
-                </a:solidFill>
-              </a:rPr>
-              <a:t>Gitarrenbau</a:t>
-            </a:r>
-          </a:p>
-          <a:p>
-            <a:r>
-              <a:rPr lang="de-DE" sz="1800" dirty="0">
-                <a:solidFill>
-                  <a:schemeClr val="tx1"/>
-                </a:solidFill>
-              </a:rPr>
-              <a:t>Verstärkerbau</a:t>
+              <a:t>Technologien</a:t>
             </a:r>
           </a:p>
         </p:txBody>
@@ -6813,6 +7175,347 @@
               <a:rPr lang="en-US" smtClean="0"/>
               <a:pPr/>
               <a:t>2</a:t>
+            </a:fld>
+            <a:endParaRPr lang="en-US" dirty="0"/>
+          </a:p>
+        </p:txBody>
+      </p:sp>
+      <p:pic>
+        <p:nvPicPr>
+          <p:cNvPr id="7" name="Grafik 6" descr="Auto">
+            <a:extLst>
+              <a:ext uri="{FF2B5EF4-FFF2-40B4-BE49-F238E27FC236}">
+                <a16:creationId xmlns:a16="http://schemas.microsoft.com/office/drawing/2014/main" id="{E22131F2-98A3-4859-A680-0372D9EDC374}"/>
+              </a:ext>
+            </a:extLst>
+          </p:cNvPr>
+          <p:cNvPicPr>
+            <a:picLocks noChangeAspect="1"/>
+          </p:cNvPicPr>
+          <p:nvPr/>
+        </p:nvPicPr>
+        <p:blipFill>
+          <a:blip r:embed="rId2">
+            <a:extLst>
+              <a:ext uri="{96DAC541-7B7A-43D3-8B79-37D633B846F1}">
+                <asvg:svgBlip xmlns:asvg="http://schemas.microsoft.com/office/drawing/2016/SVG/main" r:embed="rId3"/>
+              </a:ext>
+            </a:extLst>
+          </a:blip>
+          <a:stretch>
+            <a:fillRect/>
+          </a:stretch>
+        </p:blipFill>
+        <p:spPr>
+          <a:xfrm rot="18952507">
+            <a:off x="10617607" y="2747839"/>
+            <a:ext cx="1228875" cy="1228875"/>
+          </a:xfrm>
+          <a:prstGeom prst="rect">
+            <a:avLst/>
+          </a:prstGeom>
+        </p:spPr>
+      </p:pic>
+      <p:pic>
+        <p:nvPicPr>
+          <p:cNvPr id="22" name="Grafik 21" descr="Liste">
+            <a:extLst>
+              <a:ext uri="{FF2B5EF4-FFF2-40B4-BE49-F238E27FC236}">
+                <a16:creationId xmlns:a16="http://schemas.microsoft.com/office/drawing/2014/main" id="{89E9E0A9-CBF7-45A2-A1C5-4E5EBB31D5F8}"/>
+              </a:ext>
+            </a:extLst>
+          </p:cNvPr>
+          <p:cNvPicPr>
+            <a:picLocks noChangeAspect="1"/>
+          </p:cNvPicPr>
+          <p:nvPr/>
+        </p:nvPicPr>
+        <p:blipFill>
+          <a:blip r:embed="rId4">
+            <a:extLst>
+              <a:ext uri="{96DAC541-7B7A-43D3-8B79-37D633B846F1}">
+                <asvg:svgBlip xmlns:asvg="http://schemas.microsoft.com/office/drawing/2016/SVG/main" r:embed="rId5"/>
+              </a:ext>
+            </a:extLst>
+          </a:blip>
+          <a:stretch>
+            <a:fillRect/>
+          </a:stretch>
+        </p:blipFill>
+        <p:spPr>
+          <a:xfrm rot="1278003">
+            <a:off x="4336977" y="4626429"/>
+            <a:ext cx="1228869" cy="1228869"/>
+          </a:xfrm>
+          <a:prstGeom prst="rect">
+            <a:avLst/>
+          </a:prstGeom>
+        </p:spPr>
+      </p:pic>
+    </p:spTree>
+    <p:extLst>
+      <p:ext uri="{BB962C8B-B14F-4D97-AF65-F5344CB8AC3E}">
+        <p14:creationId xmlns:p14="http://schemas.microsoft.com/office/powerpoint/2010/main" val="2756352833"/>
+      </p:ext>
+    </p:extLst>
+  </p:cSld>
+  <p:clrMapOvr>
+    <a:masterClrMapping/>
+  </p:clrMapOvr>
+</p:sld>
+</file>
+
+<file path=ppt/slides/slide3.xml><?xml version="1.0" encoding="utf-8"?>
+<p:sld xmlns:a="http://schemas.openxmlformats.org/drawingml/2006/main" xmlns:r="http://schemas.openxmlformats.org/officeDocument/2006/relationships" xmlns:p="http://schemas.openxmlformats.org/presentationml/2006/main">
+  <p:cSld>
+    <p:spTree>
+      <p:nvGrpSpPr>
+        <p:cNvPr id="1" name=""/>
+        <p:cNvGrpSpPr/>
+        <p:nvPr/>
+      </p:nvGrpSpPr>
+      <p:grpSpPr>
+        <a:xfrm>
+          <a:off x="0" y="0"/>
+          <a:ext cx="0" cy="0"/>
+          <a:chOff x="0" y="0"/>
+          <a:chExt cx="0" cy="0"/>
+        </a:xfrm>
+      </p:grpSpPr>
+      <p:sp>
+        <p:nvSpPr>
+          <p:cNvPr id="4" name="Titel 3">
+            <a:extLst>
+              <a:ext uri="{FF2B5EF4-FFF2-40B4-BE49-F238E27FC236}">
+                <a16:creationId xmlns:a16="http://schemas.microsoft.com/office/drawing/2014/main" id="{84C68109-468E-4320-A347-CD61565ABD8B}"/>
+              </a:ext>
+            </a:extLst>
+          </p:cNvPr>
+          <p:cNvSpPr>
+            <a:spLocks noGrp="1"/>
+          </p:cNvSpPr>
+          <p:nvPr>
+            <p:ph type="title"/>
+          </p:nvPr>
+        </p:nvSpPr>
+        <p:spPr>
+          <a:xfrm>
+            <a:off x="684212" y="4487333"/>
+            <a:ext cx="8534400" cy="1058268"/>
+          </a:xfrm>
+        </p:spPr>
+        <p:txBody>
+          <a:bodyPr/>
+          <a:lstStyle/>
+          <a:p>
+            <a:r>
+              <a:rPr lang="de-DE" dirty="0"/>
+              <a:t>Benjamin Kanzler</a:t>
+            </a:r>
+          </a:p>
+        </p:txBody>
+      </p:sp>
+      <p:sp>
+        <p:nvSpPr>
+          <p:cNvPr id="5" name="Textplatzhalter 4">
+            <a:extLst>
+              <a:ext uri="{FF2B5EF4-FFF2-40B4-BE49-F238E27FC236}">
+                <a16:creationId xmlns:a16="http://schemas.microsoft.com/office/drawing/2014/main" id="{E127A5F6-278C-46F5-B682-739817FF04BE}"/>
+              </a:ext>
+            </a:extLst>
+          </p:cNvPr>
+          <p:cNvSpPr>
+            <a:spLocks noGrp="1"/>
+          </p:cNvSpPr>
+          <p:nvPr>
+            <p:ph idx="1"/>
+          </p:nvPr>
+        </p:nvSpPr>
+        <p:spPr/>
+        <p:txBody>
+          <a:bodyPr>
+            <a:normAutofit/>
+          </a:bodyPr>
+          <a:lstStyle/>
+          <a:p>
+            <a:pPr marL="0" indent="0">
+              <a:buNone/>
+            </a:pPr>
+            <a:r>
+              <a:rPr lang="de-DE" sz="2400" b="1" dirty="0"/>
+              <a:t>Sport:</a:t>
+            </a:r>
+            <a:endParaRPr lang="de-DE" sz="1800" dirty="0">
+              <a:solidFill>
+                <a:schemeClr val="tx1"/>
+              </a:solidFill>
+            </a:endParaRPr>
+          </a:p>
+          <a:p>
+            <a:endParaRPr lang="de-DE" sz="1800" dirty="0">
+              <a:solidFill>
+                <a:schemeClr val="tx1"/>
+              </a:solidFill>
+            </a:endParaRPr>
+          </a:p>
+          <a:p>
+            <a:pPr marL="0" indent="0">
+              <a:buNone/>
+            </a:pPr>
+            <a:endParaRPr lang="de-DE" sz="2400" b="1" dirty="0"/>
+          </a:p>
+          <a:p>
+            <a:pPr marL="0" indent="0">
+              <a:buNone/>
+            </a:pPr>
+            <a:r>
+              <a:rPr lang="de-DE" sz="2400" b="1" dirty="0"/>
+              <a:t>Musik:</a:t>
+            </a:r>
+          </a:p>
+          <a:p>
+            <a:endParaRPr lang="de-DE" sz="1800" dirty="0">
+              <a:solidFill>
+                <a:schemeClr val="tx1"/>
+              </a:solidFill>
+            </a:endParaRPr>
+          </a:p>
+          <a:p>
+            <a:endParaRPr lang="de-DE" sz="1800" dirty="0">
+              <a:solidFill>
+                <a:schemeClr val="tx1"/>
+              </a:solidFill>
+            </a:endParaRPr>
+          </a:p>
+          <a:p>
+            <a:pPr marL="0" indent="0">
+              <a:buNone/>
+            </a:pPr>
+            <a:r>
+              <a:rPr lang="de-DE" sz="2400" b="1" dirty="0"/>
+              <a:t>Bastler:</a:t>
+            </a:r>
+            <a:endParaRPr lang="de-DE" sz="1800" b="1" dirty="0">
+              <a:solidFill>
+                <a:schemeClr val="tx1"/>
+              </a:solidFill>
+            </a:endParaRPr>
+          </a:p>
+          <a:p>
+            <a:pPr marL="0" indent="0">
+              <a:buNone/>
+            </a:pPr>
+            <a:endParaRPr lang="de-DE" sz="1800" b="1" dirty="0">
+              <a:solidFill>
+                <a:schemeClr val="tx1"/>
+              </a:solidFill>
+            </a:endParaRPr>
+          </a:p>
+          <a:p>
+            <a:pPr marL="0" indent="0">
+              <a:buNone/>
+            </a:pPr>
+            <a:endParaRPr lang="de-DE" sz="2400" b="1" dirty="0"/>
+          </a:p>
+        </p:txBody>
+      </p:sp>
+      <p:sp>
+        <p:nvSpPr>
+          <p:cNvPr id="2" name="Datumsplatzhalter 1">
+            <a:extLst>
+              <a:ext uri="{FF2B5EF4-FFF2-40B4-BE49-F238E27FC236}">
+                <a16:creationId xmlns:a16="http://schemas.microsoft.com/office/drawing/2014/main" id="{B7F37089-E0D7-4721-9818-6F58D6F24ED4}"/>
+              </a:ext>
+            </a:extLst>
+          </p:cNvPr>
+          <p:cNvSpPr>
+            <a:spLocks noGrp="1"/>
+          </p:cNvSpPr>
+          <p:nvPr>
+            <p:ph type="dt" sz="half" idx="10"/>
+          </p:nvPr>
+        </p:nvSpPr>
+        <p:spPr/>
+        <p:txBody>
+          <a:bodyPr/>
+          <a:lstStyle/>
+          <a:p>
+            <a:r>
+              <a:rPr lang="de-DE"/>
+              <a:t>11.02.2019</a:t>
+            </a:r>
+            <a:endParaRPr lang="en-US" dirty="0"/>
+          </a:p>
+        </p:txBody>
+      </p:sp>
+      <p:sp>
+        <p:nvSpPr>
+          <p:cNvPr id="6" name="Fußzeilenplatzhalter 5">
+            <a:extLst>
+              <a:ext uri="{FF2B5EF4-FFF2-40B4-BE49-F238E27FC236}">
+                <a16:creationId xmlns:a16="http://schemas.microsoft.com/office/drawing/2014/main" id="{EEC4A702-6041-4042-9E95-76C25F4F7EE1}"/>
+              </a:ext>
+            </a:extLst>
+          </p:cNvPr>
+          <p:cNvSpPr>
+            <a:spLocks noGrp="1"/>
+          </p:cNvSpPr>
+          <p:nvPr>
+            <p:ph type="ftr" sz="quarter" idx="11"/>
+          </p:nvPr>
+        </p:nvSpPr>
+        <p:spPr/>
+        <p:txBody>
+          <a:bodyPr/>
+          <a:lstStyle/>
+          <a:p>
+            <a:r>
+              <a:rPr lang="en-US">
+                <a:solidFill>
+                  <a:schemeClr val="tx2">
+                    <a:lumMod val="20000"/>
+                    <a:lumOff val="80000"/>
+                  </a:schemeClr>
+                </a:solidFill>
+              </a:rPr>
+              <a:t>KA-Share</a:t>
+            </a:r>
+            <a:endParaRPr lang="en-US" dirty="0">
+              <a:solidFill>
+                <a:schemeClr val="tx2">
+                  <a:lumMod val="20000"/>
+                  <a:lumOff val="80000"/>
+                </a:schemeClr>
+              </a:solidFill>
+            </a:endParaRPr>
+          </a:p>
+        </p:txBody>
+      </p:sp>
+      <p:sp>
+        <p:nvSpPr>
+          <p:cNvPr id="3" name="Foliennummernplatzhalter 2">
+            <a:extLst>
+              <a:ext uri="{FF2B5EF4-FFF2-40B4-BE49-F238E27FC236}">
+                <a16:creationId xmlns:a16="http://schemas.microsoft.com/office/drawing/2014/main" id="{D0BBF157-124A-4B08-AF72-A5EF9841D304}"/>
+              </a:ext>
+            </a:extLst>
+          </p:cNvPr>
+          <p:cNvSpPr>
+            <a:spLocks noGrp="1"/>
+          </p:cNvSpPr>
+          <p:nvPr>
+            <p:ph type="sldNum" sz="quarter" idx="12"/>
+          </p:nvPr>
+        </p:nvSpPr>
+        <p:spPr/>
+        <p:txBody>
+          <a:bodyPr/>
+          <a:lstStyle/>
+          <a:p>
+            <a:fld id="{D57F1E4F-1CFF-5643-939E-217C01CDF565}" type="slidenum">
+              <a:rPr lang="en-US" smtClean="0"/>
+              <a:pPr/>
+              <a:t>3</a:t>
             </a:fld>
             <a:endParaRPr lang="en-US" dirty="0"/>
           </a:p>
@@ -6882,7 +7585,7 @@
         </p:blipFill>
         <p:spPr>
           <a:xfrm>
-            <a:off x="4494212" y="698107"/>
+            <a:off x="8304212" y="685800"/>
             <a:ext cx="914400" cy="914400"/>
           </a:xfrm>
           <a:prstGeom prst="rect">
@@ -6918,7 +7621,7 @@
         </p:blipFill>
         <p:spPr>
           <a:xfrm>
-            <a:off x="5486400" y="1155307"/>
+            <a:off x="9296400" y="1143000"/>
             <a:ext cx="914400" cy="914400"/>
           </a:xfrm>
           <a:prstGeom prst="rect">
@@ -6954,7 +7657,7 @@
         </p:blipFill>
         <p:spPr>
           <a:xfrm>
-            <a:off x="2550046" y="2357400"/>
+            <a:off x="6360046" y="2345093"/>
             <a:ext cx="914400" cy="914400"/>
           </a:xfrm>
           <a:prstGeom prst="rect">
@@ -6990,7 +7693,7 @@
         </p:blipFill>
         <p:spPr>
           <a:xfrm>
-            <a:off x="3464446" y="2836030"/>
+            <a:off x="7274446" y="2823723"/>
             <a:ext cx="914400" cy="914400"/>
           </a:xfrm>
           <a:prstGeom prst="rect">
@@ -7026,7 +7729,7 @@
         </p:blipFill>
         <p:spPr>
           <a:xfrm>
-            <a:off x="4613152" y="3420392"/>
+            <a:off x="8423152" y="3408085"/>
             <a:ext cx="914400" cy="914400"/>
           </a:xfrm>
           <a:prstGeom prst="rect">
@@ -7303,10 +8006,387 @@
           </a:p>
         </p:txBody>
       </p:sp>
+      <p:sp>
+        <p:nvSpPr>
+          <p:cNvPr id="14" name="Textplatzhalter 4">
+            <a:extLst>
+              <a:ext uri="{FF2B5EF4-FFF2-40B4-BE49-F238E27FC236}">
+                <a16:creationId xmlns:a16="http://schemas.microsoft.com/office/drawing/2014/main" id="{93B6865F-F3D9-421F-B3A3-0B2CA2197BE7}"/>
+              </a:ext>
+            </a:extLst>
+          </p:cNvPr>
+          <p:cNvSpPr txBox="1">
+            <a:spLocks/>
+          </p:cNvSpPr>
+          <p:nvPr/>
+        </p:nvSpPr>
+        <p:spPr>
+          <a:xfrm>
+            <a:off x="2634546" y="685800"/>
+            <a:ext cx="3016923" cy="3899072"/>
+          </a:xfrm>
+          <a:prstGeom prst="rect">
+            <a:avLst/>
+          </a:prstGeom>
+        </p:spPr>
+        <p:txBody>
+          <a:bodyPr vert="horz" lIns="91440" tIns="45720" rIns="91440" bIns="45720" rtlCol="0" anchor="t">
+            <a:normAutofit/>
+          </a:bodyPr>
+          <a:lstStyle>
+            <a:lvl1pPr marL="0" indent="0" algn="l" defTabSz="457200" rtl="0" eaLnBrk="1" latinLnBrk="0" hangingPunct="1">
+              <a:spcBef>
+                <a:spcPct val="20000"/>
+              </a:spcBef>
+              <a:spcAft>
+                <a:spcPts val="600"/>
+              </a:spcAft>
+              <a:buClr>
+                <a:schemeClr val="tx1"/>
+              </a:buClr>
+              <a:buSzPct val="80000"/>
+              <a:buFont typeface="Wingdings 3" panose="05040102010807070707" pitchFamily="18" charset="2"/>
+              <a:buNone/>
+              <a:defRPr sz="2000" kern="1200" cap="none">
+                <a:solidFill>
+                  <a:schemeClr val="bg2">
+                    <a:lumMod val="75000"/>
+                  </a:schemeClr>
+                </a:solidFill>
+                <a:effectLst/>
+                <a:latin typeface="+mn-lt"/>
+                <a:ea typeface="+mn-ea"/>
+                <a:cs typeface="+mn-cs"/>
+              </a:defRPr>
+            </a:lvl1pPr>
+            <a:lvl2pPr marL="457200" indent="0" algn="l" defTabSz="457200" rtl="0" eaLnBrk="1" latinLnBrk="0" hangingPunct="1">
+              <a:spcBef>
+                <a:spcPct val="20000"/>
+              </a:spcBef>
+              <a:spcAft>
+                <a:spcPts val="600"/>
+              </a:spcAft>
+              <a:buClr>
+                <a:schemeClr val="tx1"/>
+              </a:buClr>
+              <a:buSzPct val="80000"/>
+              <a:buFont typeface="Wingdings 3" panose="05040102010807070707" pitchFamily="18" charset="2"/>
+              <a:buNone/>
+              <a:defRPr sz="1800" kern="1200" cap="none">
+                <a:solidFill>
+                  <a:schemeClr val="tx1">
+                    <a:tint val="75000"/>
+                  </a:schemeClr>
+                </a:solidFill>
+                <a:effectLst/>
+                <a:latin typeface="+mn-lt"/>
+                <a:ea typeface="+mn-ea"/>
+                <a:cs typeface="+mn-cs"/>
+              </a:defRPr>
+            </a:lvl2pPr>
+            <a:lvl3pPr marL="914400" indent="0" algn="l" defTabSz="457200" rtl="0" eaLnBrk="1" latinLnBrk="0" hangingPunct="1">
+              <a:spcBef>
+                <a:spcPct val="20000"/>
+              </a:spcBef>
+              <a:spcAft>
+                <a:spcPts val="600"/>
+              </a:spcAft>
+              <a:buClr>
+                <a:schemeClr val="tx1"/>
+              </a:buClr>
+              <a:buSzPct val="80000"/>
+              <a:buFont typeface="Wingdings 3" panose="05040102010807070707" pitchFamily="18" charset="2"/>
+              <a:buNone/>
+              <a:defRPr sz="1600" kern="1200" cap="none">
+                <a:solidFill>
+                  <a:schemeClr val="tx1">
+                    <a:tint val="75000"/>
+                  </a:schemeClr>
+                </a:solidFill>
+                <a:effectLst/>
+                <a:latin typeface="+mn-lt"/>
+                <a:ea typeface="+mn-ea"/>
+                <a:cs typeface="+mn-cs"/>
+              </a:defRPr>
+            </a:lvl3pPr>
+            <a:lvl4pPr marL="1371600" indent="0" algn="l" defTabSz="457200" rtl="0" eaLnBrk="1" latinLnBrk="0" hangingPunct="1">
+              <a:spcBef>
+                <a:spcPct val="20000"/>
+              </a:spcBef>
+              <a:spcAft>
+                <a:spcPts val="600"/>
+              </a:spcAft>
+              <a:buClr>
+                <a:schemeClr val="tx1"/>
+              </a:buClr>
+              <a:buSzPct val="80000"/>
+              <a:buFont typeface="Wingdings 3" panose="05040102010807070707" pitchFamily="18" charset="2"/>
+              <a:buNone/>
+              <a:defRPr sz="1400" kern="1200" cap="none">
+                <a:solidFill>
+                  <a:schemeClr val="tx1">
+                    <a:tint val="75000"/>
+                  </a:schemeClr>
+                </a:solidFill>
+                <a:effectLst/>
+                <a:latin typeface="+mn-lt"/>
+                <a:ea typeface="+mn-ea"/>
+                <a:cs typeface="+mn-cs"/>
+              </a:defRPr>
+            </a:lvl4pPr>
+            <a:lvl5pPr marL="1828800" indent="0" algn="l" defTabSz="457200" rtl="0" eaLnBrk="1" latinLnBrk="0" hangingPunct="1">
+              <a:spcBef>
+                <a:spcPct val="20000"/>
+              </a:spcBef>
+              <a:spcAft>
+                <a:spcPts val="600"/>
+              </a:spcAft>
+              <a:buClr>
+                <a:schemeClr val="tx1"/>
+              </a:buClr>
+              <a:buSzPct val="80000"/>
+              <a:buFont typeface="Wingdings 3" panose="05040102010807070707" pitchFamily="18" charset="2"/>
+              <a:buNone/>
+              <a:defRPr sz="1400" kern="1200" cap="none">
+                <a:solidFill>
+                  <a:schemeClr val="tx1">
+                    <a:tint val="75000"/>
+                  </a:schemeClr>
+                </a:solidFill>
+                <a:effectLst/>
+                <a:latin typeface="+mn-lt"/>
+                <a:ea typeface="+mn-ea"/>
+                <a:cs typeface="+mn-cs"/>
+              </a:defRPr>
+            </a:lvl5pPr>
+            <a:lvl6pPr marL="2286000" indent="0" algn="l" defTabSz="457200" rtl="0" eaLnBrk="1" latinLnBrk="0" hangingPunct="1">
+              <a:spcBef>
+                <a:spcPct val="20000"/>
+              </a:spcBef>
+              <a:spcAft>
+                <a:spcPts val="600"/>
+              </a:spcAft>
+              <a:buClr>
+                <a:schemeClr val="tx1"/>
+              </a:buClr>
+              <a:buSzPct val="80000"/>
+              <a:buFont typeface="Wingdings 3" panose="05040102010807070707" pitchFamily="18" charset="2"/>
+              <a:buNone/>
+              <a:defRPr sz="1400" kern="1200" cap="none">
+                <a:solidFill>
+                  <a:schemeClr val="tx1">
+                    <a:tint val="75000"/>
+                  </a:schemeClr>
+                </a:solidFill>
+                <a:effectLst/>
+                <a:latin typeface="+mn-lt"/>
+                <a:ea typeface="+mn-ea"/>
+                <a:cs typeface="+mn-cs"/>
+              </a:defRPr>
+            </a:lvl6pPr>
+            <a:lvl7pPr marL="2743200" indent="0" algn="l" defTabSz="457200" rtl="0" eaLnBrk="1" latinLnBrk="0" hangingPunct="1">
+              <a:spcBef>
+                <a:spcPct val="20000"/>
+              </a:spcBef>
+              <a:spcAft>
+                <a:spcPts val="600"/>
+              </a:spcAft>
+              <a:buClr>
+                <a:schemeClr val="tx1"/>
+              </a:buClr>
+              <a:buSzPct val="80000"/>
+              <a:buFont typeface="Wingdings 3" panose="05040102010807070707" pitchFamily="18" charset="2"/>
+              <a:buNone/>
+              <a:defRPr sz="1400" kern="1200" cap="none">
+                <a:solidFill>
+                  <a:schemeClr val="tx1">
+                    <a:tint val="75000"/>
+                  </a:schemeClr>
+                </a:solidFill>
+                <a:effectLst/>
+                <a:latin typeface="+mn-lt"/>
+                <a:ea typeface="+mn-ea"/>
+                <a:cs typeface="+mn-cs"/>
+              </a:defRPr>
+            </a:lvl7pPr>
+            <a:lvl8pPr marL="3200400" indent="0" algn="l" defTabSz="457200" rtl="0" eaLnBrk="1" latinLnBrk="0" hangingPunct="1">
+              <a:spcBef>
+                <a:spcPct val="20000"/>
+              </a:spcBef>
+              <a:spcAft>
+                <a:spcPts val="600"/>
+              </a:spcAft>
+              <a:buClr>
+                <a:schemeClr val="tx1"/>
+              </a:buClr>
+              <a:buSzPct val="80000"/>
+              <a:buFont typeface="Wingdings 3" panose="05040102010807070707" pitchFamily="18" charset="2"/>
+              <a:buNone/>
+              <a:defRPr sz="1400" kern="1200" cap="none">
+                <a:solidFill>
+                  <a:schemeClr val="tx1">
+                    <a:tint val="75000"/>
+                  </a:schemeClr>
+                </a:solidFill>
+                <a:effectLst/>
+                <a:latin typeface="+mn-lt"/>
+                <a:ea typeface="+mn-ea"/>
+                <a:cs typeface="+mn-cs"/>
+              </a:defRPr>
+            </a:lvl8pPr>
+            <a:lvl9pPr marL="3657600" indent="0" algn="l" defTabSz="457200" rtl="0" eaLnBrk="1" latinLnBrk="0" hangingPunct="1">
+              <a:spcBef>
+                <a:spcPct val="20000"/>
+              </a:spcBef>
+              <a:spcAft>
+                <a:spcPts val="600"/>
+              </a:spcAft>
+              <a:buClr>
+                <a:schemeClr val="tx1"/>
+              </a:buClr>
+              <a:buSzPct val="80000"/>
+              <a:buFont typeface="Wingdings 3" panose="05040102010807070707" pitchFamily="18" charset="2"/>
+              <a:buNone/>
+              <a:defRPr sz="1400" kern="1200" cap="none">
+                <a:solidFill>
+                  <a:schemeClr val="tx1">
+                    <a:tint val="75000"/>
+                  </a:schemeClr>
+                </a:solidFill>
+                <a:effectLst/>
+                <a:latin typeface="+mn-lt"/>
+                <a:ea typeface="+mn-ea"/>
+                <a:cs typeface="+mn-cs"/>
+              </a:defRPr>
+            </a:lvl9pPr>
+          </a:lstStyle>
+          <a:p>
+            <a:pPr marL="742950" lvl="1" indent="-285750">
+              <a:buFontTx/>
+              <a:buChar char="-"/>
+            </a:pPr>
+            <a:r>
+              <a:rPr lang="de-DE" dirty="0">
+                <a:solidFill>
+                  <a:schemeClr val="tx1"/>
+                </a:solidFill>
+              </a:rPr>
+              <a:t>Fußball</a:t>
+            </a:r>
+          </a:p>
+          <a:p>
+            <a:pPr marL="742950" lvl="1" indent="-285750">
+              <a:buFontTx/>
+              <a:buChar char="-"/>
+            </a:pPr>
+            <a:r>
+              <a:rPr lang="de-DE" dirty="0">
+                <a:solidFill>
+                  <a:schemeClr val="tx1"/>
+                </a:solidFill>
+              </a:rPr>
+              <a:t>Darts</a:t>
+            </a:r>
+          </a:p>
+          <a:p>
+            <a:pPr marL="742950" lvl="1" indent="-285750">
+              <a:buFontTx/>
+              <a:buChar char="-"/>
+            </a:pPr>
+            <a:r>
+              <a:rPr lang="de-DE" dirty="0">
+                <a:solidFill>
+                  <a:schemeClr val="tx1"/>
+                </a:solidFill>
+              </a:rPr>
+              <a:t>Ski</a:t>
+            </a:r>
+          </a:p>
+          <a:p>
+            <a:pPr marL="742950" lvl="1" indent="-285750">
+              <a:buFontTx/>
+              <a:buChar char="-"/>
+            </a:pPr>
+            <a:endParaRPr lang="de-DE" dirty="0">
+              <a:solidFill>
+                <a:schemeClr val="tx1"/>
+              </a:solidFill>
+            </a:endParaRPr>
+          </a:p>
+          <a:p>
+            <a:pPr marL="742950" lvl="1" indent="-285750">
+              <a:buFontTx/>
+              <a:buChar char="-"/>
+            </a:pPr>
+            <a:r>
+              <a:rPr lang="de-DE" dirty="0">
+                <a:solidFill>
+                  <a:schemeClr val="tx1"/>
+                </a:solidFill>
+              </a:rPr>
+              <a:t>Gitarre</a:t>
+            </a:r>
+          </a:p>
+          <a:p>
+            <a:pPr marL="742950" lvl="1" indent="-285750">
+              <a:buFontTx/>
+              <a:buChar char="-"/>
+            </a:pPr>
+            <a:r>
+              <a:rPr lang="de-DE" dirty="0">
+                <a:solidFill>
+                  <a:schemeClr val="tx1"/>
+                </a:solidFill>
+              </a:rPr>
+              <a:t>Konzertbesucher</a:t>
+            </a:r>
+          </a:p>
+          <a:p>
+            <a:pPr marL="742950" lvl="1" indent="-285750">
+              <a:buFontTx/>
+              <a:buChar char="-"/>
+            </a:pPr>
+            <a:endParaRPr lang="de-DE" dirty="0">
+              <a:solidFill>
+                <a:schemeClr val="tx1"/>
+              </a:solidFill>
+            </a:endParaRPr>
+          </a:p>
+          <a:p>
+            <a:pPr marL="742950" lvl="1" indent="-285750">
+              <a:buFontTx/>
+              <a:buChar char="-"/>
+            </a:pPr>
+            <a:r>
+              <a:rPr lang="de-DE" dirty="0">
+                <a:solidFill>
+                  <a:schemeClr val="tx1"/>
+                </a:solidFill>
+              </a:rPr>
+              <a:t>Gitarren-  </a:t>
+            </a:r>
+            <a:br>
+              <a:rPr lang="de-DE" dirty="0">
+                <a:solidFill>
+                  <a:schemeClr val="tx1"/>
+                </a:solidFill>
+              </a:rPr>
+            </a:br>
+            <a:r>
+              <a:rPr lang="de-DE" dirty="0">
+                <a:solidFill>
+                  <a:schemeClr val="tx1"/>
+                </a:solidFill>
+              </a:rPr>
+              <a:t>und Verstärkerbau</a:t>
+            </a:r>
+          </a:p>
+        </p:txBody>
+      </p:sp>
     </p:spTree>
     <p:extLst>
       <p:ext uri="{BB962C8B-B14F-4D97-AF65-F5344CB8AC3E}">
-        <p14:creationId xmlns:p14="http://schemas.microsoft.com/office/powerpoint/2010/main" val="2756352833"/>
+        <p14:creationId xmlns:p14="http://schemas.microsoft.com/office/powerpoint/2010/main" val="3846731267"/>
       </p:ext>
     </p:extLst>
   </p:cSld>
@@ -7316,7 +8396,7 @@
 </p:sld>
 </file>
 
-<file path=ppt/slides/slide3.xml><?xml version="1.0" encoding="utf-8"?>
+<file path=ppt/slides/slide4.xml><?xml version="1.0" encoding="utf-8"?>
 <p:sld xmlns:a="http://schemas.openxmlformats.org/drawingml/2006/main" xmlns:r="http://schemas.openxmlformats.org/officeDocument/2006/relationships" xmlns:p="http://schemas.openxmlformats.org/presentationml/2006/main">
   <p:cSld>
     <p:spTree>
@@ -7515,7 +8595,7 @@
             <a:fld id="{D57F1E4F-1CFF-5643-939E-217C01CDF565}" type="slidenum">
               <a:rPr lang="en-US" smtClean="0"/>
               <a:pPr/>
-              <a:t>3</a:t>
+              <a:t>4</a:t>
             </a:fld>
             <a:endParaRPr lang="en-US" dirty="0"/>
           </a:p>
@@ -7797,11 +8877,7 @@
             </a:lstStyle>
             <a:p>
               <a:r>
-                <a:rPr lang="de-DE" sz="1800" dirty="0">
-                  <a:solidFill>
-                    <a:schemeClr val="tx1"/>
-                  </a:solidFill>
-                </a:rPr>
+                <a:rPr lang="de-DE" b="1" dirty="0"/>
                 <a:t>Reisen:</a:t>
               </a:r>
             </a:p>
@@ -7833,11 +8909,7 @@
             </a:p>
             <a:p>
               <a:r>
-                <a:rPr lang="de-DE" sz="1800" dirty="0">
-                  <a:solidFill>
-                    <a:schemeClr val="tx1"/>
-                  </a:solidFill>
-                </a:rPr>
+                <a:rPr lang="de-DE" b="1" dirty="0"/>
                 <a:t>Sport:</a:t>
               </a:r>
             </a:p>
@@ -7862,11 +8934,7 @@
             </a:p>
             <a:p>
               <a:r>
-                <a:rPr lang="de-DE" sz="1800" dirty="0">
-                  <a:solidFill>
-                    <a:schemeClr val="tx1"/>
-                  </a:solidFill>
-                </a:rPr>
+                <a:rPr lang="de-DE" b="1" dirty="0"/>
                 <a:t>Freizeitparks: </a:t>
               </a:r>
             </a:p>
@@ -8503,7 +9571,7 @@
 </p:sld>
 </file>
 
-<file path=ppt/slides/slide4.xml><?xml version="1.0" encoding="utf-8"?>
+<file path=ppt/slides/slide5.xml><?xml version="1.0" encoding="utf-8"?>
 <p:sld xmlns:a="http://schemas.openxmlformats.org/drawingml/2006/main" xmlns:r="http://schemas.openxmlformats.org/officeDocument/2006/relationships" xmlns:p="http://schemas.openxmlformats.org/presentationml/2006/main">
   <p:cSld>
     <p:spTree>
@@ -8694,7 +9762,7 @@
             <a:fld id="{D57F1E4F-1CFF-5643-939E-217C01CDF565}" type="slidenum">
               <a:rPr lang="en-US" smtClean="0"/>
               <a:pPr/>
-              <a:t>4</a:t>
+              <a:t>5</a:t>
             </a:fld>
             <a:endParaRPr lang="en-US" dirty="0"/>
           </a:p>
@@ -8976,11 +10044,7 @@
             </a:lstStyle>
             <a:p>
               <a:r>
-                <a:rPr lang="de-DE" sz="1800" dirty="0">
-                  <a:solidFill>
-                    <a:schemeClr val="tx1"/>
-                  </a:solidFill>
-                </a:rPr>
+                <a:rPr lang="de-DE" b="1" dirty="0"/>
                 <a:t>Sport:</a:t>
               </a:r>
             </a:p>
@@ -9001,11 +10065,7 @@
             </a:p>
             <a:p>
               <a:r>
-                <a:rPr lang="de-DE" sz="1800" dirty="0">
-                  <a:solidFill>
-                    <a:schemeClr val="tx1"/>
-                  </a:solidFill>
-                </a:rPr>
+                <a:rPr lang="de-DE" b="1" dirty="0"/>
                 <a:t>Bücher: </a:t>
               </a:r>
             </a:p>
@@ -9032,20 +10092,8 @@
             </a:p>
             <a:p>
               <a:r>
-                <a:rPr lang="de-DE" sz="1800" dirty="0">
-                  <a:solidFill>
-                    <a:schemeClr val="tx1"/>
-                  </a:solidFill>
-                </a:rPr>
-                <a:t>Musik:</a:t>
-              </a:r>
-              <a:r>
-                <a:rPr lang="de-DE" dirty="0">
-                  <a:solidFill>
-                    <a:schemeClr val="tx1"/>
-                  </a:solidFill>
-                </a:rPr>
-                <a:t> </a:t>
+                <a:rPr lang="de-DE" b="1" dirty="0"/>
+                <a:t>Musik: </a:t>
               </a:r>
             </a:p>
             <a:p>
@@ -9632,7 +10680,7 @@
 </p:sld>
 </file>
 
-<file path=ppt/slides/slide5.xml><?xml version="1.0" encoding="utf-8"?>
+<file path=ppt/slides/slide6.xml><?xml version="1.0" encoding="utf-8"?>
 <p:sld xmlns:a="http://schemas.openxmlformats.org/drawingml/2006/main" xmlns:r="http://schemas.openxmlformats.org/officeDocument/2006/relationships" xmlns:p="http://schemas.openxmlformats.org/presentationml/2006/main">
   <p:cSld>
     <p:spTree>
@@ -9704,8 +10752,12 @@
           <a:lstStyle/>
           <a:p>
             <a:r>
+              <a:rPr lang="de-DE" b="1" dirty="0" err="1"/>
+              <a:t>Product</a:t>
+            </a:r>
+            <a:r>
               <a:rPr lang="de-DE" b="1" dirty="0"/>
-              <a:t>Project </a:t>
+              <a:t> </a:t>
             </a:r>
             <a:r>
               <a:rPr lang="de-DE" b="1" dirty="0" err="1"/>
@@ -9833,7 +10885,7 @@
             <a:fld id="{D57F1E4F-1CFF-5643-939E-217C01CDF565}" type="slidenum">
               <a:rPr lang="en-US" smtClean="0"/>
               <a:pPr/>
-              <a:t>5</a:t>
+              <a:t>6</a:t>
             </a:fld>
             <a:endParaRPr lang="en-US" dirty="0"/>
           </a:p>
@@ -10115,11 +11167,7 @@
             </a:lstStyle>
             <a:p>
               <a:r>
-                <a:rPr lang="de-DE" sz="1800" dirty="0">
-                  <a:solidFill>
-                    <a:schemeClr val="tx1"/>
-                  </a:solidFill>
-                </a:rPr>
+                <a:rPr lang="de-DE" b="1" dirty="0"/>
                 <a:t>Sport:</a:t>
               </a:r>
             </a:p>
@@ -10140,11 +11188,7 @@
             </a:p>
             <a:p>
               <a:r>
-                <a:rPr lang="de-DE" sz="1800" dirty="0">
-                  <a:solidFill>
-                    <a:schemeClr val="tx1"/>
-                  </a:solidFill>
-                </a:rPr>
+                <a:rPr lang="de-DE" b="1" dirty="0"/>
                 <a:t>Autos: </a:t>
               </a:r>
             </a:p>
@@ -10164,20 +11208,8 @@
             </a:p>
             <a:p>
               <a:r>
-                <a:rPr lang="de-DE" sz="1800" dirty="0">
-                  <a:solidFill>
-                    <a:schemeClr val="tx1"/>
-                  </a:solidFill>
-                </a:rPr>
-                <a:t>Kochen:</a:t>
-              </a:r>
-              <a:r>
-                <a:rPr lang="de-DE" dirty="0">
-                  <a:solidFill>
-                    <a:schemeClr val="tx1"/>
-                  </a:solidFill>
-                </a:rPr>
-                <a:t> </a:t>
+                <a:rPr lang="de-DE" b="1" dirty="0"/>
+                <a:t>Kochen: </a:t>
               </a:r>
             </a:p>
             <a:p>
@@ -10706,7 +11738,7 @@
 </p:sld>
 </file>
 
-<file path=ppt/slides/slide6.xml><?xml version="1.0" encoding="utf-8"?>
+<file path=ppt/slides/slide7.xml><?xml version="1.0" encoding="utf-8"?>
 <p:sld xmlns:a="http://schemas.openxmlformats.org/drawingml/2006/main" xmlns:r="http://schemas.openxmlformats.org/officeDocument/2006/relationships" xmlns:p="http://schemas.openxmlformats.org/presentationml/2006/main">
   <p:cSld>
     <p:spTree>
@@ -10901,7 +11933,7 @@
             <a:fld id="{D57F1E4F-1CFF-5643-939E-217C01CDF565}" type="slidenum">
               <a:rPr lang="en-US" smtClean="0"/>
               <a:pPr/>
-              <a:t>6</a:t>
+              <a:t>7</a:t>
             </a:fld>
             <a:endParaRPr lang="en-US" dirty="0"/>
           </a:p>
@@ -11183,15 +12215,9 @@
             </a:lstStyle>
             <a:p>
               <a:r>
-                <a:rPr lang="de-DE" sz="1800" dirty="0">
-                  <a:solidFill>
-                    <a:schemeClr val="tx1"/>
-                  </a:solidFill>
-                </a:rPr>
+                <a:rPr lang="de-DE" b="1" dirty="0"/>
                 <a:t>Sport:</a:t>
               </a:r>
-            </a:p>
-            <a:p>
               <a:endParaRPr lang="de-DE" sz="1800" dirty="0">
                 <a:solidFill>
                   <a:schemeClr val="tx1"/>
@@ -11206,13 +12232,24 @@
               </a:endParaRPr>
             </a:p>
             <a:p>
+              <a:endParaRPr lang="de-DE" sz="1800" dirty="0">
+                <a:solidFill>
+                  <a:schemeClr val="tx1"/>
+                </a:solidFill>
+              </a:endParaRPr>
+            </a:p>
+            <a:p>
+              <a:r>
+                <a:rPr lang="de-DE" b="1" dirty="0"/>
+                <a:t>Freizeit:</a:t>
+              </a:r>
               <a:r>
                 <a:rPr lang="de-DE" sz="1800" dirty="0">
                   <a:solidFill>
                     <a:schemeClr val="tx1"/>
                   </a:solidFill>
                 </a:rPr>
-                <a:t>Freizeit: </a:t>
+                <a:t> </a:t>
               </a:r>
             </a:p>
             <a:p>
@@ -11224,11 +12261,7 @@
             </a:p>
             <a:p>
               <a:r>
-                <a:rPr lang="de-DE" sz="1800" dirty="0">
-                  <a:solidFill>
-                    <a:schemeClr val="tx1"/>
-                  </a:solidFill>
-                </a:rPr>
+                <a:rPr lang="de-DE" b="1" dirty="0"/>
                 <a:t>Bücher:</a:t>
               </a:r>
             </a:p>
@@ -11743,7 +12776,7 @@
 </p:sld>
 </file>
 
-<file path=ppt/slides/slide7.xml><?xml version="1.0" encoding="utf-8"?>
+<file path=ppt/slides/slide8.xml><?xml version="1.0" encoding="utf-8"?>
 <p:sld xmlns:a="http://schemas.openxmlformats.org/drawingml/2006/main" xmlns:r="http://schemas.openxmlformats.org/officeDocument/2006/relationships" xmlns:p="http://schemas.openxmlformats.org/presentationml/2006/main">
   <p:cSld>
     <p:spTree>
@@ -12080,7 +13113,7 @@
             <a:fld id="{D57F1E4F-1CFF-5643-939E-217C01CDF565}" type="slidenum">
               <a:rPr lang="en-US" smtClean="0"/>
               <a:pPr/>
-              <a:t>7</a:t>
+              <a:t>8</a:t>
             </a:fld>
             <a:endParaRPr lang="en-US" dirty="0"/>
           </a:p>
@@ -12135,7 +13168,7 @@
 </p:sld>
 </file>
 
-<file path=ppt/slides/slide8.xml><?xml version="1.0" encoding="utf-8"?>
+<file path=ppt/slides/slide9.xml><?xml version="1.0" encoding="utf-8"?>
 <p:sld xmlns:a="http://schemas.openxmlformats.org/drawingml/2006/main" xmlns:r="http://schemas.openxmlformats.org/officeDocument/2006/relationships" xmlns:p="http://schemas.openxmlformats.org/presentationml/2006/main">
   <p:cSld>
     <p:spTree>
@@ -12413,7 +13446,7 @@
             <a:fld id="{D57F1E4F-1CFF-5643-939E-217C01CDF565}" type="slidenum">
               <a:rPr lang="en-US" smtClean="0"/>
               <a:pPr/>
-              <a:t>8</a:t>
+              <a:t>9</a:t>
             </a:fld>
             <a:endParaRPr lang="en-US" dirty="0"/>
           </a:p>
@@ -12495,317 +13528,6 @@
     <p:extLst>
       <p:ext uri="{BB962C8B-B14F-4D97-AF65-F5344CB8AC3E}">
         <p14:creationId xmlns:p14="http://schemas.microsoft.com/office/powerpoint/2010/main" val="2602982493"/>
-      </p:ext>
-    </p:extLst>
-  </p:cSld>
-  <p:clrMapOvr>
-    <a:masterClrMapping/>
-  </p:clrMapOvr>
-</p:sld>
-</file>
-
-<file path=ppt/slides/slide9.xml><?xml version="1.0" encoding="utf-8"?>
-<p:sld xmlns:a="http://schemas.openxmlformats.org/drawingml/2006/main" xmlns:r="http://schemas.openxmlformats.org/officeDocument/2006/relationships" xmlns:p="http://schemas.openxmlformats.org/presentationml/2006/main">
-  <p:cSld>
-    <p:spTree>
-      <p:nvGrpSpPr>
-        <p:cNvPr id="1" name=""/>
-        <p:cNvGrpSpPr/>
-        <p:nvPr/>
-      </p:nvGrpSpPr>
-      <p:grpSpPr>
-        <a:xfrm>
-          <a:off x="0" y="0"/>
-          <a:ext cx="0" cy="0"/>
-          <a:chOff x="0" y="0"/>
-          <a:chExt cx="0" cy="0"/>
-        </a:xfrm>
-      </p:grpSpPr>
-      <p:sp>
-        <p:nvSpPr>
-          <p:cNvPr id="5" name="Titel 4">
-            <a:extLst>
-              <a:ext uri="{FF2B5EF4-FFF2-40B4-BE49-F238E27FC236}">
-                <a16:creationId xmlns:a16="http://schemas.microsoft.com/office/drawing/2014/main" id="{48E01C12-0A6D-4B2C-A2EF-4BFE6FCDAE00}"/>
-              </a:ext>
-            </a:extLst>
-          </p:cNvPr>
-          <p:cNvSpPr>
-            <a:spLocks noGrp="1"/>
-          </p:cNvSpPr>
-          <p:nvPr>
-            <p:ph type="title"/>
-          </p:nvPr>
-        </p:nvSpPr>
-        <p:spPr/>
-        <p:txBody>
-          <a:bodyPr/>
-          <a:lstStyle/>
-          <a:p>
-            <a:r>
-              <a:rPr lang="de-DE" dirty="0"/>
-              <a:t>Methoden &amp; TOOLS</a:t>
-            </a:r>
-          </a:p>
-        </p:txBody>
-      </p:sp>
-      <p:sp>
-        <p:nvSpPr>
-          <p:cNvPr id="6" name="Inhaltsplatzhalter 5">
-            <a:extLst>
-              <a:ext uri="{FF2B5EF4-FFF2-40B4-BE49-F238E27FC236}">
-                <a16:creationId xmlns:a16="http://schemas.microsoft.com/office/drawing/2014/main" id="{03776AB9-B118-489B-84EB-FBBB21CD07E0}"/>
-              </a:ext>
-            </a:extLst>
-          </p:cNvPr>
-          <p:cNvSpPr>
-            <a:spLocks noGrp="1"/>
-          </p:cNvSpPr>
-          <p:nvPr>
-            <p:ph idx="1"/>
-          </p:nvPr>
-        </p:nvSpPr>
-        <p:spPr/>
-        <p:txBody>
-          <a:bodyPr/>
-          <a:lstStyle/>
-          <a:p>
-            <a:r>
-              <a:rPr lang="de-DE" dirty="0">
-                <a:solidFill>
-                  <a:schemeClr val="tx2">
-                    <a:lumMod val="20000"/>
-                    <a:lumOff val="80000"/>
-                  </a:schemeClr>
-                </a:solidFill>
-              </a:rPr>
-              <a:t>Datenbankverwaltung: H2</a:t>
-            </a:r>
-          </a:p>
-          <a:p>
-            <a:r>
-              <a:rPr lang="de-DE" dirty="0">
-                <a:solidFill>
-                  <a:schemeClr val="tx2">
-                    <a:lumMod val="20000"/>
-                    <a:lumOff val="80000"/>
-                  </a:schemeClr>
-                </a:solidFill>
-              </a:rPr>
-              <a:t>Entwicklung: Springboot, Maven</a:t>
-            </a:r>
-          </a:p>
-          <a:p>
-            <a:r>
-              <a:rPr lang="de-DE" dirty="0">
-                <a:solidFill>
-                  <a:schemeClr val="tx2">
-                    <a:lumMod val="20000"/>
-                    <a:lumOff val="80000"/>
-                  </a:schemeClr>
-                </a:solidFill>
-              </a:rPr>
-              <a:t>Dateiverwaltung: GitHub</a:t>
-            </a:r>
-          </a:p>
-          <a:p>
-            <a:r>
-              <a:rPr lang="de-DE" dirty="0">
-                <a:solidFill>
-                  <a:schemeClr val="tx2">
-                    <a:lumMod val="20000"/>
-                    <a:lumOff val="80000"/>
-                  </a:schemeClr>
-                </a:solidFill>
-              </a:rPr>
-              <a:t>Kommunikationsmittel: Skype, </a:t>
-            </a:r>
-            <a:r>
-              <a:rPr lang="de-DE" dirty="0" err="1">
-                <a:solidFill>
-                  <a:schemeClr val="tx2">
-                    <a:lumMod val="20000"/>
-                    <a:lumOff val="80000"/>
-                  </a:schemeClr>
-                </a:solidFill>
-              </a:rPr>
-              <a:t>Whatsapp</a:t>
-            </a:r>
-            <a:endParaRPr lang="de-DE" dirty="0">
-              <a:solidFill>
-                <a:schemeClr val="tx2">
-                  <a:lumMod val="20000"/>
-                  <a:lumOff val="80000"/>
-                </a:schemeClr>
-              </a:solidFill>
-            </a:endParaRPr>
-          </a:p>
-        </p:txBody>
-      </p:sp>
-      <p:sp>
-        <p:nvSpPr>
-          <p:cNvPr id="2" name="Fußzeilenplatzhalter 1">
-            <a:extLst>
-              <a:ext uri="{FF2B5EF4-FFF2-40B4-BE49-F238E27FC236}">
-                <a16:creationId xmlns:a16="http://schemas.microsoft.com/office/drawing/2014/main" id="{A5B03189-084D-4443-852C-94B1AC8BFB6A}"/>
-              </a:ext>
-            </a:extLst>
-          </p:cNvPr>
-          <p:cNvSpPr>
-            <a:spLocks noGrp="1"/>
-          </p:cNvSpPr>
-          <p:nvPr>
-            <p:ph type="ftr" sz="quarter" idx="11"/>
-          </p:nvPr>
-        </p:nvSpPr>
-        <p:spPr/>
-        <p:txBody>
-          <a:bodyPr/>
-          <a:lstStyle/>
-          <a:p>
-            <a:r>
-              <a:rPr lang="en-US"/>
-              <a:t>KA-Share</a:t>
-            </a:r>
-            <a:endParaRPr lang="en-US" dirty="0"/>
-          </a:p>
-        </p:txBody>
-      </p:sp>
-      <p:sp>
-        <p:nvSpPr>
-          <p:cNvPr id="3" name="Datumsplatzhalter 2">
-            <a:extLst>
-              <a:ext uri="{FF2B5EF4-FFF2-40B4-BE49-F238E27FC236}">
-                <a16:creationId xmlns:a16="http://schemas.microsoft.com/office/drawing/2014/main" id="{30F97EDC-C194-4257-80CF-D6B7B3929583}"/>
-              </a:ext>
-            </a:extLst>
-          </p:cNvPr>
-          <p:cNvSpPr>
-            <a:spLocks noGrp="1"/>
-          </p:cNvSpPr>
-          <p:nvPr>
-            <p:ph type="dt" sz="half" idx="10"/>
-          </p:nvPr>
-        </p:nvSpPr>
-        <p:spPr/>
-        <p:txBody>
-          <a:bodyPr/>
-          <a:lstStyle/>
-          <a:p>
-            <a:r>
-              <a:rPr lang="de-DE"/>
-              <a:t>11.02.2019</a:t>
-            </a:r>
-            <a:endParaRPr lang="en-US" dirty="0"/>
-          </a:p>
-        </p:txBody>
-      </p:sp>
-      <p:sp>
-        <p:nvSpPr>
-          <p:cNvPr id="4" name="Foliennummernplatzhalter 3">
-            <a:extLst>
-              <a:ext uri="{FF2B5EF4-FFF2-40B4-BE49-F238E27FC236}">
-                <a16:creationId xmlns:a16="http://schemas.microsoft.com/office/drawing/2014/main" id="{A8ABF8D6-B5D9-466A-B221-EC1107067940}"/>
-              </a:ext>
-            </a:extLst>
-          </p:cNvPr>
-          <p:cNvSpPr>
-            <a:spLocks noGrp="1"/>
-          </p:cNvSpPr>
-          <p:nvPr>
-            <p:ph type="sldNum" sz="quarter" idx="12"/>
-          </p:nvPr>
-        </p:nvSpPr>
-        <p:spPr/>
-        <p:txBody>
-          <a:bodyPr/>
-          <a:lstStyle/>
-          <a:p>
-            <a:fld id="{D57F1E4F-1CFF-5643-939E-217C01CDF565}" type="slidenum">
-              <a:rPr lang="en-US" smtClean="0"/>
-              <a:pPr/>
-              <a:t>9</a:t>
-            </a:fld>
-            <a:endParaRPr lang="en-US" dirty="0"/>
-          </a:p>
-        </p:txBody>
-      </p:sp>
-      <p:pic>
-        <p:nvPicPr>
-          <p:cNvPr id="7" name="Grafik 6" descr="Auto">
-            <a:extLst>
-              <a:ext uri="{FF2B5EF4-FFF2-40B4-BE49-F238E27FC236}">
-                <a16:creationId xmlns:a16="http://schemas.microsoft.com/office/drawing/2014/main" id="{72AE1237-DDF2-4CF4-9556-81C9B8D73FD1}"/>
-              </a:ext>
-            </a:extLst>
-          </p:cNvPr>
-          <p:cNvPicPr>
-            <a:picLocks noChangeAspect="1"/>
-          </p:cNvPicPr>
-          <p:nvPr/>
-        </p:nvPicPr>
-        <p:blipFill>
-          <a:blip r:embed="rId2">
-            <a:extLst>
-              <a:ext uri="{96DAC541-7B7A-43D3-8B79-37D633B846F1}">
-                <asvg:svgBlip xmlns:asvg="http://schemas.microsoft.com/office/drawing/2016/SVG/main" r:embed="rId3"/>
-              </a:ext>
-            </a:extLst>
-          </a:blip>
-          <a:stretch>
-            <a:fillRect/>
-          </a:stretch>
-        </p:blipFill>
-        <p:spPr>
-          <a:xfrm rot="18952507">
-            <a:off x="10890173" y="2415118"/>
-            <a:ext cx="1228875" cy="1228875"/>
-          </a:xfrm>
-          <a:prstGeom prst="rect">
-            <a:avLst/>
-          </a:prstGeom>
-        </p:spPr>
-      </p:pic>
-      <p:pic>
-        <p:nvPicPr>
-          <p:cNvPr id="9" name="Grafik 8" descr="Puzzle">
-            <a:extLst>
-              <a:ext uri="{FF2B5EF4-FFF2-40B4-BE49-F238E27FC236}">
-                <a16:creationId xmlns:a16="http://schemas.microsoft.com/office/drawing/2014/main" id="{AAB37315-7598-4A9B-8E10-735482D3A0F7}"/>
-              </a:ext>
-            </a:extLst>
-          </p:cNvPr>
-          <p:cNvPicPr>
-            <a:picLocks noChangeAspect="1"/>
-          </p:cNvPicPr>
-          <p:nvPr/>
-        </p:nvPicPr>
-        <p:blipFill>
-          <a:blip r:embed="rId4">
-            <a:extLst>
-              <a:ext uri="{96DAC541-7B7A-43D3-8B79-37D633B846F1}">
-                <asvg:svgBlip xmlns:asvg="http://schemas.microsoft.com/office/drawing/2016/SVG/main" r:embed="rId5"/>
-              </a:ext>
-            </a:extLst>
-          </a:blip>
-          <a:stretch>
-            <a:fillRect/>
-          </a:stretch>
-        </p:blipFill>
-        <p:spPr>
-          <a:xfrm>
-            <a:off x="5438889" y="4894792"/>
-            <a:ext cx="799041" cy="799041"/>
-          </a:xfrm>
-          <a:prstGeom prst="rect">
-            <a:avLst/>
-          </a:prstGeom>
-        </p:spPr>
-      </p:pic>
-    </p:spTree>
-    <p:extLst>
-      <p:ext uri="{BB962C8B-B14F-4D97-AF65-F5344CB8AC3E}">
-        <p14:creationId xmlns:p14="http://schemas.microsoft.com/office/powerpoint/2010/main" val="2889765455"/>
       </p:ext>
     </p:extLst>
   </p:cSld>

--- a/Präsentation/KA-Share.pptx
+++ b/Präsentation/KA-Share.pptx
@@ -6416,8 +6416,8 @@
           <a:lstStyle/>
           <a:p>
             <a:r>
-              <a:rPr lang="de-DE" dirty="0"/>
-              <a:t>KA-Share</a:t>
+              <a:rPr lang="de-DE"/>
+              <a:t>KA-Sharing</a:t>
             </a:r>
             <a:br>
               <a:rPr lang="de-DE" dirty="0"/>
